--- a/presentation/Presentation_Euro2016.pptx
+++ b/presentation/Presentation_Euro2016.pptx
@@ -1,31 +1,425 @@
 
 <file path=ppt/presentation.xml><?xml version="1.0" encoding="utf-8"?>
-<p:presentation xmlns:a="http://schemas.openxmlformats.org/drawingml/2006/main" xmlns:p="http://schemas.openxmlformats.org/presentationml/2006/main" xmlns:r="http://schemas.openxmlformats.org/officeDocument/2006/relationships">
+<p:presentation xmlns:a="http://schemas.openxmlformats.org/drawingml/2006/main" xmlns:r="http://schemas.openxmlformats.org/officeDocument/2006/relationships" xmlns:p="http://schemas.openxmlformats.org/presentationml/2006/main" saveSubsetFonts="1">
   <p:sldMasterIdLst>
-    <p:sldMasterId id="2147483648" r:id="rId2"/>
-    <p:sldMasterId id="2147483661" r:id="rId3"/>
+    <p:sldMasterId id="2147483648" r:id="rId1"/>
+    <p:sldMasterId id="2147483661" r:id="rId2"/>
   </p:sldMasterIdLst>
   <p:notesMasterIdLst>
-    <p:notesMasterId r:id="rId4"/>
+    <p:notesMasterId r:id="rId19"/>
   </p:notesMasterIdLst>
   <p:sldIdLst>
-    <p:sldId id="256" r:id="rId5"/>
-    <p:sldId id="257" r:id="rId6"/>
-    <p:sldId id="258" r:id="rId7"/>
-    <p:sldId id="259" r:id="rId8"/>
-    <p:sldId id="260" r:id="rId9"/>
-    <p:sldId id="261" r:id="rId10"/>
-    <p:sldId id="262" r:id="rId11"/>
-    <p:sldId id="263" r:id="rId12"/>
-    <p:sldId id="264" r:id="rId13"/>
+    <p:sldId id="256" r:id="rId3"/>
+    <p:sldId id="257" r:id="rId4"/>
+    <p:sldId id="265" r:id="rId5"/>
+    <p:sldId id="266" r:id="rId6"/>
+    <p:sldId id="267" r:id="rId7"/>
+    <p:sldId id="272" r:id="rId8"/>
+    <p:sldId id="273" r:id="rId9"/>
+    <p:sldId id="274" r:id="rId10"/>
+    <p:sldId id="259" r:id="rId11"/>
+    <p:sldId id="262" r:id="rId12"/>
+    <p:sldId id="263" r:id="rId13"/>
+    <p:sldId id="260" r:id="rId14"/>
+    <p:sldId id="261" r:id="rId15"/>
+    <p:sldId id="264" r:id="rId16"/>
+    <p:sldId id="275" r:id="rId17"/>
+    <p:sldId id="276" r:id="rId18"/>
   </p:sldIdLst>
   <p:sldSz cx="12192000" cy="6858000"/>
   <p:notesSz cx="6858000" cy="9144000"/>
+  <p:defaultTextStyle>
+    <a:defPPr>
+      <a:defRPr lang="en-US"/>
+    </a:defPPr>
+    <a:lvl1pPr marL="0" algn="l" defTabSz="914400" rtl="0" eaLnBrk="1" latinLnBrk="0" hangingPunct="1">
+      <a:defRPr sz="1800" kern="1200">
+        <a:solidFill>
+          <a:schemeClr val="tx1"/>
+        </a:solidFill>
+        <a:latin typeface="+mn-lt"/>
+        <a:ea typeface="+mn-ea"/>
+        <a:cs typeface="+mn-cs"/>
+      </a:defRPr>
+    </a:lvl1pPr>
+    <a:lvl2pPr marL="457200" algn="l" defTabSz="914400" rtl="0" eaLnBrk="1" latinLnBrk="0" hangingPunct="1">
+      <a:defRPr sz="1800" kern="1200">
+        <a:solidFill>
+          <a:schemeClr val="tx1"/>
+        </a:solidFill>
+        <a:latin typeface="+mn-lt"/>
+        <a:ea typeface="+mn-ea"/>
+        <a:cs typeface="+mn-cs"/>
+      </a:defRPr>
+    </a:lvl2pPr>
+    <a:lvl3pPr marL="914400" algn="l" defTabSz="914400" rtl="0" eaLnBrk="1" latinLnBrk="0" hangingPunct="1">
+      <a:defRPr sz="1800" kern="1200">
+        <a:solidFill>
+          <a:schemeClr val="tx1"/>
+        </a:solidFill>
+        <a:latin typeface="+mn-lt"/>
+        <a:ea typeface="+mn-ea"/>
+        <a:cs typeface="+mn-cs"/>
+      </a:defRPr>
+    </a:lvl3pPr>
+    <a:lvl4pPr marL="1371600" algn="l" defTabSz="914400" rtl="0" eaLnBrk="1" latinLnBrk="0" hangingPunct="1">
+      <a:defRPr sz="1800" kern="1200">
+        <a:solidFill>
+          <a:schemeClr val="tx1"/>
+        </a:solidFill>
+        <a:latin typeface="+mn-lt"/>
+        <a:ea typeface="+mn-ea"/>
+        <a:cs typeface="+mn-cs"/>
+      </a:defRPr>
+    </a:lvl4pPr>
+    <a:lvl5pPr marL="1828800" algn="l" defTabSz="914400" rtl="0" eaLnBrk="1" latinLnBrk="0" hangingPunct="1">
+      <a:defRPr sz="1800" kern="1200">
+        <a:solidFill>
+          <a:schemeClr val="tx1"/>
+        </a:solidFill>
+        <a:latin typeface="+mn-lt"/>
+        <a:ea typeface="+mn-ea"/>
+        <a:cs typeface="+mn-cs"/>
+      </a:defRPr>
+    </a:lvl5pPr>
+    <a:lvl6pPr marL="2286000" algn="l" defTabSz="914400" rtl="0" eaLnBrk="1" latinLnBrk="0" hangingPunct="1">
+      <a:defRPr sz="1800" kern="1200">
+        <a:solidFill>
+          <a:schemeClr val="tx1"/>
+        </a:solidFill>
+        <a:latin typeface="+mn-lt"/>
+        <a:ea typeface="+mn-ea"/>
+        <a:cs typeface="+mn-cs"/>
+      </a:defRPr>
+    </a:lvl6pPr>
+    <a:lvl7pPr marL="2743200" algn="l" defTabSz="914400" rtl="0" eaLnBrk="1" latinLnBrk="0" hangingPunct="1">
+      <a:defRPr sz="1800" kern="1200">
+        <a:solidFill>
+          <a:schemeClr val="tx1"/>
+        </a:solidFill>
+        <a:latin typeface="+mn-lt"/>
+        <a:ea typeface="+mn-ea"/>
+        <a:cs typeface="+mn-cs"/>
+      </a:defRPr>
+    </a:lvl7pPr>
+    <a:lvl8pPr marL="3200400" algn="l" defTabSz="914400" rtl="0" eaLnBrk="1" latinLnBrk="0" hangingPunct="1">
+      <a:defRPr sz="1800" kern="1200">
+        <a:solidFill>
+          <a:schemeClr val="tx1"/>
+        </a:solidFill>
+        <a:latin typeface="+mn-lt"/>
+        <a:ea typeface="+mn-ea"/>
+        <a:cs typeface="+mn-cs"/>
+      </a:defRPr>
+    </a:lvl8pPr>
+    <a:lvl9pPr marL="3657600" algn="l" defTabSz="914400" rtl="0" eaLnBrk="1" latinLnBrk="0" hangingPunct="1">
+      <a:defRPr sz="1800" kern="1200">
+        <a:solidFill>
+          <a:schemeClr val="tx1"/>
+        </a:solidFill>
+        <a:latin typeface="+mn-lt"/>
+        <a:ea typeface="+mn-ea"/>
+        <a:cs typeface="+mn-cs"/>
+      </a:defRPr>
+    </a:lvl9pPr>
+  </p:defaultTextStyle>
 </p:presentation>
 </file>
 
 <file path=ppt/notesMasters/notesMaster1.xml><?xml version="1.0" encoding="utf-8"?>
-<p:notesMaster xmlns:a="http://schemas.openxmlformats.org/drawingml/2006/main" xmlns:p="http://schemas.openxmlformats.org/presentationml/2006/main" xmlns:r="http://schemas.openxmlformats.org/officeDocument/2006/relationships">
+<p:notesMaster xmlns:a="http://schemas.openxmlformats.org/drawingml/2006/main" xmlns:r="http://schemas.openxmlformats.org/officeDocument/2006/relationships" xmlns:p="http://schemas.openxmlformats.org/presentationml/2006/main">
+  <p:cSld>
+    <p:bg>
+      <p:bgRef idx="1001">
+        <a:schemeClr val="bg1"/>
+      </p:bgRef>
+    </p:bg>
+    <p:spTree>
+      <p:nvGrpSpPr>
+        <p:cNvPr id="1" name=""/>
+        <p:cNvGrpSpPr/>
+        <p:nvPr/>
+      </p:nvGrpSpPr>
+      <p:grpSpPr>
+        <a:xfrm>
+          <a:off x="0" y="0"/>
+          <a:ext cx="0" cy="0"/>
+          <a:chOff x="0" y="0"/>
+          <a:chExt cx="0" cy="0"/>
+        </a:xfrm>
+      </p:grpSpPr>
+      <p:sp>
+        <p:nvSpPr>
+          <p:cNvPr id="72" name="PlaceHolder 1"/>
+          <p:cNvSpPr>
+            <a:spLocks noGrp="1"/>
+          </p:cNvSpPr>
+          <p:nvPr>
+            <p:ph type="body"/>
+          </p:nvPr>
+        </p:nvSpPr>
+        <p:spPr>
+          <a:xfrm>
+            <a:off x="756000" y="5078520"/>
+            <a:ext cx="6047640" cy="4811040"/>
+          </a:xfrm>
+          <a:prstGeom prst="rect">
+            <a:avLst/>
+          </a:prstGeom>
+        </p:spPr>
+        <p:txBody>
+          <a:bodyPr lIns="0" tIns="0" rIns="0" bIns="0"/>
+          <a:lstStyle/>
+          <a:p>
+            <a:r>
+              <a:rPr lang="en-US" sz="2000">
+                <a:latin typeface="Arial"/>
+              </a:rPr>
+              <a:t>Click to edit the notes format</a:t>
+            </a:r>
+            <a:endParaRPr/>
+          </a:p>
+        </p:txBody>
+      </p:sp>
+      <p:sp>
+        <p:nvSpPr>
+          <p:cNvPr id="73" name="PlaceHolder 2"/>
+          <p:cNvSpPr>
+            <a:spLocks noGrp="1"/>
+          </p:cNvSpPr>
+          <p:nvPr>
+            <p:ph type="hdr"/>
+          </p:nvPr>
+        </p:nvSpPr>
+        <p:spPr>
+          <a:xfrm>
+            <a:off x="0" y="0"/>
+            <a:ext cx="3280680" cy="534240"/>
+          </a:xfrm>
+          <a:prstGeom prst="rect">
+            <a:avLst/>
+          </a:prstGeom>
+        </p:spPr>
+        <p:txBody>
+          <a:bodyPr lIns="0" tIns="0" rIns="0" bIns="0"/>
+          <a:lstStyle/>
+          <a:p>
+            <a:r>
+              <a:rPr lang="en-US" sz="1400">
+                <a:latin typeface="Times New Roman"/>
+              </a:rPr>
+              <a:t>&lt;header&gt;</a:t>
+            </a:r>
+            <a:endParaRPr/>
+          </a:p>
+        </p:txBody>
+      </p:sp>
+      <p:sp>
+        <p:nvSpPr>
+          <p:cNvPr id="74" name="PlaceHolder 3"/>
+          <p:cNvSpPr>
+            <a:spLocks noGrp="1"/>
+          </p:cNvSpPr>
+          <p:nvPr>
+            <p:ph type="dt"/>
+          </p:nvPr>
+        </p:nvSpPr>
+        <p:spPr>
+          <a:xfrm>
+            <a:off x="4278960" y="0"/>
+            <a:ext cx="3280680" cy="534240"/>
+          </a:xfrm>
+          <a:prstGeom prst="rect">
+            <a:avLst/>
+          </a:prstGeom>
+        </p:spPr>
+        <p:txBody>
+          <a:bodyPr lIns="0" tIns="0" rIns="0" bIns="0"/>
+          <a:lstStyle/>
+          <a:p>
+            <a:pPr algn="r"/>
+            <a:r>
+              <a:rPr lang="en-US" sz="1400">
+                <a:latin typeface="Times New Roman"/>
+              </a:rPr>
+              <a:t>&lt;date/time&gt;</a:t>
+            </a:r>
+            <a:endParaRPr/>
+          </a:p>
+        </p:txBody>
+      </p:sp>
+      <p:sp>
+        <p:nvSpPr>
+          <p:cNvPr id="75" name="PlaceHolder 4"/>
+          <p:cNvSpPr>
+            <a:spLocks noGrp="1"/>
+          </p:cNvSpPr>
+          <p:nvPr>
+            <p:ph type="ftr"/>
+          </p:nvPr>
+        </p:nvSpPr>
+        <p:spPr>
+          <a:xfrm>
+            <a:off x="0" y="10157400"/>
+            <a:ext cx="3280680" cy="534240"/>
+          </a:xfrm>
+          <a:prstGeom prst="rect">
+            <a:avLst/>
+          </a:prstGeom>
+        </p:spPr>
+        <p:txBody>
+          <a:bodyPr lIns="0" tIns="0" rIns="0" bIns="0" anchor="b"/>
+          <a:lstStyle/>
+          <a:p>
+            <a:r>
+              <a:rPr lang="en-US" sz="1400">
+                <a:latin typeface="Times New Roman"/>
+              </a:rPr>
+              <a:t>&lt;footer&gt;</a:t>
+            </a:r>
+            <a:endParaRPr/>
+          </a:p>
+        </p:txBody>
+      </p:sp>
+      <p:sp>
+        <p:nvSpPr>
+          <p:cNvPr id="76" name="PlaceHolder 5"/>
+          <p:cNvSpPr>
+            <a:spLocks noGrp="1"/>
+          </p:cNvSpPr>
+          <p:nvPr>
+            <p:ph type="sldNum"/>
+          </p:nvPr>
+        </p:nvSpPr>
+        <p:spPr>
+          <a:xfrm>
+            <a:off x="4278960" y="10157400"/>
+            <a:ext cx="3280680" cy="534240"/>
+          </a:xfrm>
+          <a:prstGeom prst="rect">
+            <a:avLst/>
+          </a:prstGeom>
+        </p:spPr>
+        <p:txBody>
+          <a:bodyPr lIns="0" tIns="0" rIns="0" bIns="0" anchor="b"/>
+          <a:lstStyle/>
+          <a:p>
+            <a:pPr algn="r"/>
+            <a:fld id="{321DF987-E35A-4AA2-8CB6-F887F2538960}" type="slidenum">
+              <a:rPr lang="en-US" sz="1400">
+                <a:latin typeface="Times New Roman"/>
+              </a:rPr>
+              <a:t>‹#›</a:t>
+            </a:fld>
+            <a:endParaRPr/>
+          </a:p>
+        </p:txBody>
+      </p:sp>
+    </p:spTree>
+    <p:extLst>
+      <p:ext uri="{BB962C8B-B14F-4D97-AF65-F5344CB8AC3E}">
+        <p14:creationId xmlns:p14="http://schemas.microsoft.com/office/powerpoint/2010/main" val="842672600"/>
+      </p:ext>
+    </p:extLst>
+  </p:cSld>
+  <p:clrMap bg1="lt1" tx1="dk1" bg2="lt2" tx2="dk2" accent1="accent1" accent2="accent2" accent3="accent3" accent4="accent4" accent5="accent5" accent6="accent6" hlink="hlink" folHlink="folHlink"/>
+  <p:notesStyle>
+    <a:lvl1pPr marL="0" algn="l" defTabSz="914400" rtl="0" eaLnBrk="1" latinLnBrk="0" hangingPunct="1">
+      <a:defRPr sz="1200" kern="1200">
+        <a:solidFill>
+          <a:schemeClr val="tx1"/>
+        </a:solidFill>
+        <a:latin typeface="+mn-lt"/>
+        <a:ea typeface="+mn-ea"/>
+        <a:cs typeface="+mn-cs"/>
+      </a:defRPr>
+    </a:lvl1pPr>
+    <a:lvl2pPr marL="457200" algn="l" defTabSz="914400" rtl="0" eaLnBrk="1" latinLnBrk="0" hangingPunct="1">
+      <a:defRPr sz="1200" kern="1200">
+        <a:solidFill>
+          <a:schemeClr val="tx1"/>
+        </a:solidFill>
+        <a:latin typeface="+mn-lt"/>
+        <a:ea typeface="+mn-ea"/>
+        <a:cs typeface="+mn-cs"/>
+      </a:defRPr>
+    </a:lvl2pPr>
+    <a:lvl3pPr marL="914400" algn="l" defTabSz="914400" rtl="0" eaLnBrk="1" latinLnBrk="0" hangingPunct="1">
+      <a:defRPr sz="1200" kern="1200">
+        <a:solidFill>
+          <a:schemeClr val="tx1"/>
+        </a:solidFill>
+        <a:latin typeface="+mn-lt"/>
+        <a:ea typeface="+mn-ea"/>
+        <a:cs typeface="+mn-cs"/>
+      </a:defRPr>
+    </a:lvl3pPr>
+    <a:lvl4pPr marL="1371600" algn="l" defTabSz="914400" rtl="0" eaLnBrk="1" latinLnBrk="0" hangingPunct="1">
+      <a:defRPr sz="1200" kern="1200">
+        <a:solidFill>
+          <a:schemeClr val="tx1"/>
+        </a:solidFill>
+        <a:latin typeface="+mn-lt"/>
+        <a:ea typeface="+mn-ea"/>
+        <a:cs typeface="+mn-cs"/>
+      </a:defRPr>
+    </a:lvl4pPr>
+    <a:lvl5pPr marL="1828800" algn="l" defTabSz="914400" rtl="0" eaLnBrk="1" latinLnBrk="0" hangingPunct="1">
+      <a:defRPr sz="1200" kern="1200">
+        <a:solidFill>
+          <a:schemeClr val="tx1"/>
+        </a:solidFill>
+        <a:latin typeface="+mn-lt"/>
+        <a:ea typeface="+mn-ea"/>
+        <a:cs typeface="+mn-cs"/>
+      </a:defRPr>
+    </a:lvl5pPr>
+    <a:lvl6pPr marL="2286000" algn="l" defTabSz="914400" rtl="0" eaLnBrk="1" latinLnBrk="0" hangingPunct="1">
+      <a:defRPr sz="1200" kern="1200">
+        <a:solidFill>
+          <a:schemeClr val="tx1"/>
+        </a:solidFill>
+        <a:latin typeface="+mn-lt"/>
+        <a:ea typeface="+mn-ea"/>
+        <a:cs typeface="+mn-cs"/>
+      </a:defRPr>
+    </a:lvl6pPr>
+    <a:lvl7pPr marL="2743200" algn="l" defTabSz="914400" rtl="0" eaLnBrk="1" latinLnBrk="0" hangingPunct="1">
+      <a:defRPr sz="1200" kern="1200">
+        <a:solidFill>
+          <a:schemeClr val="tx1"/>
+        </a:solidFill>
+        <a:latin typeface="+mn-lt"/>
+        <a:ea typeface="+mn-ea"/>
+        <a:cs typeface="+mn-cs"/>
+      </a:defRPr>
+    </a:lvl7pPr>
+    <a:lvl8pPr marL="3200400" algn="l" defTabSz="914400" rtl="0" eaLnBrk="1" latinLnBrk="0" hangingPunct="1">
+      <a:defRPr sz="1200" kern="1200">
+        <a:solidFill>
+          <a:schemeClr val="tx1"/>
+        </a:solidFill>
+        <a:latin typeface="+mn-lt"/>
+        <a:ea typeface="+mn-ea"/>
+        <a:cs typeface="+mn-cs"/>
+      </a:defRPr>
+    </a:lvl8pPr>
+    <a:lvl9pPr marL="3657600" algn="l" defTabSz="914400" rtl="0" eaLnBrk="1" latinLnBrk="0" hangingPunct="1">
+      <a:defRPr sz="1200" kern="1200">
+        <a:solidFill>
+          <a:schemeClr val="tx1"/>
+        </a:solidFill>
+        <a:latin typeface="+mn-lt"/>
+        <a:ea typeface="+mn-ea"/>
+        <a:cs typeface="+mn-cs"/>
+      </a:defRPr>
+    </a:lvl9pPr>
+  </p:notesStyle>
+</p:notesMaster>
+</file>
+
+<file path=ppt/notesSlides/notesSlide1.xml><?xml version="1.0" encoding="utf-8"?>
+<p:notes xmlns:a="http://schemas.openxmlformats.org/drawingml/2006/main" xmlns:r="http://schemas.openxmlformats.org/officeDocument/2006/relationships" xmlns:p="http://schemas.openxmlformats.org/presentationml/2006/main">
   <p:cSld>
     <p:spTree>
       <p:nvGrpSpPr>
@@ -43,7 +437,7 @@
       </p:grpSpPr>
       <p:sp>
         <p:nvSpPr>
-          <p:cNvPr id="72" name="PlaceHolder 1"/>
+          <p:cNvPr id="96" name="PlaceHolder 1"/>
           <p:cNvSpPr>
             <a:spLocks noGrp="1"/>
           </p:cNvSpPr>
@@ -53,164 +447,93 @@
         </p:nvSpPr>
         <p:spPr>
           <a:xfrm>
-            <a:off x="756000" y="5078520"/>
-            <a:ext cx="6047640" cy="4811040"/>
-          </a:xfrm>
-          <a:prstGeom prst="rect">
-            <a:avLst/>
-          </a:prstGeom>
-        </p:spPr>
-        <p:txBody>
-          <a:bodyPr lIns="0" rIns="0" tIns="0" bIns="0"/>
-          <a:p>
-            <a:r>
-              <a:rPr lang="en-US" sz="2000">
+            <a:off x="685800" y="4400640"/>
+            <a:ext cx="5485680" cy="3599640"/>
+          </a:xfrm>
+          <a:prstGeom prst="rect">
+            <a:avLst/>
+          </a:prstGeom>
+        </p:spPr>
+        <p:txBody>
+          <a:bodyPr lIns="0" tIns="0" rIns="0" bIns="0"/>
+          <a:lstStyle/>
+          <a:p>
+            <a:r>
+              <a:rPr lang="en-US" sz="2400">
                 <a:latin typeface="Arial"/>
               </a:rPr>
-              <a:t>Click to edit the notes format</a:t>
-            </a:r>
-            <a:endParaRPr/>
-          </a:p>
-        </p:txBody>
-      </p:sp>
-      <p:sp>
-        <p:nvSpPr>
-          <p:cNvPr id="73" name="PlaceHolder 2"/>
-          <p:cNvSpPr>
-            <a:spLocks noGrp="1"/>
-          </p:cNvSpPr>
-          <p:nvPr>
-            <p:ph type="hdr"/>
-          </p:nvPr>
-        </p:nvSpPr>
-        <p:spPr>
-          <a:xfrm>
-            <a:off x="0" y="0"/>
-            <a:ext cx="3280680" cy="534240"/>
-          </a:xfrm>
-          <a:prstGeom prst="rect">
-            <a:avLst/>
-          </a:prstGeom>
-        </p:spPr>
-        <p:txBody>
-          <a:bodyPr lIns="0" rIns="0" tIns="0" bIns="0"/>
-          <a:p>
-            <a:r>
-              <a:rPr lang="en-US" sz="1400">
-                <a:latin typeface="Times New Roman"/>
-              </a:rPr>
-              <a:t>&lt;header&gt;</a:t>
-            </a:r>
-            <a:endParaRPr/>
-          </a:p>
-        </p:txBody>
-      </p:sp>
-      <p:sp>
-        <p:nvSpPr>
-          <p:cNvPr id="74" name="PlaceHolder 3"/>
-          <p:cNvSpPr>
-            <a:spLocks noGrp="1"/>
-          </p:cNvSpPr>
-          <p:nvPr>
-            <p:ph type="dt"/>
-          </p:nvPr>
-        </p:nvSpPr>
-        <p:spPr>
-          <a:xfrm>
-            <a:off x="4278960" y="0"/>
-            <a:ext cx="3280680" cy="534240"/>
-          </a:xfrm>
-          <a:prstGeom prst="rect">
-            <a:avLst/>
-          </a:prstGeom>
-        </p:spPr>
-        <p:txBody>
-          <a:bodyPr lIns="0" rIns="0" tIns="0" bIns="0"/>
-          <a:p>
-            <a:pPr algn="r"/>
-            <a:r>
-              <a:rPr lang="en-US" sz="1400">
-                <a:latin typeface="Times New Roman"/>
-              </a:rPr>
-              <a:t>&lt;date/time&gt;</a:t>
-            </a:r>
-            <a:endParaRPr/>
-          </a:p>
-        </p:txBody>
-      </p:sp>
-      <p:sp>
-        <p:nvSpPr>
-          <p:cNvPr id="75" name="PlaceHolder 4"/>
-          <p:cNvSpPr>
-            <a:spLocks noGrp="1"/>
-          </p:cNvSpPr>
-          <p:nvPr>
-            <p:ph type="ftr"/>
-          </p:nvPr>
-        </p:nvSpPr>
-        <p:spPr>
-          <a:xfrm>
-            <a:off x="0" y="10157400"/>
-            <a:ext cx="3280680" cy="534240"/>
-          </a:xfrm>
-          <a:prstGeom prst="rect">
-            <a:avLst/>
-          </a:prstGeom>
-        </p:spPr>
-        <p:txBody>
-          <a:bodyPr lIns="0" rIns="0" tIns="0" bIns="0" anchor="b"/>
-          <a:p>
-            <a:r>
-              <a:rPr lang="en-US" sz="1400">
-                <a:latin typeface="Times New Roman"/>
-              </a:rPr>
-              <a:t>&lt;footer&gt;</a:t>
-            </a:r>
-            <a:endParaRPr/>
-          </a:p>
-        </p:txBody>
-      </p:sp>
-      <p:sp>
-        <p:nvSpPr>
-          <p:cNvPr id="76" name="PlaceHolder 5"/>
-          <p:cNvSpPr>
-            <a:spLocks noGrp="1"/>
-          </p:cNvSpPr>
-          <p:nvPr>
-            <p:ph type="sldNum"/>
-          </p:nvPr>
-        </p:nvSpPr>
-        <p:spPr>
-          <a:xfrm>
-            <a:off x="4278960" y="10157400"/>
-            <a:ext cx="3280680" cy="534240"/>
-          </a:xfrm>
-          <a:prstGeom prst="rect">
-            <a:avLst/>
-          </a:prstGeom>
-        </p:spPr>
-        <p:txBody>
-          <a:bodyPr lIns="0" rIns="0" tIns="0" bIns="0" anchor="b"/>
-          <a:p>
-            <a:pPr algn="r"/>
-            <a:fld id="{321DF987-E35A-4AA2-8CB6-F887F2538960}" type="slidenum">
-              <a:rPr lang="en-US" sz="1400">
-                <a:latin typeface="Times New Roman"/>
-              </a:rPr>
-              <a:t>&lt;number&gt;</a:t>
+              <a:t>Feature selection on the discrete data: all of them quite insignificant.</a:t>
+            </a:r>
+            <a:endParaRPr/>
+          </a:p>
+          <a:p>
+            <a:r>
+              <a:rPr lang="en-US" sz="2400">
+                <a:latin typeface="Arial"/>
+              </a:rPr>
+              <a:t>Continuous features ranking using Least Squares Support Vector Machine with Radial Basis Function Kernel.  </a:t>
+            </a:r>
+            <a:endParaRPr/>
+          </a:p>
+        </p:txBody>
+      </p:sp>
+      <p:sp>
+        <p:nvSpPr>
+          <p:cNvPr id="97" name="CustomShape 2"/>
+          <p:cNvSpPr/>
+          <p:nvPr/>
+        </p:nvSpPr>
+        <p:spPr>
+          <a:xfrm>
+            <a:off x="3884760" y="8685360"/>
+            <a:ext cx="2971080" cy="457920"/>
+          </a:xfrm>
+          <a:prstGeom prst="rect">
+            <a:avLst/>
+          </a:prstGeom>
+          <a:noFill/>
+          <a:ln>
+            <a:noFill/>
+          </a:ln>
+        </p:spPr>
+        <p:txBody>
+          <a:bodyPr lIns="90000" tIns="45000" rIns="90000" bIns="45000" anchor="b"/>
+          <a:lstStyle/>
+          <a:p>
+            <a:pPr algn="r">
+              <a:lnSpc>
+                <a:spcPct val="100000"/>
+              </a:lnSpc>
+            </a:pPr>
+            <a:fld id="{C86A2350-C296-4868-A97E-BA2F8D069524}" type="slidenum">
+              <a:rPr lang="en-US" sz="1200">
+                <a:solidFill>
+                  <a:srgbClr val="000000"/>
+                </a:solidFill>
+                <a:latin typeface="+mn-lt"/>
+                <a:ea typeface="+mn-ea"/>
+              </a:rPr>
+              <a:t>6</a:t>
             </a:fld>
             <a:endParaRPr/>
           </a:p>
         </p:txBody>
       </p:sp>
     </p:spTree>
+    <p:extLst>
+      <p:ext uri="{BB962C8B-B14F-4D97-AF65-F5344CB8AC3E}">
+        <p14:creationId xmlns:p14="http://schemas.microsoft.com/office/powerpoint/2010/main" val="707924022"/>
+      </p:ext>
+    </p:extLst>
   </p:cSld>
-  <p:clrMap bg1="lt1" bg2="lt2" tx1="dk1" tx2="dk2" accent1="accent1" accent2="accent2" accent3="accent3" accent4="accent4" accent5="accent5" accent6="accent6" hlink="hlink" folHlink="folHlink"/>
-</p:notesMaster>
+  <p:clrMapOvr>
+    <a:masterClrMapping/>
+  </p:clrMapOvr>
+</p:notes>
 </file>
 
-<file path=ppt/notesSlides/notesSlide3.xml><?xml version="1.0" encoding="utf-8"?>
-<p:notes xmlns:a="http://schemas.openxmlformats.org/drawingml/2006/main" xmlns:p="http://schemas.openxmlformats.org/presentationml/2006/main" xmlns:r="http://schemas.openxmlformats.org/officeDocument/2006/relationships">
+<file path=ppt/notesSlides/notesSlide2.xml><?xml version="1.0" encoding="utf-8"?>
+<p:notes xmlns:a="http://schemas.openxmlformats.org/drawingml/2006/main" xmlns:r="http://schemas.openxmlformats.org/officeDocument/2006/relationships" xmlns:p="http://schemas.openxmlformats.org/presentationml/2006/main">
   <p:cSld>
     <p:spTree>
       <p:nvGrpSpPr>
@@ -246,7 +569,8 @@
           </a:prstGeom>
         </p:spPr>
         <p:txBody>
-          <a:bodyPr lIns="0" rIns="0" tIns="0" bIns="0"/>
+          <a:bodyPr lIns="0" tIns="0" rIns="0" bIns="0"/>
+          <a:lstStyle/>
           <a:p>
             <a:r>
               <a:rPr lang="en-US" sz="2400">
@@ -287,7 +611,8 @@
           </a:ln>
         </p:spPr>
         <p:txBody>
-          <a:bodyPr lIns="90000" rIns="90000" tIns="45000" bIns="45000" anchor="b"/>
+          <a:bodyPr lIns="90000" tIns="45000" rIns="90000" bIns="45000" anchor="b"/>
+          <a:lstStyle/>
           <a:p>
             <a:pPr algn="r">
               <a:lnSpc>
@@ -302,19 +627,141 @@
                 <a:latin typeface="+mn-lt"/>
                 <a:ea typeface="+mn-ea"/>
               </a:rPr>
-              <a:t>&lt;number&gt;</a:t>
+              <a:t>7</a:t>
             </a:fld>
             <a:endParaRPr/>
           </a:p>
         </p:txBody>
       </p:sp>
     </p:spTree>
+    <p:extLst>
+      <p:ext uri="{BB962C8B-B14F-4D97-AF65-F5344CB8AC3E}">
+        <p14:creationId xmlns:p14="http://schemas.microsoft.com/office/powerpoint/2010/main" val="1573920380"/>
+      </p:ext>
+    </p:extLst>
   </p:cSld>
+  <p:clrMapOvr>
+    <a:masterClrMapping/>
+  </p:clrMapOvr>
+</p:notes>
+</file>
+
+<file path=ppt/notesSlides/notesSlide3.xml><?xml version="1.0" encoding="utf-8"?>
+<p:notes xmlns:a="http://schemas.openxmlformats.org/drawingml/2006/main" xmlns:r="http://schemas.openxmlformats.org/officeDocument/2006/relationships" xmlns:p="http://schemas.openxmlformats.org/presentationml/2006/main">
+  <p:cSld>
+    <p:spTree>
+      <p:nvGrpSpPr>
+        <p:cNvPr id="1" name=""/>
+        <p:cNvGrpSpPr/>
+        <p:nvPr/>
+      </p:nvGrpSpPr>
+      <p:grpSpPr>
+        <a:xfrm>
+          <a:off x="0" y="0"/>
+          <a:ext cx="0" cy="0"/>
+          <a:chOff x="0" y="0"/>
+          <a:chExt cx="0" cy="0"/>
+        </a:xfrm>
+      </p:grpSpPr>
+      <p:sp>
+        <p:nvSpPr>
+          <p:cNvPr id="96" name="PlaceHolder 1"/>
+          <p:cNvSpPr>
+            <a:spLocks noGrp="1"/>
+          </p:cNvSpPr>
+          <p:nvPr>
+            <p:ph type="body"/>
+          </p:nvPr>
+        </p:nvSpPr>
+        <p:spPr>
+          <a:xfrm>
+            <a:off x="685800" y="4400640"/>
+            <a:ext cx="5485680" cy="3599640"/>
+          </a:xfrm>
+          <a:prstGeom prst="rect">
+            <a:avLst/>
+          </a:prstGeom>
+        </p:spPr>
+        <p:txBody>
+          <a:bodyPr lIns="0" tIns="0" rIns="0" bIns="0"/>
+          <a:lstStyle/>
+          <a:p>
+            <a:r>
+              <a:rPr lang="en-US" sz="2400">
+                <a:latin typeface="Arial"/>
+              </a:rPr>
+              <a:t>Feature selection on the discrete data: all of them quite insignificant.</a:t>
+            </a:r>
+            <a:endParaRPr/>
+          </a:p>
+          <a:p>
+            <a:r>
+              <a:rPr lang="en-US" sz="2400">
+                <a:latin typeface="Arial"/>
+              </a:rPr>
+              <a:t>Continuous features ranking using Least Squares Support Vector Machine with Radial Basis Function Kernel.  </a:t>
+            </a:r>
+            <a:endParaRPr/>
+          </a:p>
+        </p:txBody>
+      </p:sp>
+      <p:sp>
+        <p:nvSpPr>
+          <p:cNvPr id="97" name="CustomShape 2"/>
+          <p:cNvSpPr/>
+          <p:nvPr/>
+        </p:nvSpPr>
+        <p:spPr>
+          <a:xfrm>
+            <a:off x="3884760" y="8685360"/>
+            <a:ext cx="2971080" cy="457920"/>
+          </a:xfrm>
+          <a:prstGeom prst="rect">
+            <a:avLst/>
+          </a:prstGeom>
+          <a:noFill/>
+          <a:ln>
+            <a:noFill/>
+          </a:ln>
+        </p:spPr>
+        <p:txBody>
+          <a:bodyPr lIns="90000" tIns="45000" rIns="90000" bIns="45000" anchor="b"/>
+          <a:lstStyle/>
+          <a:p>
+            <a:pPr algn="r">
+              <a:lnSpc>
+                <a:spcPct val="100000"/>
+              </a:lnSpc>
+            </a:pPr>
+            <a:fld id="{C86A2350-C296-4868-A97E-BA2F8D069524}" type="slidenum">
+              <a:rPr lang="en-US" sz="1200">
+                <a:solidFill>
+                  <a:srgbClr val="000000"/>
+                </a:solidFill>
+                <a:latin typeface="+mn-lt"/>
+                <a:ea typeface="+mn-ea"/>
+              </a:rPr>
+              <a:t>8</a:t>
+            </a:fld>
+            <a:endParaRPr/>
+          </a:p>
+        </p:txBody>
+      </p:sp>
+    </p:spTree>
+    <p:extLst>
+      <p:ext uri="{BB962C8B-B14F-4D97-AF65-F5344CB8AC3E}">
+        <p14:creationId xmlns:p14="http://schemas.microsoft.com/office/powerpoint/2010/main" val="1802230835"/>
+      </p:ext>
+    </p:extLst>
+  </p:cSld>
+  <p:clrMapOvr>
+    <a:masterClrMapping/>
+  </p:clrMapOvr>
 </p:notes>
 </file>
 
 <file path=ppt/slideLayouts/slideLayout1.xml><?xml version="1.0" encoding="utf-8"?>
-<p:sldLayout xmlns:a="http://schemas.openxmlformats.org/drawingml/2006/main" xmlns:p="http://schemas.openxmlformats.org/presentationml/2006/main" xmlns:r="http://schemas.openxmlformats.org/officeDocument/2006/relationships" type="blank" preserve="1">
+<p:sldLayout xmlns:a="http://schemas.openxmlformats.org/drawingml/2006/main" xmlns:r="http://schemas.openxmlformats.org/officeDocument/2006/relationships" xmlns:p="http://schemas.openxmlformats.org/presentationml/2006/main" type="blank" preserve="1">
   <p:cSld name="Blank Slide">
     <p:spTree>
       <p:nvGrpSpPr>
@@ -332,11 +779,14 @@
       </p:grpSpPr>
     </p:spTree>
   </p:cSld>
+  <p:clrMapOvr>
+    <a:masterClrMapping/>
+  </p:clrMapOvr>
 </p:sldLayout>
 </file>
 
 <file path=ppt/slideLayouts/slideLayout10.xml><?xml version="1.0" encoding="utf-8"?>
-<p:sldLayout xmlns:a="http://schemas.openxmlformats.org/drawingml/2006/main" xmlns:p="http://schemas.openxmlformats.org/presentationml/2006/main" xmlns:r="http://schemas.openxmlformats.org/officeDocument/2006/relationships" type="objOverTx" preserve="1">
+<p:sldLayout xmlns:a="http://schemas.openxmlformats.org/drawingml/2006/main" xmlns:r="http://schemas.openxmlformats.org/officeDocument/2006/relationships" xmlns:p="http://schemas.openxmlformats.org/presentationml/2006/main" type="objOverTx" preserve="1">
   <p:cSld name="Title, Content over Content">
     <p:spTree>
       <p:nvGrpSpPr>
@@ -372,7 +822,8 @@
           </a:prstGeom>
         </p:spPr>
         <p:txBody>
-          <a:bodyPr lIns="0" rIns="0" tIns="0" bIns="0" anchor="ctr"/>
+          <a:bodyPr lIns="0" tIns="0" rIns="0" bIns="0" anchor="ctr"/>
+          <a:lstStyle/>
           <a:p>
             <a:pPr algn="ctr"/>
             <a:endParaRPr/>
@@ -399,7 +850,8 @@
           </a:prstGeom>
         </p:spPr>
         <p:txBody>
-          <a:bodyPr lIns="0" rIns="0" tIns="0" bIns="0"/>
+          <a:bodyPr lIns="0" tIns="0" rIns="0" bIns="0"/>
+          <a:lstStyle/>
           <a:p>
             <a:endParaRPr/>
           </a:p>
@@ -425,7 +877,8 @@
           </a:prstGeom>
         </p:spPr>
         <p:txBody>
-          <a:bodyPr lIns="0" rIns="0" tIns="0" bIns="0"/>
+          <a:bodyPr lIns="0" tIns="0" rIns="0" bIns="0"/>
+          <a:lstStyle/>
           <a:p>
             <a:endParaRPr/>
           </a:p>
@@ -433,11 +886,14 @@
       </p:sp>
     </p:spTree>
   </p:cSld>
+  <p:clrMapOvr>
+    <a:masterClrMapping/>
+  </p:clrMapOvr>
 </p:sldLayout>
 </file>
 
 <file path=ppt/slideLayouts/slideLayout11.xml><?xml version="1.0" encoding="utf-8"?>
-<p:sldLayout xmlns:a="http://schemas.openxmlformats.org/drawingml/2006/main" xmlns:p="http://schemas.openxmlformats.org/presentationml/2006/main" xmlns:r="http://schemas.openxmlformats.org/officeDocument/2006/relationships" type="fourObj" preserve="1">
+<p:sldLayout xmlns:a="http://schemas.openxmlformats.org/drawingml/2006/main" xmlns:r="http://schemas.openxmlformats.org/officeDocument/2006/relationships" xmlns:p="http://schemas.openxmlformats.org/presentationml/2006/main" type="fourObj" preserve="1">
   <p:cSld name="Title, 4 Content">
     <p:spTree>
       <p:nvGrpSpPr>
@@ -473,7 +929,8 @@
           </a:prstGeom>
         </p:spPr>
         <p:txBody>
-          <a:bodyPr lIns="0" rIns="0" tIns="0" bIns="0" anchor="ctr"/>
+          <a:bodyPr lIns="0" tIns="0" rIns="0" bIns="0" anchor="ctr"/>
+          <a:lstStyle/>
           <a:p>
             <a:pPr algn="ctr"/>
             <a:endParaRPr/>
@@ -500,7 +957,8 @@
           </a:prstGeom>
         </p:spPr>
         <p:txBody>
-          <a:bodyPr lIns="0" rIns="0" tIns="0" bIns="0"/>
+          <a:bodyPr lIns="0" tIns="0" rIns="0" bIns="0"/>
+          <a:lstStyle/>
           <a:p>
             <a:endParaRPr/>
           </a:p>
@@ -526,7 +984,8 @@
           </a:prstGeom>
         </p:spPr>
         <p:txBody>
-          <a:bodyPr lIns="0" rIns="0" tIns="0" bIns="0"/>
+          <a:bodyPr lIns="0" tIns="0" rIns="0" bIns="0"/>
+          <a:lstStyle/>
           <a:p>
             <a:endParaRPr/>
           </a:p>
@@ -552,7 +1011,8 @@
           </a:prstGeom>
         </p:spPr>
         <p:txBody>
-          <a:bodyPr lIns="0" rIns="0" tIns="0" bIns="0"/>
+          <a:bodyPr lIns="0" tIns="0" rIns="0" bIns="0"/>
+          <a:lstStyle/>
           <a:p>
             <a:endParaRPr/>
           </a:p>
@@ -578,7 +1038,8 @@
           </a:prstGeom>
         </p:spPr>
         <p:txBody>
-          <a:bodyPr lIns="0" rIns="0" tIns="0" bIns="0"/>
+          <a:bodyPr lIns="0" tIns="0" rIns="0" bIns="0"/>
+          <a:lstStyle/>
           <a:p>
             <a:endParaRPr/>
           </a:p>
@@ -586,11 +1047,14 @@
       </p:sp>
     </p:spTree>
   </p:cSld>
+  <p:clrMapOvr>
+    <a:masterClrMapping/>
+  </p:clrMapOvr>
 </p:sldLayout>
 </file>
 
 <file path=ppt/slideLayouts/slideLayout12.xml><?xml version="1.0" encoding="utf-8"?>
-<p:sldLayout xmlns:a="http://schemas.openxmlformats.org/drawingml/2006/main" xmlns:p="http://schemas.openxmlformats.org/presentationml/2006/main" xmlns:r="http://schemas.openxmlformats.org/officeDocument/2006/relationships" type="blank" preserve="1">
+<p:sldLayout xmlns:a="http://schemas.openxmlformats.org/drawingml/2006/main" xmlns:r="http://schemas.openxmlformats.org/officeDocument/2006/relationships" xmlns:p="http://schemas.openxmlformats.org/presentationml/2006/main" type="blank" preserve="1">
   <p:cSld name="Title, 6 Content">
     <p:spTree>
       <p:nvGrpSpPr>
@@ -626,7 +1090,8 @@
           </a:prstGeom>
         </p:spPr>
         <p:txBody>
-          <a:bodyPr lIns="0" rIns="0" tIns="0" bIns="0" anchor="ctr"/>
+          <a:bodyPr lIns="0" tIns="0" rIns="0" bIns="0" anchor="ctr"/>
+          <a:lstStyle/>
           <a:p>
             <a:pPr algn="ctr"/>
             <a:endParaRPr/>
@@ -653,7 +1118,8 @@
           </a:prstGeom>
         </p:spPr>
         <p:txBody>
-          <a:bodyPr lIns="0" rIns="0" tIns="0" bIns="0"/>
+          <a:bodyPr lIns="0" tIns="0" rIns="0" bIns="0"/>
+          <a:lstStyle/>
           <a:p>
             <a:endParaRPr/>
           </a:p>
@@ -679,7 +1145,8 @@
           </a:prstGeom>
         </p:spPr>
         <p:txBody>
-          <a:bodyPr lIns="0" rIns="0" tIns="0" bIns="0"/>
+          <a:bodyPr lIns="0" tIns="0" rIns="0" bIns="0"/>
+          <a:lstStyle/>
           <a:p>
             <a:endParaRPr/>
           </a:p>
@@ -687,7 +1154,7 @@
       </p:sp>
       <p:pic>
         <p:nvPicPr>
-          <p:cNvPr id="34" name="" descr=""/>
+          <p:cNvPr id="34" name="Picture 33"/>
           <p:cNvPicPr/>
           <p:nvPr/>
         </p:nvPicPr>
@@ -712,12 +1179,12 @@
       </p:pic>
       <p:pic>
         <p:nvPicPr>
-          <p:cNvPr id="35" name="" descr=""/>
+          <p:cNvPr id="35" name="Picture 34"/>
           <p:cNvPicPr/>
           <p:nvPr/>
         </p:nvPicPr>
         <p:blipFill>
-          <a:blip r:embed="rId3"/>
+          <a:blip r:embed="rId2"/>
           <a:stretch>
             <a:fillRect/>
           </a:stretch>
@@ -737,11 +1204,14 @@
       </p:pic>
     </p:spTree>
   </p:cSld>
+  <p:clrMapOvr>
+    <a:masterClrMapping/>
+  </p:clrMapOvr>
 </p:sldLayout>
 </file>
 
 <file path=ppt/slideLayouts/slideLayout13.xml><?xml version="1.0" encoding="utf-8"?>
-<p:sldLayout xmlns:a="http://schemas.openxmlformats.org/drawingml/2006/main" xmlns:p="http://schemas.openxmlformats.org/presentationml/2006/main" xmlns:r="http://schemas.openxmlformats.org/officeDocument/2006/relationships" type="blank" preserve="1">
+<p:sldLayout xmlns:a="http://schemas.openxmlformats.org/drawingml/2006/main" xmlns:r="http://schemas.openxmlformats.org/officeDocument/2006/relationships" xmlns:p="http://schemas.openxmlformats.org/presentationml/2006/main" type="blank" preserve="1">
   <p:cSld name="Blank Slide">
     <p:spTree>
       <p:nvGrpSpPr>
@@ -759,11 +1229,14 @@
       </p:grpSpPr>
     </p:spTree>
   </p:cSld>
+  <p:clrMapOvr>
+    <a:masterClrMapping/>
+  </p:clrMapOvr>
 </p:sldLayout>
 </file>
 
 <file path=ppt/slideLayouts/slideLayout14.xml><?xml version="1.0" encoding="utf-8"?>
-<p:sldLayout xmlns:a="http://schemas.openxmlformats.org/drawingml/2006/main" xmlns:p="http://schemas.openxmlformats.org/presentationml/2006/main" xmlns:r="http://schemas.openxmlformats.org/officeDocument/2006/relationships" type="tx" preserve="1">
+<p:sldLayout xmlns:a="http://schemas.openxmlformats.org/drawingml/2006/main" xmlns:r="http://schemas.openxmlformats.org/officeDocument/2006/relationships" xmlns:p="http://schemas.openxmlformats.org/presentationml/2006/main" type="tx" preserve="1">
   <p:cSld name="Title Slide">
     <p:spTree>
       <p:nvGrpSpPr>
@@ -799,7 +1272,8 @@
           </a:prstGeom>
         </p:spPr>
         <p:txBody>
-          <a:bodyPr lIns="0" rIns="0" tIns="0" bIns="0" anchor="ctr"/>
+          <a:bodyPr lIns="0" tIns="0" rIns="0" bIns="0" anchor="ctr"/>
+          <a:lstStyle/>
           <a:p>
             <a:pPr algn="ctr"/>
             <a:endParaRPr/>
@@ -826,7 +1300,8 @@
           </a:prstGeom>
         </p:spPr>
         <p:txBody>
-          <a:bodyPr lIns="0" rIns="0" tIns="0" bIns="0" anchor="ctr"/>
+          <a:bodyPr lIns="0" tIns="0" rIns="0" bIns="0" anchor="ctr"/>
+          <a:lstStyle/>
           <a:p>
             <a:pPr algn="ctr"/>
             <a:endParaRPr/>
@@ -835,11 +1310,14 @@
       </p:sp>
     </p:spTree>
   </p:cSld>
+  <p:clrMapOvr>
+    <a:masterClrMapping/>
+  </p:clrMapOvr>
 </p:sldLayout>
 </file>
 
 <file path=ppt/slideLayouts/slideLayout15.xml><?xml version="1.0" encoding="utf-8"?>
-<p:sldLayout xmlns:a="http://schemas.openxmlformats.org/drawingml/2006/main" xmlns:p="http://schemas.openxmlformats.org/presentationml/2006/main" xmlns:r="http://schemas.openxmlformats.org/officeDocument/2006/relationships" type="obj" preserve="1">
+<p:sldLayout xmlns:a="http://schemas.openxmlformats.org/drawingml/2006/main" xmlns:r="http://schemas.openxmlformats.org/officeDocument/2006/relationships" xmlns:p="http://schemas.openxmlformats.org/presentationml/2006/main" type="obj" preserve="1">
   <p:cSld name="Title, Content">
     <p:spTree>
       <p:nvGrpSpPr>
@@ -875,7 +1353,8 @@
           </a:prstGeom>
         </p:spPr>
         <p:txBody>
-          <a:bodyPr lIns="0" rIns="0" tIns="0" bIns="0" anchor="ctr"/>
+          <a:bodyPr lIns="0" tIns="0" rIns="0" bIns="0" anchor="ctr"/>
+          <a:lstStyle/>
           <a:p>
             <a:pPr algn="ctr"/>
             <a:endParaRPr/>
@@ -902,7 +1381,8 @@
           </a:prstGeom>
         </p:spPr>
         <p:txBody>
-          <a:bodyPr lIns="0" rIns="0" tIns="0" bIns="0"/>
+          <a:bodyPr lIns="0" tIns="0" rIns="0" bIns="0"/>
+          <a:lstStyle/>
           <a:p>
             <a:endParaRPr/>
           </a:p>
@@ -910,11 +1390,14 @@
       </p:sp>
     </p:spTree>
   </p:cSld>
+  <p:clrMapOvr>
+    <a:masterClrMapping/>
+  </p:clrMapOvr>
 </p:sldLayout>
 </file>
 
 <file path=ppt/slideLayouts/slideLayout16.xml><?xml version="1.0" encoding="utf-8"?>
-<p:sldLayout xmlns:a="http://schemas.openxmlformats.org/drawingml/2006/main" xmlns:p="http://schemas.openxmlformats.org/presentationml/2006/main" xmlns:r="http://schemas.openxmlformats.org/officeDocument/2006/relationships" type="twoObj" preserve="1">
+<p:sldLayout xmlns:a="http://schemas.openxmlformats.org/drawingml/2006/main" xmlns:r="http://schemas.openxmlformats.org/officeDocument/2006/relationships" xmlns:p="http://schemas.openxmlformats.org/presentationml/2006/main" type="twoObj" preserve="1">
   <p:cSld name="Title, 2 Content">
     <p:spTree>
       <p:nvGrpSpPr>
@@ -950,7 +1433,8 @@
           </a:prstGeom>
         </p:spPr>
         <p:txBody>
-          <a:bodyPr lIns="0" rIns="0" tIns="0" bIns="0" anchor="ctr"/>
+          <a:bodyPr lIns="0" tIns="0" rIns="0" bIns="0" anchor="ctr"/>
+          <a:lstStyle/>
           <a:p>
             <a:pPr algn="ctr"/>
             <a:endParaRPr/>
@@ -977,7 +1461,8 @@
           </a:prstGeom>
         </p:spPr>
         <p:txBody>
-          <a:bodyPr lIns="0" rIns="0" tIns="0" bIns="0"/>
+          <a:bodyPr lIns="0" tIns="0" rIns="0" bIns="0"/>
+          <a:lstStyle/>
           <a:p>
             <a:endParaRPr/>
           </a:p>
@@ -1003,7 +1488,8 @@
           </a:prstGeom>
         </p:spPr>
         <p:txBody>
-          <a:bodyPr lIns="0" rIns="0" tIns="0" bIns="0"/>
+          <a:bodyPr lIns="0" tIns="0" rIns="0" bIns="0"/>
+          <a:lstStyle/>
           <a:p>
             <a:endParaRPr/>
           </a:p>
@@ -1011,11 +1497,14 @@
       </p:sp>
     </p:spTree>
   </p:cSld>
+  <p:clrMapOvr>
+    <a:masterClrMapping/>
+  </p:clrMapOvr>
 </p:sldLayout>
 </file>
 
 <file path=ppt/slideLayouts/slideLayout17.xml><?xml version="1.0" encoding="utf-8"?>
-<p:sldLayout xmlns:a="http://schemas.openxmlformats.org/drawingml/2006/main" xmlns:p="http://schemas.openxmlformats.org/presentationml/2006/main" xmlns:r="http://schemas.openxmlformats.org/officeDocument/2006/relationships" type="titleOnly" preserve="1">
+<p:sldLayout xmlns:a="http://schemas.openxmlformats.org/drawingml/2006/main" xmlns:r="http://schemas.openxmlformats.org/officeDocument/2006/relationships" xmlns:p="http://schemas.openxmlformats.org/presentationml/2006/main" type="titleOnly" preserve="1">
   <p:cSld name="Title Only">
     <p:spTree>
       <p:nvGrpSpPr>
@@ -1051,7 +1540,8 @@
           </a:prstGeom>
         </p:spPr>
         <p:txBody>
-          <a:bodyPr lIns="0" rIns="0" tIns="0" bIns="0" anchor="ctr"/>
+          <a:bodyPr lIns="0" tIns="0" rIns="0" bIns="0" anchor="ctr"/>
+          <a:lstStyle/>
           <a:p>
             <a:pPr algn="ctr"/>
             <a:endParaRPr/>
@@ -1060,11 +1550,14 @@
       </p:sp>
     </p:spTree>
   </p:cSld>
+  <p:clrMapOvr>
+    <a:masterClrMapping/>
+  </p:clrMapOvr>
 </p:sldLayout>
 </file>
 
 <file path=ppt/slideLayouts/slideLayout18.xml><?xml version="1.0" encoding="utf-8"?>
-<p:sldLayout xmlns:a="http://schemas.openxmlformats.org/drawingml/2006/main" xmlns:p="http://schemas.openxmlformats.org/presentationml/2006/main" xmlns:r="http://schemas.openxmlformats.org/officeDocument/2006/relationships" type="objOnly" preserve="1">
+<p:sldLayout xmlns:a="http://schemas.openxmlformats.org/drawingml/2006/main" xmlns:r="http://schemas.openxmlformats.org/officeDocument/2006/relationships" xmlns:p="http://schemas.openxmlformats.org/presentationml/2006/main" type="objOnly" preserve="1">
   <p:cSld name="Centered Text">
     <p:spTree>
       <p:nvGrpSpPr>
@@ -1100,7 +1593,8 @@
           </a:prstGeom>
         </p:spPr>
         <p:txBody>
-          <a:bodyPr lIns="0" rIns="0" tIns="0" bIns="0" anchor="ctr"/>
+          <a:bodyPr lIns="0" tIns="0" rIns="0" bIns="0" anchor="ctr"/>
+          <a:lstStyle/>
           <a:p>
             <a:pPr algn="ctr"/>
             <a:endParaRPr/>
@@ -1109,11 +1603,14 @@
       </p:sp>
     </p:spTree>
   </p:cSld>
+  <p:clrMapOvr>
+    <a:masterClrMapping/>
+  </p:clrMapOvr>
 </p:sldLayout>
 </file>
 
 <file path=ppt/slideLayouts/slideLayout19.xml><?xml version="1.0" encoding="utf-8"?>
-<p:sldLayout xmlns:a="http://schemas.openxmlformats.org/drawingml/2006/main" xmlns:p="http://schemas.openxmlformats.org/presentationml/2006/main" xmlns:r="http://schemas.openxmlformats.org/officeDocument/2006/relationships" type="twoObjAndObj" preserve="1">
+<p:sldLayout xmlns:a="http://schemas.openxmlformats.org/drawingml/2006/main" xmlns:r="http://schemas.openxmlformats.org/officeDocument/2006/relationships" xmlns:p="http://schemas.openxmlformats.org/presentationml/2006/main" type="twoObjAndObj" preserve="1">
   <p:cSld name="Title, 2 Content and Content">
     <p:spTree>
       <p:nvGrpSpPr>
@@ -1149,7 +1646,8 @@
           </a:prstGeom>
         </p:spPr>
         <p:txBody>
-          <a:bodyPr lIns="0" rIns="0" tIns="0" bIns="0" anchor="ctr"/>
+          <a:bodyPr lIns="0" tIns="0" rIns="0" bIns="0" anchor="ctr"/>
+          <a:lstStyle/>
           <a:p>
             <a:pPr algn="ctr"/>
             <a:endParaRPr/>
@@ -1176,7 +1674,8 @@
           </a:prstGeom>
         </p:spPr>
         <p:txBody>
-          <a:bodyPr lIns="0" rIns="0" tIns="0" bIns="0"/>
+          <a:bodyPr lIns="0" tIns="0" rIns="0" bIns="0"/>
+          <a:lstStyle/>
           <a:p>
             <a:endParaRPr/>
           </a:p>
@@ -1202,7 +1701,8 @@
           </a:prstGeom>
         </p:spPr>
         <p:txBody>
-          <a:bodyPr lIns="0" rIns="0" tIns="0" bIns="0"/>
+          <a:bodyPr lIns="0" tIns="0" rIns="0" bIns="0"/>
+          <a:lstStyle/>
           <a:p>
             <a:endParaRPr/>
           </a:p>
@@ -1228,7 +1728,8 @@
           </a:prstGeom>
         </p:spPr>
         <p:txBody>
-          <a:bodyPr lIns="0" rIns="0" tIns="0" bIns="0"/>
+          <a:bodyPr lIns="0" tIns="0" rIns="0" bIns="0"/>
+          <a:lstStyle/>
           <a:p>
             <a:endParaRPr/>
           </a:p>
@@ -1236,11 +1737,14 @@
       </p:sp>
     </p:spTree>
   </p:cSld>
+  <p:clrMapOvr>
+    <a:masterClrMapping/>
+  </p:clrMapOvr>
 </p:sldLayout>
 </file>
 
 <file path=ppt/slideLayouts/slideLayout2.xml><?xml version="1.0" encoding="utf-8"?>
-<p:sldLayout xmlns:a="http://schemas.openxmlformats.org/drawingml/2006/main" xmlns:p="http://schemas.openxmlformats.org/presentationml/2006/main" xmlns:r="http://schemas.openxmlformats.org/officeDocument/2006/relationships" type="tx" preserve="1">
+<p:sldLayout xmlns:a="http://schemas.openxmlformats.org/drawingml/2006/main" xmlns:r="http://schemas.openxmlformats.org/officeDocument/2006/relationships" xmlns:p="http://schemas.openxmlformats.org/presentationml/2006/main" type="tx" preserve="1">
   <p:cSld name="Title Slide">
     <p:spTree>
       <p:nvGrpSpPr>
@@ -1276,7 +1780,8 @@
           </a:prstGeom>
         </p:spPr>
         <p:txBody>
-          <a:bodyPr lIns="0" rIns="0" tIns="0" bIns="0" anchor="ctr"/>
+          <a:bodyPr lIns="0" tIns="0" rIns="0" bIns="0" anchor="ctr"/>
+          <a:lstStyle/>
           <a:p>
             <a:pPr algn="ctr"/>
             <a:endParaRPr/>
@@ -1303,7 +1808,8 @@
           </a:prstGeom>
         </p:spPr>
         <p:txBody>
-          <a:bodyPr lIns="0" rIns="0" tIns="0" bIns="0" anchor="ctr"/>
+          <a:bodyPr lIns="0" tIns="0" rIns="0" bIns="0" anchor="ctr"/>
+          <a:lstStyle/>
           <a:p>
             <a:pPr algn="ctr"/>
             <a:endParaRPr/>
@@ -1312,11 +1818,14 @@
       </p:sp>
     </p:spTree>
   </p:cSld>
+  <p:clrMapOvr>
+    <a:masterClrMapping/>
+  </p:clrMapOvr>
 </p:sldLayout>
 </file>
 
 <file path=ppt/slideLayouts/slideLayout20.xml><?xml version="1.0" encoding="utf-8"?>
-<p:sldLayout xmlns:a="http://schemas.openxmlformats.org/drawingml/2006/main" xmlns:p="http://schemas.openxmlformats.org/presentationml/2006/main" xmlns:r="http://schemas.openxmlformats.org/officeDocument/2006/relationships" type="objAndTwoObj" preserve="1">
+<p:sldLayout xmlns:a="http://schemas.openxmlformats.org/drawingml/2006/main" xmlns:r="http://schemas.openxmlformats.org/officeDocument/2006/relationships" xmlns:p="http://schemas.openxmlformats.org/presentationml/2006/main" type="objAndTwoObj" preserve="1">
   <p:cSld name="Title Content and 2 Content">
     <p:spTree>
       <p:nvGrpSpPr>
@@ -1352,7 +1861,8 @@
           </a:prstGeom>
         </p:spPr>
         <p:txBody>
-          <a:bodyPr lIns="0" rIns="0" tIns="0" bIns="0" anchor="ctr"/>
+          <a:bodyPr lIns="0" tIns="0" rIns="0" bIns="0" anchor="ctr"/>
+          <a:lstStyle/>
           <a:p>
             <a:pPr algn="ctr"/>
             <a:endParaRPr/>
@@ -1379,7 +1889,8 @@
           </a:prstGeom>
         </p:spPr>
         <p:txBody>
-          <a:bodyPr lIns="0" rIns="0" tIns="0" bIns="0"/>
+          <a:bodyPr lIns="0" tIns="0" rIns="0" bIns="0"/>
+          <a:lstStyle/>
           <a:p>
             <a:endParaRPr/>
           </a:p>
@@ -1405,7 +1916,8 @@
           </a:prstGeom>
         </p:spPr>
         <p:txBody>
-          <a:bodyPr lIns="0" rIns="0" tIns="0" bIns="0"/>
+          <a:bodyPr lIns="0" tIns="0" rIns="0" bIns="0"/>
+          <a:lstStyle/>
           <a:p>
             <a:endParaRPr/>
           </a:p>
@@ -1431,7 +1943,8 @@
           </a:prstGeom>
         </p:spPr>
         <p:txBody>
-          <a:bodyPr lIns="0" rIns="0" tIns="0" bIns="0"/>
+          <a:bodyPr lIns="0" tIns="0" rIns="0" bIns="0"/>
+          <a:lstStyle/>
           <a:p>
             <a:endParaRPr/>
           </a:p>
@@ -1439,11 +1952,14 @@
       </p:sp>
     </p:spTree>
   </p:cSld>
+  <p:clrMapOvr>
+    <a:masterClrMapping/>
+  </p:clrMapOvr>
 </p:sldLayout>
 </file>
 
 <file path=ppt/slideLayouts/slideLayout21.xml><?xml version="1.0" encoding="utf-8"?>
-<p:sldLayout xmlns:a="http://schemas.openxmlformats.org/drawingml/2006/main" xmlns:p="http://schemas.openxmlformats.org/presentationml/2006/main" xmlns:r="http://schemas.openxmlformats.org/officeDocument/2006/relationships" type="twoObjOverTx" preserve="1">
+<p:sldLayout xmlns:a="http://schemas.openxmlformats.org/drawingml/2006/main" xmlns:r="http://schemas.openxmlformats.org/officeDocument/2006/relationships" xmlns:p="http://schemas.openxmlformats.org/presentationml/2006/main" type="twoObjOverTx" preserve="1">
   <p:cSld name="Title, 2 Content over Content">
     <p:spTree>
       <p:nvGrpSpPr>
@@ -1479,7 +1995,8 @@
           </a:prstGeom>
         </p:spPr>
         <p:txBody>
-          <a:bodyPr lIns="0" rIns="0" tIns="0" bIns="0" anchor="ctr"/>
+          <a:bodyPr lIns="0" tIns="0" rIns="0" bIns="0" anchor="ctr"/>
+          <a:lstStyle/>
           <a:p>
             <a:pPr algn="ctr"/>
             <a:endParaRPr/>
@@ -1506,7 +2023,8 @@
           </a:prstGeom>
         </p:spPr>
         <p:txBody>
-          <a:bodyPr lIns="0" rIns="0" tIns="0" bIns="0"/>
+          <a:bodyPr lIns="0" tIns="0" rIns="0" bIns="0"/>
+          <a:lstStyle/>
           <a:p>
             <a:endParaRPr/>
           </a:p>
@@ -1532,7 +2050,8 @@
           </a:prstGeom>
         </p:spPr>
         <p:txBody>
-          <a:bodyPr lIns="0" rIns="0" tIns="0" bIns="0"/>
+          <a:bodyPr lIns="0" tIns="0" rIns="0" bIns="0"/>
+          <a:lstStyle/>
           <a:p>
             <a:endParaRPr/>
           </a:p>
@@ -1558,7 +2077,8 @@
           </a:prstGeom>
         </p:spPr>
         <p:txBody>
-          <a:bodyPr lIns="0" rIns="0" tIns="0" bIns="0"/>
+          <a:bodyPr lIns="0" tIns="0" rIns="0" bIns="0"/>
+          <a:lstStyle/>
           <a:p>
             <a:endParaRPr/>
           </a:p>
@@ -1566,11 +2086,14 @@
       </p:sp>
     </p:spTree>
   </p:cSld>
+  <p:clrMapOvr>
+    <a:masterClrMapping/>
+  </p:clrMapOvr>
 </p:sldLayout>
 </file>
 
 <file path=ppt/slideLayouts/slideLayout22.xml><?xml version="1.0" encoding="utf-8"?>
-<p:sldLayout xmlns:a="http://schemas.openxmlformats.org/drawingml/2006/main" xmlns:p="http://schemas.openxmlformats.org/presentationml/2006/main" xmlns:r="http://schemas.openxmlformats.org/officeDocument/2006/relationships" type="objOverTx" preserve="1">
+<p:sldLayout xmlns:a="http://schemas.openxmlformats.org/drawingml/2006/main" xmlns:r="http://schemas.openxmlformats.org/officeDocument/2006/relationships" xmlns:p="http://schemas.openxmlformats.org/presentationml/2006/main" type="objOverTx" preserve="1">
   <p:cSld name="Title, Content over Content">
     <p:spTree>
       <p:nvGrpSpPr>
@@ -1606,7 +2129,8 @@
           </a:prstGeom>
         </p:spPr>
         <p:txBody>
-          <a:bodyPr lIns="0" rIns="0" tIns="0" bIns="0" anchor="ctr"/>
+          <a:bodyPr lIns="0" tIns="0" rIns="0" bIns="0" anchor="ctr"/>
+          <a:lstStyle/>
           <a:p>
             <a:pPr algn="ctr"/>
             <a:endParaRPr/>
@@ -1633,7 +2157,8 @@
           </a:prstGeom>
         </p:spPr>
         <p:txBody>
-          <a:bodyPr lIns="0" rIns="0" tIns="0" bIns="0"/>
+          <a:bodyPr lIns="0" tIns="0" rIns="0" bIns="0"/>
+          <a:lstStyle/>
           <a:p>
             <a:endParaRPr/>
           </a:p>
@@ -1659,7 +2184,8 @@
           </a:prstGeom>
         </p:spPr>
         <p:txBody>
-          <a:bodyPr lIns="0" rIns="0" tIns="0" bIns="0"/>
+          <a:bodyPr lIns="0" tIns="0" rIns="0" bIns="0"/>
+          <a:lstStyle/>
           <a:p>
             <a:endParaRPr/>
           </a:p>
@@ -1667,11 +2193,14 @@
       </p:sp>
     </p:spTree>
   </p:cSld>
+  <p:clrMapOvr>
+    <a:masterClrMapping/>
+  </p:clrMapOvr>
 </p:sldLayout>
 </file>
 
 <file path=ppt/slideLayouts/slideLayout23.xml><?xml version="1.0" encoding="utf-8"?>
-<p:sldLayout xmlns:a="http://schemas.openxmlformats.org/drawingml/2006/main" xmlns:p="http://schemas.openxmlformats.org/presentationml/2006/main" xmlns:r="http://schemas.openxmlformats.org/officeDocument/2006/relationships" type="fourObj" preserve="1">
+<p:sldLayout xmlns:a="http://schemas.openxmlformats.org/drawingml/2006/main" xmlns:r="http://schemas.openxmlformats.org/officeDocument/2006/relationships" xmlns:p="http://schemas.openxmlformats.org/presentationml/2006/main" type="fourObj" preserve="1">
   <p:cSld name="Title, 4 Content">
     <p:spTree>
       <p:nvGrpSpPr>
@@ -1707,7 +2236,8 @@
           </a:prstGeom>
         </p:spPr>
         <p:txBody>
-          <a:bodyPr lIns="0" rIns="0" tIns="0" bIns="0" anchor="ctr"/>
+          <a:bodyPr lIns="0" tIns="0" rIns="0" bIns="0" anchor="ctr"/>
+          <a:lstStyle/>
           <a:p>
             <a:pPr algn="ctr"/>
             <a:endParaRPr/>
@@ -1734,7 +2264,8 @@
           </a:prstGeom>
         </p:spPr>
         <p:txBody>
-          <a:bodyPr lIns="0" rIns="0" tIns="0" bIns="0"/>
+          <a:bodyPr lIns="0" tIns="0" rIns="0" bIns="0"/>
+          <a:lstStyle/>
           <a:p>
             <a:endParaRPr/>
           </a:p>
@@ -1760,7 +2291,8 @@
           </a:prstGeom>
         </p:spPr>
         <p:txBody>
-          <a:bodyPr lIns="0" rIns="0" tIns="0" bIns="0"/>
+          <a:bodyPr lIns="0" tIns="0" rIns="0" bIns="0"/>
+          <a:lstStyle/>
           <a:p>
             <a:endParaRPr/>
           </a:p>
@@ -1786,7 +2318,8 @@
           </a:prstGeom>
         </p:spPr>
         <p:txBody>
-          <a:bodyPr lIns="0" rIns="0" tIns="0" bIns="0"/>
+          <a:bodyPr lIns="0" tIns="0" rIns="0" bIns="0"/>
+          <a:lstStyle/>
           <a:p>
             <a:endParaRPr/>
           </a:p>
@@ -1812,7 +2345,8 @@
           </a:prstGeom>
         </p:spPr>
         <p:txBody>
-          <a:bodyPr lIns="0" rIns="0" tIns="0" bIns="0"/>
+          <a:bodyPr lIns="0" tIns="0" rIns="0" bIns="0"/>
+          <a:lstStyle/>
           <a:p>
             <a:endParaRPr/>
           </a:p>
@@ -1820,11 +2354,14 @@
       </p:sp>
     </p:spTree>
   </p:cSld>
+  <p:clrMapOvr>
+    <a:masterClrMapping/>
+  </p:clrMapOvr>
 </p:sldLayout>
 </file>
 
 <file path=ppt/slideLayouts/slideLayout24.xml><?xml version="1.0" encoding="utf-8"?>
-<p:sldLayout xmlns:a="http://schemas.openxmlformats.org/drawingml/2006/main" xmlns:p="http://schemas.openxmlformats.org/presentationml/2006/main" xmlns:r="http://schemas.openxmlformats.org/officeDocument/2006/relationships" type="blank" preserve="1">
+<p:sldLayout xmlns:a="http://schemas.openxmlformats.org/drawingml/2006/main" xmlns:r="http://schemas.openxmlformats.org/officeDocument/2006/relationships" xmlns:p="http://schemas.openxmlformats.org/presentationml/2006/main" type="blank" preserve="1">
   <p:cSld name="Title, 6 Content">
     <p:spTree>
       <p:nvGrpSpPr>
@@ -1860,7 +2397,8 @@
           </a:prstGeom>
         </p:spPr>
         <p:txBody>
-          <a:bodyPr lIns="0" rIns="0" tIns="0" bIns="0" anchor="ctr"/>
+          <a:bodyPr lIns="0" tIns="0" rIns="0" bIns="0" anchor="ctr"/>
+          <a:lstStyle/>
           <a:p>
             <a:pPr algn="ctr"/>
             <a:endParaRPr/>
@@ -1887,7 +2425,8 @@
           </a:prstGeom>
         </p:spPr>
         <p:txBody>
-          <a:bodyPr lIns="0" rIns="0" tIns="0" bIns="0"/>
+          <a:bodyPr lIns="0" tIns="0" rIns="0" bIns="0"/>
+          <a:lstStyle/>
           <a:p>
             <a:endParaRPr/>
           </a:p>
@@ -1913,7 +2452,8 @@
           </a:prstGeom>
         </p:spPr>
         <p:txBody>
-          <a:bodyPr lIns="0" rIns="0" tIns="0" bIns="0"/>
+          <a:bodyPr lIns="0" tIns="0" rIns="0" bIns="0"/>
+          <a:lstStyle/>
           <a:p>
             <a:endParaRPr/>
           </a:p>
@@ -1921,7 +2461,7 @@
       </p:sp>
       <p:pic>
         <p:nvPicPr>
-          <p:cNvPr id="70" name="" descr=""/>
+          <p:cNvPr id="70" name="Picture 69"/>
           <p:cNvPicPr/>
           <p:nvPr/>
         </p:nvPicPr>
@@ -1946,12 +2486,12 @@
       </p:pic>
       <p:pic>
         <p:nvPicPr>
-          <p:cNvPr id="71" name="" descr=""/>
+          <p:cNvPr id="71" name="Picture 70"/>
           <p:cNvPicPr/>
           <p:nvPr/>
         </p:nvPicPr>
         <p:blipFill>
-          <a:blip r:embed="rId3"/>
+          <a:blip r:embed="rId2"/>
           <a:stretch>
             <a:fillRect/>
           </a:stretch>
@@ -1971,11 +2511,14 @@
       </p:pic>
     </p:spTree>
   </p:cSld>
+  <p:clrMapOvr>
+    <a:masterClrMapping/>
+  </p:clrMapOvr>
 </p:sldLayout>
 </file>
 
 <file path=ppt/slideLayouts/slideLayout3.xml><?xml version="1.0" encoding="utf-8"?>
-<p:sldLayout xmlns:a="http://schemas.openxmlformats.org/drawingml/2006/main" xmlns:p="http://schemas.openxmlformats.org/presentationml/2006/main" xmlns:r="http://schemas.openxmlformats.org/officeDocument/2006/relationships" type="obj" preserve="1">
+<p:sldLayout xmlns:a="http://schemas.openxmlformats.org/drawingml/2006/main" xmlns:r="http://schemas.openxmlformats.org/officeDocument/2006/relationships" xmlns:p="http://schemas.openxmlformats.org/presentationml/2006/main" type="obj" preserve="1">
   <p:cSld name="Title, Content">
     <p:spTree>
       <p:nvGrpSpPr>
@@ -2011,7 +2554,8 @@
           </a:prstGeom>
         </p:spPr>
         <p:txBody>
-          <a:bodyPr lIns="0" rIns="0" tIns="0" bIns="0" anchor="ctr"/>
+          <a:bodyPr lIns="0" tIns="0" rIns="0" bIns="0" anchor="ctr"/>
+          <a:lstStyle/>
           <a:p>
             <a:pPr algn="ctr"/>
             <a:endParaRPr/>
@@ -2038,7 +2582,8 @@
           </a:prstGeom>
         </p:spPr>
         <p:txBody>
-          <a:bodyPr lIns="0" rIns="0" tIns="0" bIns="0"/>
+          <a:bodyPr lIns="0" tIns="0" rIns="0" bIns="0"/>
+          <a:lstStyle/>
           <a:p>
             <a:endParaRPr/>
           </a:p>
@@ -2046,11 +2591,14 @@
       </p:sp>
     </p:spTree>
   </p:cSld>
+  <p:clrMapOvr>
+    <a:masterClrMapping/>
+  </p:clrMapOvr>
 </p:sldLayout>
 </file>
 
 <file path=ppt/slideLayouts/slideLayout4.xml><?xml version="1.0" encoding="utf-8"?>
-<p:sldLayout xmlns:a="http://schemas.openxmlformats.org/drawingml/2006/main" xmlns:p="http://schemas.openxmlformats.org/presentationml/2006/main" xmlns:r="http://schemas.openxmlformats.org/officeDocument/2006/relationships" type="twoObj" preserve="1">
+<p:sldLayout xmlns:a="http://schemas.openxmlformats.org/drawingml/2006/main" xmlns:r="http://schemas.openxmlformats.org/officeDocument/2006/relationships" xmlns:p="http://schemas.openxmlformats.org/presentationml/2006/main" type="twoObj" preserve="1">
   <p:cSld name="Title, 2 Content">
     <p:spTree>
       <p:nvGrpSpPr>
@@ -2086,7 +2634,8 @@
           </a:prstGeom>
         </p:spPr>
         <p:txBody>
-          <a:bodyPr lIns="0" rIns="0" tIns="0" bIns="0" anchor="ctr"/>
+          <a:bodyPr lIns="0" tIns="0" rIns="0" bIns="0" anchor="ctr"/>
+          <a:lstStyle/>
           <a:p>
             <a:pPr algn="ctr"/>
             <a:endParaRPr/>
@@ -2113,7 +2662,8 @@
           </a:prstGeom>
         </p:spPr>
         <p:txBody>
-          <a:bodyPr lIns="0" rIns="0" tIns="0" bIns="0"/>
+          <a:bodyPr lIns="0" tIns="0" rIns="0" bIns="0"/>
+          <a:lstStyle/>
           <a:p>
             <a:endParaRPr/>
           </a:p>
@@ -2139,7 +2689,8 @@
           </a:prstGeom>
         </p:spPr>
         <p:txBody>
-          <a:bodyPr lIns="0" rIns="0" tIns="0" bIns="0"/>
+          <a:bodyPr lIns="0" tIns="0" rIns="0" bIns="0"/>
+          <a:lstStyle/>
           <a:p>
             <a:endParaRPr/>
           </a:p>
@@ -2147,11 +2698,14 @@
       </p:sp>
     </p:spTree>
   </p:cSld>
+  <p:clrMapOvr>
+    <a:masterClrMapping/>
+  </p:clrMapOvr>
 </p:sldLayout>
 </file>
 
 <file path=ppt/slideLayouts/slideLayout5.xml><?xml version="1.0" encoding="utf-8"?>
-<p:sldLayout xmlns:a="http://schemas.openxmlformats.org/drawingml/2006/main" xmlns:p="http://schemas.openxmlformats.org/presentationml/2006/main" xmlns:r="http://schemas.openxmlformats.org/officeDocument/2006/relationships" type="titleOnly" preserve="1">
+<p:sldLayout xmlns:a="http://schemas.openxmlformats.org/drawingml/2006/main" xmlns:r="http://schemas.openxmlformats.org/officeDocument/2006/relationships" xmlns:p="http://schemas.openxmlformats.org/presentationml/2006/main" type="titleOnly" preserve="1">
   <p:cSld name="Title Only">
     <p:spTree>
       <p:nvGrpSpPr>
@@ -2187,7 +2741,8 @@
           </a:prstGeom>
         </p:spPr>
         <p:txBody>
-          <a:bodyPr lIns="0" rIns="0" tIns="0" bIns="0" anchor="ctr"/>
+          <a:bodyPr lIns="0" tIns="0" rIns="0" bIns="0" anchor="ctr"/>
+          <a:lstStyle/>
           <a:p>
             <a:pPr algn="ctr"/>
             <a:endParaRPr/>
@@ -2196,11 +2751,14 @@
       </p:sp>
     </p:spTree>
   </p:cSld>
+  <p:clrMapOvr>
+    <a:masterClrMapping/>
+  </p:clrMapOvr>
 </p:sldLayout>
 </file>
 
 <file path=ppt/slideLayouts/slideLayout6.xml><?xml version="1.0" encoding="utf-8"?>
-<p:sldLayout xmlns:a="http://schemas.openxmlformats.org/drawingml/2006/main" xmlns:p="http://schemas.openxmlformats.org/presentationml/2006/main" xmlns:r="http://schemas.openxmlformats.org/officeDocument/2006/relationships" type="objOnly" preserve="1">
+<p:sldLayout xmlns:a="http://schemas.openxmlformats.org/drawingml/2006/main" xmlns:r="http://schemas.openxmlformats.org/officeDocument/2006/relationships" xmlns:p="http://schemas.openxmlformats.org/presentationml/2006/main" type="objOnly" preserve="1">
   <p:cSld name="Centered Text">
     <p:spTree>
       <p:nvGrpSpPr>
@@ -2236,7 +2794,8 @@
           </a:prstGeom>
         </p:spPr>
         <p:txBody>
-          <a:bodyPr lIns="0" rIns="0" tIns="0" bIns="0" anchor="ctr"/>
+          <a:bodyPr lIns="0" tIns="0" rIns="0" bIns="0" anchor="ctr"/>
+          <a:lstStyle/>
           <a:p>
             <a:pPr algn="ctr"/>
             <a:endParaRPr/>
@@ -2245,11 +2804,14 @@
       </p:sp>
     </p:spTree>
   </p:cSld>
+  <p:clrMapOvr>
+    <a:masterClrMapping/>
+  </p:clrMapOvr>
 </p:sldLayout>
 </file>
 
 <file path=ppt/slideLayouts/slideLayout7.xml><?xml version="1.0" encoding="utf-8"?>
-<p:sldLayout xmlns:a="http://schemas.openxmlformats.org/drawingml/2006/main" xmlns:p="http://schemas.openxmlformats.org/presentationml/2006/main" xmlns:r="http://schemas.openxmlformats.org/officeDocument/2006/relationships" type="twoObjAndObj" preserve="1">
+<p:sldLayout xmlns:a="http://schemas.openxmlformats.org/drawingml/2006/main" xmlns:r="http://schemas.openxmlformats.org/officeDocument/2006/relationships" xmlns:p="http://schemas.openxmlformats.org/presentationml/2006/main" type="twoObjAndObj" preserve="1">
   <p:cSld name="Title, 2 Content and Content">
     <p:spTree>
       <p:nvGrpSpPr>
@@ -2285,7 +2847,8 @@
           </a:prstGeom>
         </p:spPr>
         <p:txBody>
-          <a:bodyPr lIns="0" rIns="0" tIns="0" bIns="0" anchor="ctr"/>
+          <a:bodyPr lIns="0" tIns="0" rIns="0" bIns="0" anchor="ctr"/>
+          <a:lstStyle/>
           <a:p>
             <a:pPr algn="ctr"/>
             <a:endParaRPr/>
@@ -2312,7 +2875,8 @@
           </a:prstGeom>
         </p:spPr>
         <p:txBody>
-          <a:bodyPr lIns="0" rIns="0" tIns="0" bIns="0"/>
+          <a:bodyPr lIns="0" tIns="0" rIns="0" bIns="0"/>
+          <a:lstStyle/>
           <a:p>
             <a:endParaRPr/>
           </a:p>
@@ -2338,7 +2902,8 @@
           </a:prstGeom>
         </p:spPr>
         <p:txBody>
-          <a:bodyPr lIns="0" rIns="0" tIns="0" bIns="0"/>
+          <a:bodyPr lIns="0" tIns="0" rIns="0" bIns="0"/>
+          <a:lstStyle/>
           <a:p>
             <a:endParaRPr/>
           </a:p>
@@ -2364,7 +2929,8 @@
           </a:prstGeom>
         </p:spPr>
         <p:txBody>
-          <a:bodyPr lIns="0" rIns="0" tIns="0" bIns="0"/>
+          <a:bodyPr lIns="0" tIns="0" rIns="0" bIns="0"/>
+          <a:lstStyle/>
           <a:p>
             <a:endParaRPr/>
           </a:p>
@@ -2372,11 +2938,14 @@
       </p:sp>
     </p:spTree>
   </p:cSld>
+  <p:clrMapOvr>
+    <a:masterClrMapping/>
+  </p:clrMapOvr>
 </p:sldLayout>
 </file>
 
 <file path=ppt/slideLayouts/slideLayout8.xml><?xml version="1.0" encoding="utf-8"?>
-<p:sldLayout xmlns:a="http://schemas.openxmlformats.org/drawingml/2006/main" xmlns:p="http://schemas.openxmlformats.org/presentationml/2006/main" xmlns:r="http://schemas.openxmlformats.org/officeDocument/2006/relationships" type="objAndTwoObj" preserve="1">
+<p:sldLayout xmlns:a="http://schemas.openxmlformats.org/drawingml/2006/main" xmlns:r="http://schemas.openxmlformats.org/officeDocument/2006/relationships" xmlns:p="http://schemas.openxmlformats.org/presentationml/2006/main" type="objAndTwoObj" preserve="1">
   <p:cSld name="Title Content and 2 Content">
     <p:spTree>
       <p:nvGrpSpPr>
@@ -2412,7 +2981,8 @@
           </a:prstGeom>
         </p:spPr>
         <p:txBody>
-          <a:bodyPr lIns="0" rIns="0" tIns="0" bIns="0" anchor="ctr"/>
+          <a:bodyPr lIns="0" tIns="0" rIns="0" bIns="0" anchor="ctr"/>
+          <a:lstStyle/>
           <a:p>
             <a:pPr algn="ctr"/>
             <a:endParaRPr/>
@@ -2439,7 +3009,8 @@
           </a:prstGeom>
         </p:spPr>
         <p:txBody>
-          <a:bodyPr lIns="0" rIns="0" tIns="0" bIns="0"/>
+          <a:bodyPr lIns="0" tIns="0" rIns="0" bIns="0"/>
+          <a:lstStyle/>
           <a:p>
             <a:endParaRPr/>
           </a:p>
@@ -2465,7 +3036,8 @@
           </a:prstGeom>
         </p:spPr>
         <p:txBody>
-          <a:bodyPr lIns="0" rIns="0" tIns="0" bIns="0"/>
+          <a:bodyPr lIns="0" tIns="0" rIns="0" bIns="0"/>
+          <a:lstStyle/>
           <a:p>
             <a:endParaRPr/>
           </a:p>
@@ -2491,7 +3063,8 @@
           </a:prstGeom>
         </p:spPr>
         <p:txBody>
-          <a:bodyPr lIns="0" rIns="0" tIns="0" bIns="0"/>
+          <a:bodyPr lIns="0" tIns="0" rIns="0" bIns="0"/>
+          <a:lstStyle/>
           <a:p>
             <a:endParaRPr/>
           </a:p>
@@ -2499,11 +3072,14 @@
       </p:sp>
     </p:spTree>
   </p:cSld>
+  <p:clrMapOvr>
+    <a:masterClrMapping/>
+  </p:clrMapOvr>
 </p:sldLayout>
 </file>
 
 <file path=ppt/slideLayouts/slideLayout9.xml><?xml version="1.0" encoding="utf-8"?>
-<p:sldLayout xmlns:a="http://schemas.openxmlformats.org/drawingml/2006/main" xmlns:p="http://schemas.openxmlformats.org/presentationml/2006/main" xmlns:r="http://schemas.openxmlformats.org/officeDocument/2006/relationships" type="twoObjOverTx" preserve="1">
+<p:sldLayout xmlns:a="http://schemas.openxmlformats.org/drawingml/2006/main" xmlns:r="http://schemas.openxmlformats.org/officeDocument/2006/relationships" xmlns:p="http://schemas.openxmlformats.org/presentationml/2006/main" type="twoObjOverTx" preserve="1">
   <p:cSld name="Title, 2 Content over Content">
     <p:spTree>
       <p:nvGrpSpPr>
@@ -2539,7 +3115,8 @@
           </a:prstGeom>
         </p:spPr>
         <p:txBody>
-          <a:bodyPr lIns="0" rIns="0" tIns="0" bIns="0" anchor="ctr"/>
+          <a:bodyPr lIns="0" tIns="0" rIns="0" bIns="0" anchor="ctr"/>
+          <a:lstStyle/>
           <a:p>
             <a:pPr algn="ctr"/>
             <a:endParaRPr/>
@@ -2566,7 +3143,8 @@
           </a:prstGeom>
         </p:spPr>
         <p:txBody>
-          <a:bodyPr lIns="0" rIns="0" tIns="0" bIns="0"/>
+          <a:bodyPr lIns="0" tIns="0" rIns="0" bIns="0"/>
+          <a:lstStyle/>
           <a:p>
             <a:endParaRPr/>
           </a:p>
@@ -2592,7 +3170,8 @@
           </a:prstGeom>
         </p:spPr>
         <p:txBody>
-          <a:bodyPr lIns="0" rIns="0" tIns="0" bIns="0"/>
+          <a:bodyPr lIns="0" tIns="0" rIns="0" bIns="0"/>
+          <a:lstStyle/>
           <a:p>
             <a:endParaRPr/>
           </a:p>
@@ -2618,7 +3197,8 @@
           </a:prstGeom>
         </p:spPr>
         <p:txBody>
-          <a:bodyPr lIns="0" rIns="0" tIns="0" bIns="0"/>
+          <a:bodyPr lIns="0" tIns="0" rIns="0" bIns="0"/>
+          <a:lstStyle/>
           <a:p>
             <a:endParaRPr/>
           </a:p>
@@ -2626,11 +3206,969 @@
       </p:sp>
     </p:spTree>
   </p:cSld>
+  <p:clrMapOvr>
+    <a:masterClrMapping/>
+  </p:clrMapOvr>
 </p:sldLayout>
 </file>
 
 <file path=ppt/slideMasters/slideMaster1.xml><?xml version="1.0" encoding="utf-8"?>
-<p:sldMaster xmlns:a="http://schemas.openxmlformats.org/drawingml/2006/main" xmlns:p="http://schemas.openxmlformats.org/presentationml/2006/main" xmlns:r="http://schemas.openxmlformats.org/officeDocument/2006/relationships">
+<p:sldMaster xmlns:a="http://schemas.openxmlformats.org/drawingml/2006/main" xmlns:r="http://schemas.openxmlformats.org/officeDocument/2006/relationships" xmlns:p="http://schemas.openxmlformats.org/presentationml/2006/main">
+  <p:cSld>
+    <p:bg>
+      <p:bgRef idx="1001">
+        <a:schemeClr val="bg1"/>
+      </p:bgRef>
+    </p:bg>
+    <p:spTree>
+      <p:nvGrpSpPr>
+        <p:cNvPr id="1" name=""/>
+        <p:cNvGrpSpPr/>
+        <p:nvPr/>
+      </p:nvGrpSpPr>
+      <p:grpSpPr>
+        <a:xfrm>
+          <a:off x="0" y="0"/>
+          <a:ext cx="0" cy="0"/>
+          <a:chOff x="0" y="0"/>
+          <a:chExt cx="0" cy="0"/>
+        </a:xfrm>
+      </p:grpSpPr>
+      <p:sp>
+        <p:nvSpPr>
+          <p:cNvPr id="2" name="PlaceHolder 1"/>
+          <p:cNvSpPr>
+            <a:spLocks noGrp="1"/>
+          </p:cNvSpPr>
+          <p:nvPr>
+            <p:ph type="title"/>
+          </p:nvPr>
+        </p:nvSpPr>
+        <p:spPr>
+          <a:xfrm>
+            <a:off x="609480" y="273240"/>
+            <a:ext cx="10972080" cy="1144800"/>
+          </a:xfrm>
+          <a:prstGeom prst="rect">
+            <a:avLst/>
+          </a:prstGeom>
+        </p:spPr>
+        <p:txBody>
+          <a:bodyPr lIns="0" tIns="0" rIns="0" bIns="0" anchor="ctr"/>
+          <a:lstStyle/>
+          <a:p>
+            <a:r>
+              <a:rPr lang="en-US">
+                <a:latin typeface="Arial"/>
+              </a:rPr>
+              <a:t>Click to edit the title text format</a:t>
+            </a:r>
+            <a:endParaRPr/>
+          </a:p>
+        </p:txBody>
+      </p:sp>
+      <p:sp>
+        <p:nvSpPr>
+          <p:cNvPr id="3" name="PlaceHolder 2"/>
+          <p:cNvSpPr>
+            <a:spLocks noGrp="1"/>
+          </p:cNvSpPr>
+          <p:nvPr>
+            <p:ph type="body"/>
+          </p:nvPr>
+        </p:nvSpPr>
+        <p:spPr>
+          <a:xfrm>
+            <a:off x="609480" y="1604520"/>
+            <a:ext cx="10972440" cy="3977280"/>
+          </a:xfrm>
+          <a:prstGeom prst="rect">
+            <a:avLst/>
+          </a:prstGeom>
+        </p:spPr>
+        <p:txBody>
+          <a:bodyPr lIns="0" tIns="0" rIns="0" bIns="0"/>
+          <a:lstStyle/>
+          <a:p>
+            <a:pPr>
+              <a:buSzPct val="45000"/>
+              <a:buFont typeface="StarSymbol"/>
+              <a:buChar char=""/>
+            </a:pPr>
+            <a:r>
+              <a:rPr lang="en-US" sz="3200">
+                <a:latin typeface="Arial"/>
+              </a:rPr>
+              <a:t>Click to edit the outline text format</a:t>
+            </a:r>
+            <a:endParaRPr/>
+          </a:p>
+          <a:p>
+            <a:pPr lvl="1">
+              <a:buSzPct val="75000"/>
+              <a:buFont typeface="StarSymbol"/>
+              <a:buChar char=""/>
+            </a:pPr>
+            <a:r>
+              <a:rPr lang="en-US" sz="2800">
+                <a:latin typeface="Arial"/>
+              </a:rPr>
+              <a:t>Second Outline Level</a:t>
+            </a:r>
+            <a:endParaRPr/>
+          </a:p>
+          <a:p>
+            <a:pPr lvl="2">
+              <a:buSzPct val="45000"/>
+              <a:buFont typeface="StarSymbol"/>
+              <a:buChar char=""/>
+            </a:pPr>
+            <a:r>
+              <a:rPr lang="en-US" sz="2400">
+                <a:latin typeface="Arial"/>
+              </a:rPr>
+              <a:t>Third Outline Level</a:t>
+            </a:r>
+            <a:endParaRPr/>
+          </a:p>
+          <a:p>
+            <a:pPr lvl="3">
+              <a:buSzPct val="75000"/>
+              <a:buFont typeface="StarSymbol"/>
+              <a:buChar char=""/>
+            </a:pPr>
+            <a:r>
+              <a:rPr lang="en-US" sz="2000">
+                <a:latin typeface="Arial"/>
+              </a:rPr>
+              <a:t>Fourth Outline Level</a:t>
+            </a:r>
+            <a:endParaRPr/>
+          </a:p>
+          <a:p>
+            <a:pPr lvl="4">
+              <a:buSzPct val="45000"/>
+              <a:buFont typeface="StarSymbol"/>
+              <a:buChar char=""/>
+            </a:pPr>
+            <a:r>
+              <a:rPr lang="en-US" sz="2000">
+                <a:latin typeface="Arial"/>
+              </a:rPr>
+              <a:t>Fifth Outline Level</a:t>
+            </a:r>
+            <a:endParaRPr/>
+          </a:p>
+          <a:p>
+            <a:pPr lvl="5">
+              <a:buSzPct val="45000"/>
+              <a:buFont typeface="StarSymbol"/>
+              <a:buChar char=""/>
+            </a:pPr>
+            <a:r>
+              <a:rPr lang="en-US" sz="2000">
+                <a:latin typeface="Arial"/>
+              </a:rPr>
+              <a:t>Sixth Outline Level</a:t>
+            </a:r>
+            <a:endParaRPr/>
+          </a:p>
+          <a:p>
+            <a:pPr lvl="6">
+              <a:buSzPct val="45000"/>
+              <a:buFont typeface="StarSymbol"/>
+              <a:buChar char=""/>
+            </a:pPr>
+            <a:r>
+              <a:rPr lang="en-US" sz="2000">
+                <a:latin typeface="Arial"/>
+              </a:rPr>
+              <a:t>Seventh Outline Level</a:t>
+            </a:r>
+            <a:endParaRPr/>
+          </a:p>
+        </p:txBody>
+      </p:sp>
+    </p:spTree>
+  </p:cSld>
+  <p:clrMap bg1="lt1" tx1="dk1" bg2="lt2" tx2="dk2" accent1="accent1" accent2="accent2" accent3="accent3" accent4="accent4" accent5="accent5" accent6="accent6" hlink="hlink" folHlink="folHlink"/>
+  <p:sldLayoutIdLst>
+    <p:sldLayoutId id="2147483649" r:id="rId1"/>
+    <p:sldLayoutId id="2147483650" r:id="rId2"/>
+    <p:sldLayoutId id="2147483651" r:id="rId3"/>
+    <p:sldLayoutId id="2147483652" r:id="rId4"/>
+    <p:sldLayoutId id="2147483653" r:id="rId5"/>
+    <p:sldLayoutId id="2147483654" r:id="rId6"/>
+    <p:sldLayoutId id="2147483655" r:id="rId7"/>
+    <p:sldLayoutId id="2147483656" r:id="rId8"/>
+    <p:sldLayoutId id="2147483657" r:id="rId9"/>
+    <p:sldLayoutId id="2147483658" r:id="rId10"/>
+    <p:sldLayoutId id="2147483659" r:id="rId11"/>
+    <p:sldLayoutId id="2147483660" r:id="rId12"/>
+  </p:sldLayoutIdLst>
+  <p:txStyles>
+    <p:titleStyle>
+      <a:lvl1pPr algn="l" defTabSz="914400" rtl="0" eaLnBrk="1" latinLnBrk="0" hangingPunct="1">
+        <a:lnSpc>
+          <a:spcPct val="90000"/>
+        </a:lnSpc>
+        <a:spcBef>
+          <a:spcPct val="0"/>
+        </a:spcBef>
+        <a:buNone/>
+        <a:defRPr sz="4400" kern="1200">
+          <a:solidFill>
+            <a:schemeClr val="tx1"/>
+          </a:solidFill>
+          <a:latin typeface="+mj-lt"/>
+          <a:ea typeface="+mj-ea"/>
+          <a:cs typeface="+mj-cs"/>
+        </a:defRPr>
+      </a:lvl1pPr>
+    </p:titleStyle>
+    <p:bodyStyle>
+      <a:lvl1pPr marL="228600" indent="-228600" algn="l" defTabSz="914400" rtl="0" eaLnBrk="1" latinLnBrk="0" hangingPunct="1">
+        <a:lnSpc>
+          <a:spcPct val="90000"/>
+        </a:lnSpc>
+        <a:spcBef>
+          <a:spcPts val="1000"/>
+        </a:spcBef>
+        <a:buFont typeface="Arial"/>
+        <a:buChar char="•"/>
+        <a:defRPr sz="2800" kern="1200">
+          <a:solidFill>
+            <a:schemeClr val="tx1"/>
+          </a:solidFill>
+          <a:latin typeface="+mn-lt"/>
+          <a:ea typeface="+mn-ea"/>
+          <a:cs typeface="+mn-cs"/>
+        </a:defRPr>
+      </a:lvl1pPr>
+      <a:lvl2pPr marL="685800" indent="-228600" algn="l" defTabSz="914400" rtl="0" eaLnBrk="1" latinLnBrk="0" hangingPunct="1">
+        <a:lnSpc>
+          <a:spcPct val="90000"/>
+        </a:lnSpc>
+        <a:spcBef>
+          <a:spcPts val="500"/>
+        </a:spcBef>
+        <a:buFont typeface="Arial"/>
+        <a:buChar char="•"/>
+        <a:defRPr sz="2400" kern="1200">
+          <a:solidFill>
+            <a:schemeClr val="tx1"/>
+          </a:solidFill>
+          <a:latin typeface="+mn-lt"/>
+          <a:ea typeface="+mn-ea"/>
+          <a:cs typeface="+mn-cs"/>
+        </a:defRPr>
+      </a:lvl2pPr>
+      <a:lvl3pPr marL="1143000" indent="-228600" algn="l" defTabSz="914400" rtl="0" eaLnBrk="1" latinLnBrk="0" hangingPunct="1">
+        <a:lnSpc>
+          <a:spcPct val="90000"/>
+        </a:lnSpc>
+        <a:spcBef>
+          <a:spcPts val="500"/>
+        </a:spcBef>
+        <a:buFont typeface="Arial"/>
+        <a:buChar char="•"/>
+        <a:defRPr sz="2000" kern="1200">
+          <a:solidFill>
+            <a:schemeClr val="tx1"/>
+          </a:solidFill>
+          <a:latin typeface="+mn-lt"/>
+          <a:ea typeface="+mn-ea"/>
+          <a:cs typeface="+mn-cs"/>
+        </a:defRPr>
+      </a:lvl3pPr>
+      <a:lvl4pPr marL="1600200" indent="-228600" algn="l" defTabSz="914400" rtl="0" eaLnBrk="1" latinLnBrk="0" hangingPunct="1">
+        <a:lnSpc>
+          <a:spcPct val="90000"/>
+        </a:lnSpc>
+        <a:spcBef>
+          <a:spcPts val="500"/>
+        </a:spcBef>
+        <a:buFont typeface="Arial"/>
+        <a:buChar char="•"/>
+        <a:defRPr sz="1800" kern="1200">
+          <a:solidFill>
+            <a:schemeClr val="tx1"/>
+          </a:solidFill>
+          <a:latin typeface="+mn-lt"/>
+          <a:ea typeface="+mn-ea"/>
+          <a:cs typeface="+mn-cs"/>
+        </a:defRPr>
+      </a:lvl4pPr>
+      <a:lvl5pPr marL="2057400" indent="-228600" algn="l" defTabSz="914400" rtl="0" eaLnBrk="1" latinLnBrk="0" hangingPunct="1">
+        <a:lnSpc>
+          <a:spcPct val="90000"/>
+        </a:lnSpc>
+        <a:spcBef>
+          <a:spcPts val="500"/>
+        </a:spcBef>
+        <a:buFont typeface="Arial"/>
+        <a:buChar char="•"/>
+        <a:defRPr sz="1800" kern="1200">
+          <a:solidFill>
+            <a:schemeClr val="tx1"/>
+          </a:solidFill>
+          <a:latin typeface="+mn-lt"/>
+          <a:ea typeface="+mn-ea"/>
+          <a:cs typeface="+mn-cs"/>
+        </a:defRPr>
+      </a:lvl5pPr>
+      <a:lvl6pPr marL="2514600" indent="-228600" algn="l" defTabSz="914400" rtl="0" eaLnBrk="1" latinLnBrk="0" hangingPunct="1">
+        <a:lnSpc>
+          <a:spcPct val="90000"/>
+        </a:lnSpc>
+        <a:spcBef>
+          <a:spcPts val="500"/>
+        </a:spcBef>
+        <a:buFont typeface="Arial"/>
+        <a:buChar char="•"/>
+        <a:defRPr sz="1800" kern="1200">
+          <a:solidFill>
+            <a:schemeClr val="tx1"/>
+          </a:solidFill>
+          <a:latin typeface="+mn-lt"/>
+          <a:ea typeface="+mn-ea"/>
+          <a:cs typeface="+mn-cs"/>
+        </a:defRPr>
+      </a:lvl6pPr>
+      <a:lvl7pPr marL="2971800" indent="-228600" algn="l" defTabSz="914400" rtl="0" eaLnBrk="1" latinLnBrk="0" hangingPunct="1">
+        <a:lnSpc>
+          <a:spcPct val="90000"/>
+        </a:lnSpc>
+        <a:spcBef>
+          <a:spcPts val="500"/>
+        </a:spcBef>
+        <a:buFont typeface="Arial"/>
+        <a:buChar char="•"/>
+        <a:defRPr sz="1800" kern="1200">
+          <a:solidFill>
+            <a:schemeClr val="tx1"/>
+          </a:solidFill>
+          <a:latin typeface="+mn-lt"/>
+          <a:ea typeface="+mn-ea"/>
+          <a:cs typeface="+mn-cs"/>
+        </a:defRPr>
+      </a:lvl7pPr>
+      <a:lvl8pPr marL="3429000" indent="-228600" algn="l" defTabSz="914400" rtl="0" eaLnBrk="1" latinLnBrk="0" hangingPunct="1">
+        <a:lnSpc>
+          <a:spcPct val="90000"/>
+        </a:lnSpc>
+        <a:spcBef>
+          <a:spcPts val="500"/>
+        </a:spcBef>
+        <a:buFont typeface="Arial"/>
+        <a:buChar char="•"/>
+        <a:defRPr sz="1800" kern="1200">
+          <a:solidFill>
+            <a:schemeClr val="tx1"/>
+          </a:solidFill>
+          <a:latin typeface="+mn-lt"/>
+          <a:ea typeface="+mn-ea"/>
+          <a:cs typeface="+mn-cs"/>
+        </a:defRPr>
+      </a:lvl8pPr>
+      <a:lvl9pPr marL="3886200" indent="-228600" algn="l" defTabSz="914400" rtl="0" eaLnBrk="1" latinLnBrk="0" hangingPunct="1">
+        <a:lnSpc>
+          <a:spcPct val="90000"/>
+        </a:lnSpc>
+        <a:spcBef>
+          <a:spcPts val="500"/>
+        </a:spcBef>
+        <a:buFont typeface="Arial"/>
+        <a:buChar char="•"/>
+        <a:defRPr sz="1800" kern="1200">
+          <a:solidFill>
+            <a:schemeClr val="tx1"/>
+          </a:solidFill>
+          <a:latin typeface="+mn-lt"/>
+          <a:ea typeface="+mn-ea"/>
+          <a:cs typeface="+mn-cs"/>
+        </a:defRPr>
+      </a:lvl9pPr>
+    </p:bodyStyle>
+    <p:otherStyle>
+      <a:defPPr>
+        <a:defRPr lang="en-US"/>
+      </a:defPPr>
+      <a:lvl1pPr marL="0" algn="l" defTabSz="914400" rtl="0" eaLnBrk="1" latinLnBrk="0" hangingPunct="1">
+        <a:defRPr sz="1800" kern="1200">
+          <a:solidFill>
+            <a:schemeClr val="tx1"/>
+          </a:solidFill>
+          <a:latin typeface="+mn-lt"/>
+          <a:ea typeface="+mn-ea"/>
+          <a:cs typeface="+mn-cs"/>
+        </a:defRPr>
+      </a:lvl1pPr>
+      <a:lvl2pPr marL="457200" algn="l" defTabSz="914400" rtl="0" eaLnBrk="1" latinLnBrk="0" hangingPunct="1">
+        <a:defRPr sz="1800" kern="1200">
+          <a:solidFill>
+            <a:schemeClr val="tx1"/>
+          </a:solidFill>
+          <a:latin typeface="+mn-lt"/>
+          <a:ea typeface="+mn-ea"/>
+          <a:cs typeface="+mn-cs"/>
+        </a:defRPr>
+      </a:lvl2pPr>
+      <a:lvl3pPr marL="914400" algn="l" defTabSz="914400" rtl="0" eaLnBrk="1" latinLnBrk="0" hangingPunct="1">
+        <a:defRPr sz="1800" kern="1200">
+          <a:solidFill>
+            <a:schemeClr val="tx1"/>
+          </a:solidFill>
+          <a:latin typeface="+mn-lt"/>
+          <a:ea typeface="+mn-ea"/>
+          <a:cs typeface="+mn-cs"/>
+        </a:defRPr>
+      </a:lvl3pPr>
+      <a:lvl4pPr marL="1371600" algn="l" defTabSz="914400" rtl="0" eaLnBrk="1" latinLnBrk="0" hangingPunct="1">
+        <a:defRPr sz="1800" kern="1200">
+          <a:solidFill>
+            <a:schemeClr val="tx1"/>
+          </a:solidFill>
+          <a:latin typeface="+mn-lt"/>
+          <a:ea typeface="+mn-ea"/>
+          <a:cs typeface="+mn-cs"/>
+        </a:defRPr>
+      </a:lvl4pPr>
+      <a:lvl5pPr marL="1828800" algn="l" defTabSz="914400" rtl="0" eaLnBrk="1" latinLnBrk="0" hangingPunct="1">
+        <a:defRPr sz="1800" kern="1200">
+          <a:solidFill>
+            <a:schemeClr val="tx1"/>
+          </a:solidFill>
+          <a:latin typeface="+mn-lt"/>
+          <a:ea typeface="+mn-ea"/>
+          <a:cs typeface="+mn-cs"/>
+        </a:defRPr>
+      </a:lvl5pPr>
+      <a:lvl6pPr marL="2286000" algn="l" defTabSz="914400" rtl="0" eaLnBrk="1" latinLnBrk="0" hangingPunct="1">
+        <a:defRPr sz="1800" kern="1200">
+          <a:solidFill>
+            <a:schemeClr val="tx1"/>
+          </a:solidFill>
+          <a:latin typeface="+mn-lt"/>
+          <a:ea typeface="+mn-ea"/>
+          <a:cs typeface="+mn-cs"/>
+        </a:defRPr>
+      </a:lvl6pPr>
+      <a:lvl7pPr marL="2743200" algn="l" defTabSz="914400" rtl="0" eaLnBrk="1" latinLnBrk="0" hangingPunct="1">
+        <a:defRPr sz="1800" kern="1200">
+          <a:solidFill>
+            <a:schemeClr val="tx1"/>
+          </a:solidFill>
+          <a:latin typeface="+mn-lt"/>
+          <a:ea typeface="+mn-ea"/>
+          <a:cs typeface="+mn-cs"/>
+        </a:defRPr>
+      </a:lvl7pPr>
+      <a:lvl8pPr marL="3200400" algn="l" defTabSz="914400" rtl="0" eaLnBrk="1" latinLnBrk="0" hangingPunct="1">
+        <a:defRPr sz="1800" kern="1200">
+          <a:solidFill>
+            <a:schemeClr val="tx1"/>
+          </a:solidFill>
+          <a:latin typeface="+mn-lt"/>
+          <a:ea typeface="+mn-ea"/>
+          <a:cs typeface="+mn-cs"/>
+        </a:defRPr>
+      </a:lvl8pPr>
+      <a:lvl9pPr marL="3657600" algn="l" defTabSz="914400" rtl="0" eaLnBrk="1" latinLnBrk="0" hangingPunct="1">
+        <a:defRPr sz="1800" kern="1200">
+          <a:solidFill>
+            <a:schemeClr val="tx1"/>
+          </a:solidFill>
+          <a:latin typeface="+mn-lt"/>
+          <a:ea typeface="+mn-ea"/>
+          <a:cs typeface="+mn-cs"/>
+        </a:defRPr>
+      </a:lvl9pPr>
+    </p:otherStyle>
+  </p:txStyles>
+</p:sldMaster>
+</file>
+
+<file path=ppt/slideMasters/slideMaster2.xml><?xml version="1.0" encoding="utf-8"?>
+<p:sldMaster xmlns:a="http://schemas.openxmlformats.org/drawingml/2006/main" xmlns:r="http://schemas.openxmlformats.org/officeDocument/2006/relationships" xmlns:p="http://schemas.openxmlformats.org/presentationml/2006/main">
+  <p:cSld>
+    <p:bg>
+      <p:bgRef idx="1001">
+        <a:schemeClr val="bg1"/>
+      </p:bgRef>
+    </p:bg>
+    <p:spTree>
+      <p:nvGrpSpPr>
+        <p:cNvPr id="1" name=""/>
+        <p:cNvGrpSpPr/>
+        <p:nvPr/>
+      </p:nvGrpSpPr>
+      <p:grpSpPr>
+        <a:xfrm>
+          <a:off x="0" y="0"/>
+          <a:ext cx="0" cy="0"/>
+          <a:chOff x="0" y="0"/>
+          <a:chExt cx="0" cy="0"/>
+        </a:xfrm>
+      </p:grpSpPr>
+      <p:sp>
+        <p:nvSpPr>
+          <p:cNvPr id="36" name="PlaceHolder 1"/>
+          <p:cNvSpPr>
+            <a:spLocks noGrp="1"/>
+          </p:cNvSpPr>
+          <p:nvPr>
+            <p:ph type="title"/>
+          </p:nvPr>
+        </p:nvSpPr>
+        <p:spPr>
+          <a:xfrm>
+            <a:off x="609480" y="273600"/>
+            <a:ext cx="10972440" cy="1144800"/>
+          </a:xfrm>
+          <a:prstGeom prst="rect">
+            <a:avLst/>
+          </a:prstGeom>
+        </p:spPr>
+        <p:txBody>
+          <a:bodyPr lIns="0" tIns="0" rIns="0" bIns="0" anchor="ctr"/>
+          <a:lstStyle/>
+          <a:p>
+            <a:pPr algn="ctr"/>
+            <a:r>
+              <a:rPr lang="en-US" sz="4400">
+                <a:latin typeface="Arial"/>
+              </a:rPr>
+              <a:t>Click to edit the title text format</a:t>
+            </a:r>
+            <a:endParaRPr/>
+          </a:p>
+        </p:txBody>
+      </p:sp>
+      <p:sp>
+        <p:nvSpPr>
+          <p:cNvPr id="37" name="PlaceHolder 2"/>
+          <p:cNvSpPr>
+            <a:spLocks noGrp="1"/>
+          </p:cNvSpPr>
+          <p:nvPr>
+            <p:ph type="body"/>
+          </p:nvPr>
+        </p:nvSpPr>
+        <p:spPr>
+          <a:xfrm>
+            <a:off x="609480" y="1604520"/>
+            <a:ext cx="10972440" cy="3977280"/>
+          </a:xfrm>
+          <a:prstGeom prst="rect">
+            <a:avLst/>
+          </a:prstGeom>
+        </p:spPr>
+        <p:txBody>
+          <a:bodyPr lIns="0" tIns="0" rIns="0" bIns="0"/>
+          <a:lstStyle/>
+          <a:p>
+            <a:pPr>
+              <a:buSzPct val="45000"/>
+              <a:buFont typeface="StarSymbol"/>
+              <a:buChar char=""/>
+            </a:pPr>
+            <a:r>
+              <a:rPr lang="en-US" sz="3200">
+                <a:latin typeface="Arial"/>
+              </a:rPr>
+              <a:t>Click to edit the outline text format</a:t>
+            </a:r>
+            <a:endParaRPr/>
+          </a:p>
+          <a:p>
+            <a:pPr lvl="1">
+              <a:buSzPct val="75000"/>
+              <a:buFont typeface="StarSymbol"/>
+              <a:buChar char=""/>
+            </a:pPr>
+            <a:r>
+              <a:rPr lang="en-US" sz="2800">
+                <a:latin typeface="Arial"/>
+              </a:rPr>
+              <a:t>Second Outline Level</a:t>
+            </a:r>
+            <a:endParaRPr/>
+          </a:p>
+          <a:p>
+            <a:pPr lvl="2">
+              <a:buSzPct val="45000"/>
+              <a:buFont typeface="StarSymbol"/>
+              <a:buChar char=""/>
+            </a:pPr>
+            <a:r>
+              <a:rPr lang="en-US" sz="2400">
+                <a:latin typeface="Arial"/>
+              </a:rPr>
+              <a:t>Third Outline Level</a:t>
+            </a:r>
+            <a:endParaRPr/>
+          </a:p>
+          <a:p>
+            <a:pPr lvl="3">
+              <a:buSzPct val="75000"/>
+              <a:buFont typeface="StarSymbol"/>
+              <a:buChar char=""/>
+            </a:pPr>
+            <a:r>
+              <a:rPr lang="en-US" sz="2000">
+                <a:latin typeface="Arial"/>
+              </a:rPr>
+              <a:t>Fourth Outline Level</a:t>
+            </a:r>
+            <a:endParaRPr/>
+          </a:p>
+          <a:p>
+            <a:pPr lvl="4">
+              <a:buSzPct val="45000"/>
+              <a:buFont typeface="StarSymbol"/>
+              <a:buChar char=""/>
+            </a:pPr>
+            <a:r>
+              <a:rPr lang="en-US" sz="2000">
+                <a:latin typeface="Arial"/>
+              </a:rPr>
+              <a:t>Fifth Outline Level</a:t>
+            </a:r>
+            <a:endParaRPr/>
+          </a:p>
+          <a:p>
+            <a:pPr lvl="5">
+              <a:buSzPct val="45000"/>
+              <a:buFont typeface="StarSymbol"/>
+              <a:buChar char=""/>
+            </a:pPr>
+            <a:r>
+              <a:rPr lang="en-US" sz="2000">
+                <a:latin typeface="Arial"/>
+              </a:rPr>
+              <a:t>Sixth Outline Level</a:t>
+            </a:r>
+            <a:endParaRPr/>
+          </a:p>
+          <a:p>
+            <a:pPr lvl="6">
+              <a:buSzPct val="45000"/>
+              <a:buFont typeface="StarSymbol"/>
+              <a:buChar char=""/>
+            </a:pPr>
+            <a:r>
+              <a:rPr lang="en-US" sz="2000">
+                <a:latin typeface="Arial"/>
+              </a:rPr>
+              <a:t>Seventh Outline Level</a:t>
+            </a:r>
+            <a:endParaRPr/>
+          </a:p>
+        </p:txBody>
+      </p:sp>
+    </p:spTree>
+  </p:cSld>
+  <p:clrMap bg1="lt1" tx1="dk1" bg2="lt2" tx2="dk2" accent1="accent1" accent2="accent2" accent3="accent3" accent4="accent4" accent5="accent5" accent6="accent6" hlink="hlink" folHlink="folHlink"/>
+  <p:sldLayoutIdLst>
+    <p:sldLayoutId id="2147483662" r:id="rId1"/>
+    <p:sldLayoutId id="2147483663" r:id="rId2"/>
+    <p:sldLayoutId id="2147483664" r:id="rId3"/>
+    <p:sldLayoutId id="2147483665" r:id="rId4"/>
+    <p:sldLayoutId id="2147483666" r:id="rId5"/>
+    <p:sldLayoutId id="2147483667" r:id="rId6"/>
+    <p:sldLayoutId id="2147483668" r:id="rId7"/>
+    <p:sldLayoutId id="2147483669" r:id="rId8"/>
+    <p:sldLayoutId id="2147483670" r:id="rId9"/>
+    <p:sldLayoutId id="2147483671" r:id="rId10"/>
+    <p:sldLayoutId id="2147483672" r:id="rId11"/>
+    <p:sldLayoutId id="2147483673" r:id="rId12"/>
+  </p:sldLayoutIdLst>
+  <p:txStyles>
+    <p:titleStyle>
+      <a:lvl1pPr algn="l" defTabSz="914400" rtl="0" eaLnBrk="1" latinLnBrk="0" hangingPunct="1">
+        <a:lnSpc>
+          <a:spcPct val="90000"/>
+        </a:lnSpc>
+        <a:spcBef>
+          <a:spcPct val="0"/>
+        </a:spcBef>
+        <a:buNone/>
+        <a:defRPr sz="4400" kern="1200">
+          <a:solidFill>
+            <a:schemeClr val="tx1"/>
+          </a:solidFill>
+          <a:latin typeface="+mj-lt"/>
+          <a:ea typeface="+mj-ea"/>
+          <a:cs typeface="+mj-cs"/>
+        </a:defRPr>
+      </a:lvl1pPr>
+    </p:titleStyle>
+    <p:bodyStyle>
+      <a:lvl1pPr marL="228600" indent="-228600" algn="l" defTabSz="914400" rtl="0" eaLnBrk="1" latinLnBrk="0" hangingPunct="1">
+        <a:lnSpc>
+          <a:spcPct val="90000"/>
+        </a:lnSpc>
+        <a:spcBef>
+          <a:spcPts val="1000"/>
+        </a:spcBef>
+        <a:buFont typeface="Arial"/>
+        <a:buChar char="•"/>
+        <a:defRPr sz="2800" kern="1200">
+          <a:solidFill>
+            <a:schemeClr val="tx1"/>
+          </a:solidFill>
+          <a:latin typeface="+mn-lt"/>
+          <a:ea typeface="+mn-ea"/>
+          <a:cs typeface="+mn-cs"/>
+        </a:defRPr>
+      </a:lvl1pPr>
+      <a:lvl2pPr marL="685800" indent="-228600" algn="l" defTabSz="914400" rtl="0" eaLnBrk="1" latinLnBrk="0" hangingPunct="1">
+        <a:lnSpc>
+          <a:spcPct val="90000"/>
+        </a:lnSpc>
+        <a:spcBef>
+          <a:spcPts val="500"/>
+        </a:spcBef>
+        <a:buFont typeface="Arial"/>
+        <a:buChar char="•"/>
+        <a:defRPr sz="2400" kern="1200">
+          <a:solidFill>
+            <a:schemeClr val="tx1"/>
+          </a:solidFill>
+          <a:latin typeface="+mn-lt"/>
+          <a:ea typeface="+mn-ea"/>
+          <a:cs typeface="+mn-cs"/>
+        </a:defRPr>
+      </a:lvl2pPr>
+      <a:lvl3pPr marL="1143000" indent="-228600" algn="l" defTabSz="914400" rtl="0" eaLnBrk="1" latinLnBrk="0" hangingPunct="1">
+        <a:lnSpc>
+          <a:spcPct val="90000"/>
+        </a:lnSpc>
+        <a:spcBef>
+          <a:spcPts val="500"/>
+        </a:spcBef>
+        <a:buFont typeface="Arial"/>
+        <a:buChar char="•"/>
+        <a:defRPr sz="2000" kern="1200">
+          <a:solidFill>
+            <a:schemeClr val="tx1"/>
+          </a:solidFill>
+          <a:latin typeface="+mn-lt"/>
+          <a:ea typeface="+mn-ea"/>
+          <a:cs typeface="+mn-cs"/>
+        </a:defRPr>
+      </a:lvl3pPr>
+      <a:lvl4pPr marL="1600200" indent="-228600" algn="l" defTabSz="914400" rtl="0" eaLnBrk="1" latinLnBrk="0" hangingPunct="1">
+        <a:lnSpc>
+          <a:spcPct val="90000"/>
+        </a:lnSpc>
+        <a:spcBef>
+          <a:spcPts val="500"/>
+        </a:spcBef>
+        <a:buFont typeface="Arial"/>
+        <a:buChar char="•"/>
+        <a:defRPr sz="1800" kern="1200">
+          <a:solidFill>
+            <a:schemeClr val="tx1"/>
+          </a:solidFill>
+          <a:latin typeface="+mn-lt"/>
+          <a:ea typeface="+mn-ea"/>
+          <a:cs typeface="+mn-cs"/>
+        </a:defRPr>
+      </a:lvl4pPr>
+      <a:lvl5pPr marL="2057400" indent="-228600" algn="l" defTabSz="914400" rtl="0" eaLnBrk="1" latinLnBrk="0" hangingPunct="1">
+        <a:lnSpc>
+          <a:spcPct val="90000"/>
+        </a:lnSpc>
+        <a:spcBef>
+          <a:spcPts val="500"/>
+        </a:spcBef>
+        <a:buFont typeface="Arial"/>
+        <a:buChar char="•"/>
+        <a:defRPr sz="1800" kern="1200">
+          <a:solidFill>
+            <a:schemeClr val="tx1"/>
+          </a:solidFill>
+          <a:latin typeface="+mn-lt"/>
+          <a:ea typeface="+mn-ea"/>
+          <a:cs typeface="+mn-cs"/>
+        </a:defRPr>
+      </a:lvl5pPr>
+      <a:lvl6pPr marL="2514600" indent="-228600" algn="l" defTabSz="914400" rtl="0" eaLnBrk="1" latinLnBrk="0" hangingPunct="1">
+        <a:lnSpc>
+          <a:spcPct val="90000"/>
+        </a:lnSpc>
+        <a:spcBef>
+          <a:spcPts val="500"/>
+        </a:spcBef>
+        <a:buFont typeface="Arial"/>
+        <a:buChar char="•"/>
+        <a:defRPr sz="1800" kern="1200">
+          <a:solidFill>
+            <a:schemeClr val="tx1"/>
+          </a:solidFill>
+          <a:latin typeface="+mn-lt"/>
+          <a:ea typeface="+mn-ea"/>
+          <a:cs typeface="+mn-cs"/>
+        </a:defRPr>
+      </a:lvl6pPr>
+      <a:lvl7pPr marL="2971800" indent="-228600" algn="l" defTabSz="914400" rtl="0" eaLnBrk="1" latinLnBrk="0" hangingPunct="1">
+        <a:lnSpc>
+          <a:spcPct val="90000"/>
+        </a:lnSpc>
+        <a:spcBef>
+          <a:spcPts val="500"/>
+        </a:spcBef>
+        <a:buFont typeface="Arial"/>
+        <a:buChar char="•"/>
+        <a:defRPr sz="1800" kern="1200">
+          <a:solidFill>
+            <a:schemeClr val="tx1"/>
+          </a:solidFill>
+          <a:latin typeface="+mn-lt"/>
+          <a:ea typeface="+mn-ea"/>
+          <a:cs typeface="+mn-cs"/>
+        </a:defRPr>
+      </a:lvl7pPr>
+      <a:lvl8pPr marL="3429000" indent="-228600" algn="l" defTabSz="914400" rtl="0" eaLnBrk="1" latinLnBrk="0" hangingPunct="1">
+        <a:lnSpc>
+          <a:spcPct val="90000"/>
+        </a:lnSpc>
+        <a:spcBef>
+          <a:spcPts val="500"/>
+        </a:spcBef>
+        <a:buFont typeface="Arial"/>
+        <a:buChar char="•"/>
+        <a:defRPr sz="1800" kern="1200">
+          <a:solidFill>
+            <a:schemeClr val="tx1"/>
+          </a:solidFill>
+          <a:latin typeface="+mn-lt"/>
+          <a:ea typeface="+mn-ea"/>
+          <a:cs typeface="+mn-cs"/>
+        </a:defRPr>
+      </a:lvl8pPr>
+      <a:lvl9pPr marL="3886200" indent="-228600" algn="l" defTabSz="914400" rtl="0" eaLnBrk="1" latinLnBrk="0" hangingPunct="1">
+        <a:lnSpc>
+          <a:spcPct val="90000"/>
+        </a:lnSpc>
+        <a:spcBef>
+          <a:spcPts val="500"/>
+        </a:spcBef>
+        <a:buFont typeface="Arial"/>
+        <a:buChar char="•"/>
+        <a:defRPr sz="1800" kern="1200">
+          <a:solidFill>
+            <a:schemeClr val="tx1"/>
+          </a:solidFill>
+          <a:latin typeface="+mn-lt"/>
+          <a:ea typeface="+mn-ea"/>
+          <a:cs typeface="+mn-cs"/>
+        </a:defRPr>
+      </a:lvl9pPr>
+    </p:bodyStyle>
+    <p:otherStyle>
+      <a:defPPr>
+        <a:defRPr lang="en-US"/>
+      </a:defPPr>
+      <a:lvl1pPr marL="0" algn="l" defTabSz="914400" rtl="0" eaLnBrk="1" latinLnBrk="0" hangingPunct="1">
+        <a:defRPr sz="1800" kern="1200">
+          <a:solidFill>
+            <a:schemeClr val="tx1"/>
+          </a:solidFill>
+          <a:latin typeface="+mn-lt"/>
+          <a:ea typeface="+mn-ea"/>
+          <a:cs typeface="+mn-cs"/>
+        </a:defRPr>
+      </a:lvl1pPr>
+      <a:lvl2pPr marL="457200" algn="l" defTabSz="914400" rtl="0" eaLnBrk="1" latinLnBrk="0" hangingPunct="1">
+        <a:defRPr sz="1800" kern="1200">
+          <a:solidFill>
+            <a:schemeClr val="tx1"/>
+          </a:solidFill>
+          <a:latin typeface="+mn-lt"/>
+          <a:ea typeface="+mn-ea"/>
+          <a:cs typeface="+mn-cs"/>
+        </a:defRPr>
+      </a:lvl2pPr>
+      <a:lvl3pPr marL="914400" algn="l" defTabSz="914400" rtl="0" eaLnBrk="1" latinLnBrk="0" hangingPunct="1">
+        <a:defRPr sz="1800" kern="1200">
+          <a:solidFill>
+            <a:schemeClr val="tx1"/>
+          </a:solidFill>
+          <a:latin typeface="+mn-lt"/>
+          <a:ea typeface="+mn-ea"/>
+          <a:cs typeface="+mn-cs"/>
+        </a:defRPr>
+      </a:lvl3pPr>
+      <a:lvl4pPr marL="1371600" algn="l" defTabSz="914400" rtl="0" eaLnBrk="1" latinLnBrk="0" hangingPunct="1">
+        <a:defRPr sz="1800" kern="1200">
+          <a:solidFill>
+            <a:schemeClr val="tx1"/>
+          </a:solidFill>
+          <a:latin typeface="+mn-lt"/>
+          <a:ea typeface="+mn-ea"/>
+          <a:cs typeface="+mn-cs"/>
+        </a:defRPr>
+      </a:lvl4pPr>
+      <a:lvl5pPr marL="1828800" algn="l" defTabSz="914400" rtl="0" eaLnBrk="1" latinLnBrk="0" hangingPunct="1">
+        <a:defRPr sz="1800" kern="1200">
+          <a:solidFill>
+            <a:schemeClr val="tx1"/>
+          </a:solidFill>
+          <a:latin typeface="+mn-lt"/>
+          <a:ea typeface="+mn-ea"/>
+          <a:cs typeface="+mn-cs"/>
+        </a:defRPr>
+      </a:lvl5pPr>
+      <a:lvl6pPr marL="2286000" algn="l" defTabSz="914400" rtl="0" eaLnBrk="1" latinLnBrk="0" hangingPunct="1">
+        <a:defRPr sz="1800" kern="1200">
+          <a:solidFill>
+            <a:schemeClr val="tx1"/>
+          </a:solidFill>
+          <a:latin typeface="+mn-lt"/>
+          <a:ea typeface="+mn-ea"/>
+          <a:cs typeface="+mn-cs"/>
+        </a:defRPr>
+      </a:lvl6pPr>
+      <a:lvl7pPr marL="2743200" algn="l" defTabSz="914400" rtl="0" eaLnBrk="1" latinLnBrk="0" hangingPunct="1">
+        <a:defRPr sz="1800" kern="1200">
+          <a:solidFill>
+            <a:schemeClr val="tx1"/>
+          </a:solidFill>
+          <a:latin typeface="+mn-lt"/>
+          <a:ea typeface="+mn-ea"/>
+          <a:cs typeface="+mn-cs"/>
+        </a:defRPr>
+      </a:lvl7pPr>
+      <a:lvl8pPr marL="3200400" algn="l" defTabSz="914400" rtl="0" eaLnBrk="1" latinLnBrk="0" hangingPunct="1">
+        <a:defRPr sz="1800" kern="1200">
+          <a:solidFill>
+            <a:schemeClr val="tx1"/>
+          </a:solidFill>
+          <a:latin typeface="+mn-lt"/>
+          <a:ea typeface="+mn-ea"/>
+          <a:cs typeface="+mn-cs"/>
+        </a:defRPr>
+      </a:lvl8pPr>
+      <a:lvl9pPr marL="3657600" algn="l" defTabSz="914400" rtl="0" eaLnBrk="1" latinLnBrk="0" hangingPunct="1">
+        <a:defRPr sz="1800" kern="1200">
+          <a:solidFill>
+            <a:schemeClr val="tx1"/>
+          </a:solidFill>
+          <a:latin typeface="+mn-lt"/>
+          <a:ea typeface="+mn-ea"/>
+          <a:cs typeface="+mn-cs"/>
+        </a:defRPr>
+      </a:lvl9pPr>
+    </p:otherStyle>
+  </p:txStyles>
+</p:sldMaster>
+</file>
+
+<file path=ppt/slides/slide1.xml><?xml version="1.0" encoding="utf-8"?>
+<p:sld xmlns:a="http://schemas.openxmlformats.org/drawingml/2006/main" xmlns:r="http://schemas.openxmlformats.org/officeDocument/2006/relationships" xmlns:p="http://schemas.openxmlformats.org/presentationml/2006/main">
   <p:cSld>
     <p:spTree>
       <p:nvGrpSpPr>
@@ -2648,179 +4186,233 @@
       </p:grpSpPr>
       <p:sp>
         <p:nvSpPr>
-          <p:cNvPr id="0" name="PlaceHolder 1"/>
-          <p:cNvSpPr>
-            <a:spLocks noGrp="1"/>
-          </p:cNvSpPr>
-          <p:nvPr>
-            <p:ph type="title"/>
-          </p:nvPr>
-        </p:nvSpPr>
-        <p:spPr>
-          <a:xfrm>
-            <a:off x="609480" y="273240"/>
-            <a:ext cx="10972080" cy="1144800"/>
-          </a:xfrm>
-          <a:prstGeom prst="rect">
-            <a:avLst/>
-          </a:prstGeom>
-        </p:spPr>
-        <p:txBody>
-          <a:bodyPr lIns="0" rIns="0" tIns="0" bIns="0" anchor="ctr"/>
-          <a:p>
-            <a:r>
-              <a:rPr lang="en-US">
-                <a:latin typeface="Arial"/>
-              </a:rPr>
-              <a:t>Click to edit the title text format</a:t>
-            </a:r>
-            <a:endParaRPr/>
-          </a:p>
-        </p:txBody>
-      </p:sp>
-      <p:sp>
-        <p:nvSpPr>
-          <p:cNvPr id="1" name="PlaceHolder 2"/>
-          <p:cNvSpPr>
-            <a:spLocks noGrp="1"/>
-          </p:cNvSpPr>
-          <p:nvPr>
-            <p:ph type="body"/>
-          </p:nvPr>
-        </p:nvSpPr>
-        <p:spPr>
-          <a:xfrm>
-            <a:off x="609480" y="1604520"/>
-            <a:ext cx="10972440" cy="3977280"/>
-          </a:xfrm>
-          <a:prstGeom prst="rect">
-            <a:avLst/>
-          </a:prstGeom>
-        </p:spPr>
-        <p:txBody>
-          <a:bodyPr lIns="0" rIns="0" tIns="0" bIns="0"/>
-          <a:p>
-            <a:pPr>
-              <a:buSzPct val="45000"/>
-              <a:buFont typeface="StarSymbol"/>
-              <a:buChar char=""/>
-            </a:pPr>
-            <a:r>
-              <a:rPr lang="en-US" sz="3200">
-                <a:latin typeface="Arial"/>
-              </a:rPr>
-              <a:t>Click to edit the outline text format</a:t>
-            </a:r>
-            <a:endParaRPr/>
-          </a:p>
-          <a:p>
-            <a:pPr lvl="1">
-              <a:buSzPct val="75000"/>
-              <a:buFont typeface="StarSymbol"/>
-              <a:buChar char=""/>
-            </a:pPr>
-            <a:r>
-              <a:rPr lang="en-US" sz="2800">
-                <a:latin typeface="Arial"/>
-              </a:rPr>
-              <a:t>Second Outline Level</a:t>
-            </a:r>
-            <a:endParaRPr/>
-          </a:p>
-          <a:p>
-            <a:pPr lvl="2">
-              <a:buSzPct val="45000"/>
-              <a:buFont typeface="StarSymbol"/>
-              <a:buChar char=""/>
-            </a:pPr>
-            <a:r>
-              <a:rPr lang="en-US" sz="2400">
-                <a:latin typeface="Arial"/>
-              </a:rPr>
-              <a:t>Third Outline Level</a:t>
-            </a:r>
-            <a:endParaRPr/>
-          </a:p>
-          <a:p>
-            <a:pPr lvl="3">
-              <a:buSzPct val="75000"/>
-              <a:buFont typeface="StarSymbol"/>
-              <a:buChar char=""/>
-            </a:pPr>
-            <a:r>
-              <a:rPr lang="en-US" sz="2000">
-                <a:latin typeface="Arial"/>
-              </a:rPr>
-              <a:t>Fourth Outline Level</a:t>
-            </a:r>
-            <a:endParaRPr/>
-          </a:p>
-          <a:p>
-            <a:pPr lvl="4">
-              <a:buSzPct val="45000"/>
-              <a:buFont typeface="StarSymbol"/>
-              <a:buChar char=""/>
-            </a:pPr>
-            <a:r>
-              <a:rPr lang="en-US" sz="2000">
-                <a:latin typeface="Arial"/>
-              </a:rPr>
-              <a:t>Fifth Outline Level</a:t>
-            </a:r>
-            <a:endParaRPr/>
-          </a:p>
-          <a:p>
-            <a:pPr lvl="5">
-              <a:buSzPct val="45000"/>
-              <a:buFont typeface="StarSymbol"/>
-              <a:buChar char=""/>
-            </a:pPr>
-            <a:r>
-              <a:rPr lang="en-US" sz="2000">
-                <a:latin typeface="Arial"/>
-              </a:rPr>
-              <a:t>Sixth Outline Level</a:t>
-            </a:r>
-            <a:endParaRPr/>
-          </a:p>
-          <a:p>
-            <a:pPr lvl="6">
-              <a:buSzPct val="45000"/>
-              <a:buFont typeface="StarSymbol"/>
-              <a:buChar char=""/>
-            </a:pPr>
-            <a:r>
-              <a:rPr lang="en-US" sz="2000">
-                <a:latin typeface="Arial"/>
-              </a:rPr>
-              <a:t>Seventh Outline Level</a:t>
-            </a:r>
-            <a:endParaRPr/>
+          <p:cNvPr id="77" name="CustomShape 1"/>
+          <p:cNvSpPr/>
+          <p:nvPr/>
+        </p:nvSpPr>
+        <p:spPr>
+          <a:xfrm>
+            <a:off x="1523880" y="1122480"/>
+            <a:ext cx="9143280" cy="2386800"/>
+          </a:xfrm>
+          <a:prstGeom prst="rect">
+            <a:avLst/>
+          </a:prstGeom>
+          <a:noFill/>
+          <a:ln>
+            <a:noFill/>
+          </a:ln>
+        </p:spPr>
+        <p:txBody>
+          <a:bodyPr lIns="90000" tIns="45000" rIns="90000" bIns="45000" anchor="b"/>
+          <a:lstStyle/>
+          <a:p>
+            <a:pPr algn="ctr">
+              <a:lnSpc>
+                <a:spcPct val="100000"/>
+              </a:lnSpc>
+            </a:pPr>
+            <a:r>
+              <a:rPr lang="en-US" sz="6000">
+                <a:solidFill>
+                  <a:srgbClr val="0084D1"/>
+                </a:solidFill>
+                <a:latin typeface="Calibri Light"/>
+              </a:rPr>
+              <a:t>UEFA EURO 2016 Tournament Predictive Modeling</a:t>
+            </a:r>
+            <a:endParaRPr/>
+          </a:p>
+        </p:txBody>
+      </p:sp>
+      <p:sp>
+        <p:nvSpPr>
+          <p:cNvPr id="78" name="CustomShape 2"/>
+          <p:cNvSpPr/>
+          <p:nvPr/>
+        </p:nvSpPr>
+        <p:spPr>
+          <a:xfrm>
+            <a:off x="1523880" y="4221000"/>
+            <a:ext cx="9143280" cy="1654920"/>
+          </a:xfrm>
+          <a:prstGeom prst="rect">
+            <a:avLst/>
+          </a:prstGeom>
+          <a:noFill/>
+          <a:ln>
+            <a:noFill/>
+          </a:ln>
+        </p:spPr>
+        <p:txBody>
+          <a:bodyPr lIns="90000" tIns="45000" rIns="90000" bIns="45000"/>
+          <a:lstStyle/>
+          <a:p>
+            <a:pPr algn="ctr"/>
+            <a:r>
+              <a:rPr lang="en-US" sz="2400" dirty="0" err="1">
+                <a:solidFill>
+                  <a:srgbClr val="000000"/>
+                </a:solidFill>
+                <a:latin typeface="Calibri"/>
+              </a:rPr>
+              <a:t>Atanas</a:t>
+            </a:r>
+            <a:r>
+              <a:rPr lang="en-US" sz="2400" dirty="0">
+                <a:solidFill>
+                  <a:srgbClr val="000000"/>
+                </a:solidFill>
+                <a:latin typeface="Calibri"/>
+              </a:rPr>
+              <a:t> </a:t>
+            </a:r>
+            <a:r>
+              <a:rPr lang="en-US" sz="2400" dirty="0" err="1">
+                <a:solidFill>
+                  <a:srgbClr val="000000"/>
+                </a:solidFill>
+                <a:latin typeface="Calibri"/>
+              </a:rPr>
+              <a:t>Mirchev</a:t>
+            </a:r>
+            <a:r>
+              <a:rPr lang="en-US" sz="2400" dirty="0">
+                <a:solidFill>
+                  <a:srgbClr val="000000"/>
+                </a:solidFill>
+                <a:latin typeface="Calibri"/>
+              </a:rPr>
+              <a:t>	 </a:t>
+            </a:r>
+            <a:r>
+              <a:rPr lang="en-US" sz="2400" dirty="0" err="1">
+                <a:solidFill>
+                  <a:srgbClr val="000000"/>
+                </a:solidFill>
+                <a:latin typeface="Calibri"/>
+              </a:rPr>
+              <a:t>Georgi</a:t>
+            </a:r>
+            <a:r>
+              <a:rPr lang="en-US" sz="2400" dirty="0">
+                <a:solidFill>
+                  <a:srgbClr val="000000"/>
+                </a:solidFill>
+                <a:latin typeface="Calibri"/>
+              </a:rPr>
+              <a:t> </a:t>
+            </a:r>
+            <a:r>
+              <a:rPr lang="en-US" sz="2400" dirty="0" err="1">
+                <a:solidFill>
+                  <a:srgbClr val="000000"/>
+                </a:solidFill>
+                <a:latin typeface="Calibri"/>
+              </a:rPr>
+              <a:t>Dikov</a:t>
+            </a:r>
+            <a:endParaRPr dirty="0"/>
+          </a:p>
+          <a:p>
+            <a:pPr algn="ctr">
+              <a:lnSpc>
+                <a:spcPct val="100000"/>
+              </a:lnSpc>
+            </a:pPr>
+            <a:endParaRPr dirty="0"/>
+          </a:p>
+          <a:p>
+            <a:pPr algn="ctr">
+              <a:lnSpc>
+                <a:spcPct val="100000"/>
+              </a:lnSpc>
+            </a:pPr>
+            <a:r>
+              <a:rPr lang="en-US" sz="1500" dirty="0">
+                <a:solidFill>
+                  <a:srgbClr val="000000"/>
+                </a:solidFill>
+                <a:latin typeface="Calibri"/>
+              </a:rPr>
+              <a:t>Statistical Modeling and Machine Learning</a:t>
+            </a:r>
+            <a:endParaRPr dirty="0"/>
+          </a:p>
+          <a:p>
+            <a:pPr algn="ctr">
+              <a:lnSpc>
+                <a:spcPct val="100000"/>
+              </a:lnSpc>
+            </a:pPr>
+            <a:r>
+              <a:rPr lang="en-US" sz="1500" dirty="0">
+                <a:solidFill>
+                  <a:srgbClr val="000000"/>
+                </a:solidFill>
+                <a:latin typeface="Calibri"/>
+              </a:rPr>
+              <a:t> 8</a:t>
+            </a:r>
+            <a:r>
+              <a:rPr lang="en-US" sz="1500" baseline="30000" dirty="0">
+                <a:solidFill>
+                  <a:srgbClr val="000000"/>
+                </a:solidFill>
+                <a:latin typeface="Calibri"/>
+              </a:rPr>
+              <a:t>th</a:t>
+            </a:r>
+            <a:r>
+              <a:rPr lang="en-US" sz="1500" dirty="0">
+                <a:solidFill>
+                  <a:srgbClr val="000000"/>
+                </a:solidFill>
+                <a:latin typeface="Calibri"/>
+              </a:rPr>
+              <a:t> July 2016</a:t>
+            </a:r>
+            <a:endParaRPr dirty="0"/>
           </a:p>
         </p:txBody>
       </p:sp>
     </p:spTree>
   </p:cSld>
-  <p:clrMap bg1="lt1" bg2="lt2" tx1="dk1" tx2="dk2" accent1="accent1" accent2="accent2" accent3="accent3" accent4="accent4" accent5="accent5" accent6="accent6" hlink="hlink" folHlink="folHlink"/>
-  <p:sldLayoutIdLst>
-    <p:sldLayoutId id="2147483649" r:id="rId2"/>
-    <p:sldLayoutId id="2147483650" r:id="rId3"/>
-    <p:sldLayoutId id="2147483651" r:id="rId4"/>
-    <p:sldLayoutId id="2147483652" r:id="rId5"/>
-    <p:sldLayoutId id="2147483653" r:id="rId6"/>
-    <p:sldLayoutId id="2147483654" r:id="rId7"/>
-    <p:sldLayoutId id="2147483655" r:id="rId8"/>
-    <p:sldLayoutId id="2147483656" r:id="rId9"/>
-    <p:sldLayoutId id="2147483657" r:id="rId10"/>
-    <p:sldLayoutId id="2147483658" r:id="rId11"/>
-    <p:sldLayoutId id="2147483659" r:id="rId12"/>
-    <p:sldLayoutId id="2147483660" r:id="rId13"/>
-  </p:sldLayoutIdLst>
-</p:sldMaster>
+  <p:clrMapOvr>
+    <a:masterClrMapping/>
+  </p:clrMapOvr>
+  <p:timing>
+    <p:tnLst>
+      <p:par>
+        <p:cTn id="1" dur="indefinite" restart="never" nodeType="tmRoot">
+          <p:childTnLst>
+            <p:seq>
+              <p:cTn id="2" nodeType="mainSeq"/>
+              <p:prevCondLst>
+                <p:cond evt="onPrev" delay="0">
+                  <p:tgtEl>
+                    <p:sldTgt/>
+                  </p:tgtEl>
+                </p:cond>
+              </p:prevCondLst>
+              <p:nextCondLst>
+                <p:cond evt="onNext" delay="0">
+                  <p:tgtEl>
+                    <p:sldTgt/>
+                  </p:tgtEl>
+                </p:cond>
+              </p:nextCondLst>
+            </p:seq>
+          </p:childTnLst>
+        </p:cTn>
+      </p:par>
+    </p:tnLst>
+  </p:timing>
+</p:sld>
 </file>
 
-<file path=ppt/slideMasters/slideMaster2.xml><?xml version="1.0" encoding="utf-8"?>
-<p:sldMaster xmlns:a="http://schemas.openxmlformats.org/drawingml/2006/main" xmlns:p="http://schemas.openxmlformats.org/presentationml/2006/main" xmlns:r="http://schemas.openxmlformats.org/officeDocument/2006/relationships">
+<file path=ppt/slides/slide10.xml><?xml version="1.0" encoding="utf-8"?>
+<p:sld xmlns:a="http://schemas.openxmlformats.org/drawingml/2006/main" xmlns:r="http://schemas.openxmlformats.org/officeDocument/2006/relationships" xmlns:p="http://schemas.openxmlformats.org/presentationml/2006/main">
   <p:cSld>
     <p:spTree>
       <p:nvGrpSpPr>
@@ -2838,180 +4430,107 @@
       </p:grpSpPr>
       <p:sp>
         <p:nvSpPr>
-          <p:cNvPr id="36" name="PlaceHolder 1"/>
-          <p:cNvSpPr>
-            <a:spLocks noGrp="1"/>
-          </p:cNvSpPr>
-          <p:nvPr>
-            <p:ph type="title"/>
-          </p:nvPr>
-        </p:nvSpPr>
-        <p:spPr>
-          <a:xfrm>
-            <a:off x="609480" y="273600"/>
-            <a:ext cx="10972440" cy="1144800"/>
-          </a:xfrm>
-          <a:prstGeom prst="rect">
-            <a:avLst/>
-          </a:prstGeom>
-        </p:spPr>
-        <p:txBody>
-          <a:bodyPr lIns="0" rIns="0" tIns="0" bIns="0" anchor="ctr"/>
-          <a:p>
-            <a:pPr algn="ctr"/>
+          <p:cNvPr id="89" name="CustomShape 1"/>
+          <p:cNvSpPr/>
+          <p:nvPr/>
+        </p:nvSpPr>
+        <p:spPr>
+          <a:xfrm>
+            <a:off x="838080" y="365040"/>
+            <a:ext cx="10514880" cy="1324800"/>
+          </a:xfrm>
+          <a:prstGeom prst="rect">
+            <a:avLst/>
+          </a:prstGeom>
+          <a:noFill/>
+          <a:ln>
+            <a:noFill/>
+          </a:ln>
+        </p:spPr>
+        <p:txBody>
+          <a:bodyPr lIns="90000" tIns="45000" rIns="90000" bIns="45000" anchor="ctr"/>
+          <a:lstStyle/>
+          <a:p>
+            <a:pPr>
+              <a:lnSpc>
+                <a:spcPct val="90000"/>
+              </a:lnSpc>
+            </a:pPr>
             <a:r>
               <a:rPr lang="en-US" sz="4400">
-                <a:latin typeface="Arial"/>
-              </a:rPr>
-              <a:t>Click to edit the title text format</a:t>
-            </a:r>
-            <a:endParaRPr/>
-          </a:p>
-        </p:txBody>
-      </p:sp>
-      <p:sp>
-        <p:nvSpPr>
-          <p:cNvPr id="37" name="PlaceHolder 2"/>
-          <p:cNvSpPr>
-            <a:spLocks noGrp="1"/>
-          </p:cNvSpPr>
-          <p:nvPr>
-            <p:ph type="body"/>
-          </p:nvPr>
-        </p:nvSpPr>
-        <p:spPr>
-          <a:xfrm>
-            <a:off x="609480" y="1604520"/>
-            <a:ext cx="10972440" cy="3977280"/>
-          </a:xfrm>
-          <a:prstGeom prst="rect">
-            <a:avLst/>
-          </a:prstGeom>
-        </p:spPr>
-        <p:txBody>
-          <a:bodyPr lIns="0" rIns="0" tIns="0" bIns="0"/>
-          <a:p>
-            <a:pPr>
-              <a:buSzPct val="45000"/>
-              <a:buFont typeface="StarSymbol"/>
-              <a:buChar char=""/>
-            </a:pPr>
-            <a:r>
-              <a:rPr lang="en-US" sz="3200">
-                <a:latin typeface="Arial"/>
-              </a:rPr>
-              <a:t>Click to edit the outline text format</a:t>
-            </a:r>
-            <a:endParaRPr/>
-          </a:p>
-          <a:p>
-            <a:pPr lvl="1">
-              <a:buSzPct val="75000"/>
-              <a:buFont typeface="StarSymbol"/>
-              <a:buChar char=""/>
-            </a:pPr>
-            <a:r>
-              <a:rPr lang="en-US" sz="2800">
-                <a:latin typeface="Arial"/>
-              </a:rPr>
-              <a:t>Second Outline Level</a:t>
-            </a:r>
-            <a:endParaRPr/>
-          </a:p>
-          <a:p>
-            <a:pPr lvl="2">
-              <a:buSzPct val="45000"/>
-              <a:buFont typeface="StarSymbol"/>
-              <a:buChar char=""/>
-            </a:pPr>
-            <a:r>
-              <a:rPr lang="en-US" sz="2400">
-                <a:latin typeface="Arial"/>
-              </a:rPr>
-              <a:t>Third Outline Level</a:t>
-            </a:r>
-            <a:endParaRPr/>
-          </a:p>
-          <a:p>
-            <a:pPr lvl="3">
-              <a:buSzPct val="75000"/>
-              <a:buFont typeface="StarSymbol"/>
-              <a:buChar char=""/>
-            </a:pPr>
-            <a:r>
-              <a:rPr lang="en-US" sz="2000">
-                <a:latin typeface="Arial"/>
-              </a:rPr>
-              <a:t>Fourth Outline Level</a:t>
-            </a:r>
-            <a:endParaRPr/>
-          </a:p>
-          <a:p>
-            <a:pPr lvl="4">
-              <a:buSzPct val="45000"/>
-              <a:buFont typeface="StarSymbol"/>
-              <a:buChar char=""/>
-            </a:pPr>
-            <a:r>
-              <a:rPr lang="en-US" sz="2000">
-                <a:latin typeface="Arial"/>
-              </a:rPr>
-              <a:t>Fifth Outline Level</a:t>
-            </a:r>
-            <a:endParaRPr/>
-          </a:p>
-          <a:p>
-            <a:pPr lvl="5">
-              <a:buSzPct val="45000"/>
-              <a:buFont typeface="StarSymbol"/>
-              <a:buChar char=""/>
-            </a:pPr>
-            <a:r>
-              <a:rPr lang="en-US" sz="2000">
-                <a:latin typeface="Arial"/>
-              </a:rPr>
-              <a:t>Sixth Outline Level</a:t>
-            </a:r>
-            <a:endParaRPr/>
-          </a:p>
-          <a:p>
-            <a:pPr lvl="6">
-              <a:buSzPct val="45000"/>
-              <a:buFont typeface="StarSymbol"/>
-              <a:buChar char=""/>
-            </a:pPr>
-            <a:r>
-              <a:rPr lang="en-US" sz="2000">
-                <a:latin typeface="Arial"/>
-              </a:rPr>
-              <a:t>Seventh Outline Level</a:t>
-            </a:r>
-            <a:endParaRPr/>
-          </a:p>
-        </p:txBody>
-      </p:sp>
+                <a:solidFill>
+                  <a:srgbClr val="0084D1"/>
+                </a:solidFill>
+                <a:latin typeface="Calibri Light"/>
+              </a:rPr>
+              <a:t>t-SNE on all games</a:t>
+            </a:r>
+            <a:endParaRPr/>
+          </a:p>
+        </p:txBody>
+      </p:sp>
+      <p:pic>
+        <p:nvPicPr>
+          <p:cNvPr id="90" name="Picture 3"/>
+          <p:cNvPicPr/>
+          <p:nvPr/>
+        </p:nvPicPr>
+        <p:blipFill>
+          <a:blip r:embed="rId2"/>
+          <a:stretch>
+            <a:fillRect/>
+          </a:stretch>
+        </p:blipFill>
+        <p:spPr>
+          <a:xfrm>
+            <a:off x="1037880" y="1690560"/>
+            <a:ext cx="10115640" cy="5166720"/>
+          </a:xfrm>
+          <a:prstGeom prst="rect">
+            <a:avLst/>
+          </a:prstGeom>
+          <a:ln>
+            <a:noFill/>
+          </a:ln>
+        </p:spPr>
+      </p:pic>
     </p:spTree>
   </p:cSld>
-  <p:clrMap bg1="lt1" bg2="lt2" tx1="dk1" tx2="dk2" accent1="accent1" accent2="accent2" accent3="accent3" accent4="accent4" accent5="accent5" accent6="accent6" hlink="hlink" folHlink="folHlink"/>
-  <p:sldLayoutIdLst>
-    <p:sldLayoutId id="2147483662" r:id="rId2"/>
-    <p:sldLayoutId id="2147483663" r:id="rId3"/>
-    <p:sldLayoutId id="2147483664" r:id="rId4"/>
-    <p:sldLayoutId id="2147483665" r:id="rId5"/>
-    <p:sldLayoutId id="2147483666" r:id="rId6"/>
-    <p:sldLayoutId id="2147483667" r:id="rId7"/>
-    <p:sldLayoutId id="2147483668" r:id="rId8"/>
-    <p:sldLayoutId id="2147483669" r:id="rId9"/>
-    <p:sldLayoutId id="2147483670" r:id="rId10"/>
-    <p:sldLayoutId id="2147483671" r:id="rId11"/>
-    <p:sldLayoutId id="2147483672" r:id="rId12"/>
-    <p:sldLayoutId id="2147483673" r:id="rId13"/>
-  </p:sldLayoutIdLst>
-</p:sldMaster>
+  <p:clrMapOvr>
+    <a:masterClrMapping/>
+  </p:clrMapOvr>
+  <p:timing>
+    <p:tnLst>
+      <p:par>
+        <p:cTn id="1" dur="indefinite" restart="never" nodeType="tmRoot">
+          <p:childTnLst>
+            <p:seq>
+              <p:cTn id="2" nodeType="mainSeq"/>
+              <p:prevCondLst>
+                <p:cond evt="onPrev" delay="0">
+                  <p:tgtEl>
+                    <p:sldTgt/>
+                  </p:tgtEl>
+                </p:cond>
+              </p:prevCondLst>
+              <p:nextCondLst>
+                <p:cond evt="onNext" delay="0">
+                  <p:tgtEl>
+                    <p:sldTgt/>
+                  </p:tgtEl>
+                </p:cond>
+              </p:nextCondLst>
+            </p:seq>
+          </p:childTnLst>
+        </p:cTn>
+      </p:par>
+    </p:tnLst>
+  </p:timing>
+</p:sld>
 </file>
 
-<file path=ppt/slides/slide1.xml><?xml version="1.0" encoding="utf-8"?>
-<p:sld xmlns:a="http://schemas.openxmlformats.org/drawingml/2006/main" xmlns:p="http://schemas.openxmlformats.org/presentationml/2006/main" xmlns:r="http://schemas.openxmlformats.org/officeDocument/2006/relationships">
+<file path=ppt/slides/slide11.xml><?xml version="1.0" encoding="utf-8"?>
+<p:sld xmlns:a="http://schemas.openxmlformats.org/drawingml/2006/main" xmlns:r="http://schemas.openxmlformats.org/officeDocument/2006/relationships" xmlns:p="http://schemas.openxmlformats.org/presentationml/2006/main">
   <p:cSld>
     <p:spTree>
       <p:nvGrpSpPr>
@@ -3029,14 +4548,14 @@
       </p:grpSpPr>
       <p:sp>
         <p:nvSpPr>
-          <p:cNvPr id="77" name="CustomShape 1"/>
+          <p:cNvPr id="91" name="CustomShape 1"/>
           <p:cNvSpPr/>
           <p:nvPr/>
         </p:nvSpPr>
         <p:spPr>
           <a:xfrm>
-            <a:off x="1523880" y="1122480"/>
-            <a:ext cx="9143280" cy="2386800"/>
+            <a:off x="838080" y="365040"/>
+            <a:ext cx="10514880" cy="1324800"/>
           </a:xfrm>
           <a:prstGeom prst="rect">
             <a:avLst/>
@@ -3047,36 +4566,37 @@
           </a:ln>
         </p:spPr>
         <p:txBody>
-          <a:bodyPr lIns="90000" rIns="90000" tIns="45000" bIns="45000" anchor="b"/>
-          <a:p>
-            <a:pPr algn="ctr">
+          <a:bodyPr lIns="90000" tIns="45000" rIns="90000" bIns="45000" anchor="ctr"/>
+          <a:lstStyle/>
+          <a:p>
+            <a:pPr>
               <a:lnSpc>
-                <a:spcPct val="100000"/>
+                <a:spcPct val="90000"/>
               </a:lnSpc>
             </a:pPr>
             <a:r>
-              <a:rPr lang="en-US" sz="6000">
-                <a:solidFill>
-                  <a:srgbClr val="0084d1"/>
+              <a:rPr lang="en-US" sz="4400">
+                <a:solidFill>
+                  <a:srgbClr val="0084D1"/>
                 </a:solidFill>
                 <a:latin typeface="Calibri Light"/>
               </a:rPr>
-              <a:t>UEFA EURO 2016 Tournament Predictive Modeling</a:t>
-            </a:r>
-            <a:endParaRPr/>
-          </a:p>
-        </p:txBody>
-      </p:sp>
-      <p:sp>
-        <p:nvSpPr>
-          <p:cNvPr id="78" name="CustomShape 2"/>
+              <a:t>t-SNE on team data only</a:t>
+            </a:r>
+            <a:endParaRPr/>
+          </a:p>
+        </p:txBody>
+      </p:sp>
+      <p:sp>
+        <p:nvSpPr>
+          <p:cNvPr id="92" name="CustomShape 2"/>
           <p:cNvSpPr/>
           <p:nvPr/>
         </p:nvSpPr>
         <p:spPr>
           <a:xfrm>
-            <a:off x="1523880" y="4221000"/>
-            <a:ext cx="9143280" cy="1654920"/>
+            <a:off x="838080" y="1825560"/>
+            <a:ext cx="10514880" cy="4350600"/>
           </a:xfrm>
           <a:prstGeom prst="rect">
             <a:avLst/>
@@ -3086,111 +4606,37 @@
             <a:noFill/>
           </a:ln>
         </p:spPr>
-        <p:txBody>
-          <a:bodyPr lIns="90000" rIns="90000" tIns="45000" bIns="45000"/>
-          <a:p>
-            <a:r>
-              <a:rPr lang="en-US" sz="2400">
-                <a:solidFill>
-                  <a:srgbClr val="000000"/>
-                </a:solidFill>
-                <a:latin typeface="Calibri"/>
-              </a:rPr>
-              <a:t>Atanas Mirchev</a:t>
-            </a:r>
-            <a:r>
-              <a:rPr lang="en-US" sz="2400">
-                <a:solidFill>
-                  <a:srgbClr val="000000"/>
-                </a:solidFill>
-                <a:latin typeface="Calibri"/>
-              </a:rPr>
-              <a:t>	</a:t>
-            </a:r>
-            <a:r>
-              <a:rPr lang="en-US" sz="2400">
-                <a:solidFill>
-                  <a:srgbClr val="000000"/>
-                </a:solidFill>
-                <a:latin typeface="Calibri"/>
-              </a:rPr>
-              <a:t> Georgi Dikov</a:t>
-            </a:r>
-            <a:endParaRPr/>
-          </a:p>
-          <a:p>
-            <a:pPr algn="ctr">
-              <a:lnSpc>
-                <a:spcPct val="100000"/>
-              </a:lnSpc>
-            </a:pPr>
-            <a:endParaRPr/>
-          </a:p>
-          <a:p>
-            <a:pPr algn="ctr">
-              <a:lnSpc>
-                <a:spcPct val="100000"/>
-              </a:lnSpc>
-            </a:pPr>
-            <a:r>
-              <a:rPr lang="en-US" sz="1500">
-                <a:solidFill>
-                  <a:srgbClr val="000000"/>
-                </a:solidFill>
-                <a:latin typeface="Calibri"/>
-              </a:rPr>
-              <a:t>Statistical Modeling and Machine Learning</a:t>
-            </a:r>
-            <a:endParaRPr/>
-          </a:p>
-          <a:p>
-            <a:pPr algn="ctr">
-              <a:lnSpc>
-                <a:spcPct val="100000"/>
-              </a:lnSpc>
-            </a:pPr>
-            <a:r>
-              <a:rPr lang="en-US" sz="1500">
-                <a:solidFill>
-                  <a:srgbClr val="000000"/>
-                </a:solidFill>
-                <a:latin typeface="Calibri"/>
-              </a:rPr>
-              <a:t> </a:t>
-            </a:r>
-            <a:r>
-              <a:rPr lang="en-US" sz="1500">
-                <a:solidFill>
-                  <a:srgbClr val="000000"/>
-                </a:solidFill>
-                <a:latin typeface="Calibri"/>
-              </a:rPr>
-              <a:t>8</a:t>
-            </a:r>
-            <a:r>
-              <a:rPr lang="en-US" sz="1500" baseline="30000">
-                <a:solidFill>
-                  <a:srgbClr val="000000"/>
-                </a:solidFill>
-                <a:latin typeface="Calibri"/>
-              </a:rPr>
-              <a:t>th</a:t>
-            </a:r>
-            <a:r>
-              <a:rPr lang="en-US" sz="1500">
-                <a:solidFill>
-                  <a:srgbClr val="000000"/>
-                </a:solidFill>
-                <a:latin typeface="Calibri"/>
-              </a:rPr>
-              <a:t> July 2016</a:t>
-            </a:r>
-            <a:endParaRPr/>
-          </a:p>
-        </p:txBody>
-      </p:sp>
+      </p:sp>
+      <p:pic>
+        <p:nvPicPr>
+          <p:cNvPr id="93" name="Picture 3"/>
+          <p:cNvPicPr/>
+          <p:nvPr/>
+        </p:nvPicPr>
+        <p:blipFill>
+          <a:blip r:embed="rId2"/>
+          <a:stretch>
+            <a:fillRect/>
+          </a:stretch>
+        </p:blipFill>
+        <p:spPr>
+          <a:xfrm>
+            <a:off x="337680" y="1485000"/>
+            <a:ext cx="11515680" cy="5031720"/>
+          </a:xfrm>
+          <a:prstGeom prst="rect">
+            <a:avLst/>
+          </a:prstGeom>
+          <a:ln>
+            <a:noFill/>
+          </a:ln>
+        </p:spPr>
+      </p:pic>
     </p:spTree>
   </p:cSld>
+  <p:clrMapOvr>
+    <a:masterClrMapping/>
+  </p:clrMapOvr>
   <p:timing>
     <p:tnLst>
       <p:par>
@@ -3199,14 +4645,817 @@
             <p:seq>
               <p:cTn id="2" nodeType="mainSeq"/>
               <p:prevCondLst>
-                <p:cond delay="0" evt="onPrev">
+                <p:cond evt="onPrev" delay="0">
                   <p:tgtEl>
                     <p:sldTgt/>
                   </p:tgtEl>
                 </p:cond>
               </p:prevCondLst>
               <p:nextCondLst>
-                <p:cond delay="0" evt="onNext">
+                <p:cond evt="onNext" delay="0">
+                  <p:tgtEl>
+                    <p:sldTgt/>
+                  </p:tgtEl>
+                </p:cond>
+              </p:nextCondLst>
+            </p:seq>
+          </p:childTnLst>
+        </p:cTn>
+      </p:par>
+    </p:tnLst>
+  </p:timing>
+</p:sld>
+</file>
+
+<file path=ppt/slides/slide12.xml><?xml version="1.0" encoding="utf-8"?>
+<p:sld xmlns:a="http://schemas.openxmlformats.org/drawingml/2006/main" xmlns:r="http://schemas.openxmlformats.org/officeDocument/2006/relationships" xmlns:p="http://schemas.openxmlformats.org/presentationml/2006/main">
+  <p:cSld>
+    <p:spTree>
+      <p:nvGrpSpPr>
+        <p:cNvPr id="1" name=""/>
+        <p:cNvGrpSpPr/>
+        <p:nvPr/>
+      </p:nvGrpSpPr>
+      <p:grpSpPr>
+        <a:xfrm>
+          <a:off x="0" y="0"/>
+          <a:ext cx="0" cy="0"/>
+          <a:chOff x="0" y="0"/>
+          <a:chExt cx="0" cy="0"/>
+        </a:xfrm>
+      </p:grpSpPr>
+      <p:sp>
+        <p:nvSpPr>
+          <p:cNvPr id="85" name="CustomShape 1"/>
+          <p:cNvSpPr/>
+          <p:nvPr/>
+        </p:nvSpPr>
+        <p:spPr>
+          <a:xfrm>
+            <a:off x="838080" y="365040"/>
+            <a:ext cx="10514880" cy="1324800"/>
+          </a:xfrm>
+          <a:prstGeom prst="rect">
+            <a:avLst/>
+          </a:prstGeom>
+          <a:noFill/>
+          <a:ln>
+            <a:noFill/>
+          </a:ln>
+        </p:spPr>
+        <p:txBody>
+          <a:bodyPr lIns="90000" tIns="45000" rIns="90000" bIns="45000" anchor="ctr"/>
+          <a:lstStyle/>
+          <a:p>
+            <a:pPr>
+              <a:lnSpc>
+                <a:spcPct val="90000"/>
+              </a:lnSpc>
+            </a:pPr>
+            <a:r>
+              <a:rPr lang="en-US" sz="4400">
+                <a:solidFill>
+                  <a:srgbClr val="0084D1"/>
+                </a:solidFill>
+                <a:latin typeface="Calibri Light"/>
+              </a:rPr>
+              <a:t>Evaluation and Model Selection</a:t>
+            </a:r>
+            <a:endParaRPr/>
+          </a:p>
+        </p:txBody>
+      </p:sp>
+      <p:pic>
+        <p:nvPicPr>
+          <p:cNvPr id="86" name="Picture 85"/>
+          <p:cNvPicPr/>
+          <p:nvPr/>
+        </p:nvPicPr>
+        <p:blipFill>
+          <a:blip r:embed="rId2"/>
+          <a:stretch>
+            <a:fillRect/>
+          </a:stretch>
+        </p:blipFill>
+        <p:spPr>
+          <a:xfrm>
+            <a:off x="1085400" y="1463040"/>
+            <a:ext cx="10021320" cy="4524480"/>
+          </a:xfrm>
+          <a:prstGeom prst="rect">
+            <a:avLst/>
+          </a:prstGeom>
+          <a:ln>
+            <a:noFill/>
+          </a:ln>
+        </p:spPr>
+      </p:pic>
+    </p:spTree>
+  </p:cSld>
+  <p:clrMapOvr>
+    <a:masterClrMapping/>
+  </p:clrMapOvr>
+  <p:timing>
+    <p:tnLst>
+      <p:par>
+        <p:cTn id="1" dur="indefinite" restart="never" nodeType="tmRoot">
+          <p:childTnLst>
+            <p:seq>
+              <p:cTn id="2" nodeType="mainSeq"/>
+              <p:prevCondLst>
+                <p:cond evt="onPrev" delay="0">
+                  <p:tgtEl>
+                    <p:sldTgt/>
+                  </p:tgtEl>
+                </p:cond>
+              </p:prevCondLst>
+              <p:nextCondLst>
+                <p:cond evt="onNext" delay="0">
+                  <p:tgtEl>
+                    <p:sldTgt/>
+                  </p:tgtEl>
+                </p:cond>
+              </p:nextCondLst>
+            </p:seq>
+          </p:childTnLst>
+        </p:cTn>
+      </p:par>
+    </p:tnLst>
+  </p:timing>
+</p:sld>
+</file>
+
+<file path=ppt/slides/slide13.xml><?xml version="1.0" encoding="utf-8"?>
+<p:sld xmlns:a="http://schemas.openxmlformats.org/drawingml/2006/main" xmlns:r="http://schemas.openxmlformats.org/officeDocument/2006/relationships" xmlns:p="http://schemas.openxmlformats.org/presentationml/2006/main">
+  <p:cSld>
+    <p:spTree>
+      <p:nvGrpSpPr>
+        <p:cNvPr id="1" name=""/>
+        <p:cNvGrpSpPr/>
+        <p:nvPr/>
+      </p:nvGrpSpPr>
+      <p:grpSpPr>
+        <a:xfrm>
+          <a:off x="0" y="0"/>
+          <a:ext cx="0" cy="0"/>
+          <a:chOff x="0" y="0"/>
+          <a:chExt cx="0" cy="0"/>
+        </a:xfrm>
+      </p:grpSpPr>
+      <p:sp>
+        <p:nvSpPr>
+          <p:cNvPr id="87" name="CustomShape 1"/>
+          <p:cNvSpPr/>
+          <p:nvPr/>
+        </p:nvSpPr>
+        <p:spPr>
+          <a:xfrm>
+            <a:off x="838080" y="365040"/>
+            <a:ext cx="10514880" cy="1324800"/>
+          </a:xfrm>
+          <a:prstGeom prst="rect">
+            <a:avLst/>
+          </a:prstGeom>
+          <a:noFill/>
+          <a:ln>
+            <a:noFill/>
+          </a:ln>
+        </p:spPr>
+        <p:txBody>
+          <a:bodyPr lIns="90000" tIns="45000" rIns="90000" bIns="45000" anchor="ctr"/>
+          <a:lstStyle/>
+          <a:p>
+            <a:pPr>
+              <a:lnSpc>
+                <a:spcPct val="90000"/>
+              </a:lnSpc>
+            </a:pPr>
+            <a:r>
+              <a:rPr lang="en-US" sz="4400">
+                <a:solidFill>
+                  <a:srgbClr val="0084D1"/>
+                </a:solidFill>
+                <a:latin typeface="Calibri Light"/>
+              </a:rPr>
+              <a:t>Evaluation and Model Selection</a:t>
+            </a:r>
+            <a:endParaRPr/>
+          </a:p>
+        </p:txBody>
+      </p:sp>
+      <p:pic>
+        <p:nvPicPr>
+          <p:cNvPr id="88" name="Content Placeholder 3"/>
+          <p:cNvPicPr/>
+          <p:nvPr/>
+        </p:nvPicPr>
+        <p:blipFill>
+          <a:blip r:embed="rId2"/>
+          <a:stretch>
+            <a:fillRect/>
+          </a:stretch>
+        </p:blipFill>
+        <p:spPr>
+          <a:xfrm>
+            <a:off x="1744560" y="1825560"/>
+            <a:ext cx="8701920" cy="4350600"/>
+          </a:xfrm>
+          <a:prstGeom prst="rect">
+            <a:avLst/>
+          </a:prstGeom>
+          <a:ln>
+            <a:noFill/>
+          </a:ln>
+        </p:spPr>
+      </p:pic>
+    </p:spTree>
+  </p:cSld>
+  <p:clrMapOvr>
+    <a:masterClrMapping/>
+  </p:clrMapOvr>
+  <p:timing>
+    <p:tnLst>
+      <p:par>
+        <p:cTn id="1" dur="indefinite" restart="never" nodeType="tmRoot">
+          <p:childTnLst>
+            <p:seq>
+              <p:cTn id="2" nodeType="mainSeq"/>
+              <p:prevCondLst>
+                <p:cond evt="onPrev" delay="0">
+                  <p:tgtEl>
+                    <p:sldTgt/>
+                  </p:tgtEl>
+                </p:cond>
+              </p:prevCondLst>
+              <p:nextCondLst>
+                <p:cond evt="onNext" delay="0">
+                  <p:tgtEl>
+                    <p:sldTgt/>
+                  </p:tgtEl>
+                </p:cond>
+              </p:nextCondLst>
+            </p:seq>
+          </p:childTnLst>
+        </p:cTn>
+      </p:par>
+    </p:tnLst>
+  </p:timing>
+</p:sld>
+</file>
+
+<file path=ppt/slides/slide14.xml><?xml version="1.0" encoding="utf-8"?>
+<p:sld xmlns:a="http://schemas.openxmlformats.org/drawingml/2006/main" xmlns:r="http://schemas.openxmlformats.org/officeDocument/2006/relationships" xmlns:p="http://schemas.openxmlformats.org/presentationml/2006/main">
+  <p:cSld>
+    <p:spTree>
+      <p:nvGrpSpPr>
+        <p:cNvPr id="1" name=""/>
+        <p:cNvGrpSpPr/>
+        <p:nvPr/>
+      </p:nvGrpSpPr>
+      <p:grpSpPr>
+        <a:xfrm>
+          <a:off x="0" y="0"/>
+          <a:ext cx="0" cy="0"/>
+          <a:chOff x="0" y="0"/>
+          <a:chExt cx="0" cy="0"/>
+        </a:xfrm>
+      </p:grpSpPr>
+      <p:sp>
+        <p:nvSpPr>
+          <p:cNvPr id="94" name="CustomShape 1"/>
+          <p:cNvSpPr/>
+          <p:nvPr/>
+        </p:nvSpPr>
+        <p:spPr>
+          <a:xfrm>
+            <a:off x="838080" y="365040"/>
+            <a:ext cx="10514880" cy="1324800"/>
+          </a:xfrm>
+          <a:prstGeom prst="rect">
+            <a:avLst/>
+          </a:prstGeom>
+          <a:noFill/>
+          <a:ln>
+            <a:noFill/>
+          </a:ln>
+        </p:spPr>
+        <p:txBody>
+          <a:bodyPr lIns="90000" tIns="45000" rIns="90000" bIns="45000" anchor="ctr"/>
+          <a:lstStyle/>
+          <a:p>
+            <a:pPr>
+              <a:lnSpc>
+                <a:spcPct val="90000"/>
+              </a:lnSpc>
+            </a:pPr>
+            <a:r>
+              <a:rPr lang="en-US" sz="4400">
+                <a:solidFill>
+                  <a:srgbClr val="0084D1"/>
+                </a:solidFill>
+                <a:latin typeface="Calibri Light"/>
+              </a:rPr>
+              <a:t>Conclusions</a:t>
+            </a:r>
+            <a:endParaRPr/>
+          </a:p>
+        </p:txBody>
+      </p:sp>
+      <p:sp>
+        <p:nvSpPr>
+          <p:cNvPr id="95" name="CustomShape 2"/>
+          <p:cNvSpPr/>
+          <p:nvPr/>
+        </p:nvSpPr>
+        <p:spPr>
+          <a:xfrm>
+            <a:off x="838080" y="1825560"/>
+            <a:ext cx="10514880" cy="4350600"/>
+          </a:xfrm>
+          <a:prstGeom prst="rect">
+            <a:avLst/>
+          </a:prstGeom>
+          <a:noFill/>
+          <a:ln>
+            <a:noFill/>
+          </a:ln>
+        </p:spPr>
+        <p:txBody>
+          <a:bodyPr lIns="90000" tIns="45000" rIns="90000" bIns="45000"/>
+          <a:lstStyle/>
+          <a:p>
+            <a:pPr>
+              <a:lnSpc>
+                <a:spcPct val="90000"/>
+              </a:lnSpc>
+              <a:buFont typeface="Arial"/>
+              <a:buChar char="•"/>
+            </a:pPr>
+            <a:r>
+              <a:rPr lang="en-US" sz="2400" dirty="0">
+                <a:solidFill>
+                  <a:srgbClr val="000000"/>
+                </a:solidFill>
+                <a:latin typeface="Calibri"/>
+              </a:rPr>
+              <a:t>Probabilistic or not, models are similar in performance</a:t>
+            </a:r>
+            <a:endParaRPr dirty="0"/>
+          </a:p>
+          <a:p>
+            <a:pPr>
+              <a:lnSpc>
+                <a:spcPct val="90000"/>
+              </a:lnSpc>
+            </a:pPr>
+            <a:endParaRPr dirty="0"/>
+          </a:p>
+          <a:p>
+            <a:pPr>
+              <a:lnSpc>
+                <a:spcPct val="90000"/>
+              </a:lnSpc>
+            </a:pPr>
+            <a:endParaRPr dirty="0"/>
+          </a:p>
+        </p:txBody>
+      </p:sp>
+    </p:spTree>
+  </p:cSld>
+  <p:clrMapOvr>
+    <a:masterClrMapping/>
+  </p:clrMapOvr>
+  <p:timing>
+    <p:tnLst>
+      <p:par>
+        <p:cTn id="1" dur="indefinite" restart="never" nodeType="tmRoot">
+          <p:childTnLst>
+            <p:seq>
+              <p:cTn id="2" nodeType="mainSeq"/>
+              <p:prevCondLst>
+                <p:cond evt="onPrev" delay="0">
+                  <p:tgtEl>
+                    <p:sldTgt/>
+                  </p:tgtEl>
+                </p:cond>
+              </p:prevCondLst>
+              <p:nextCondLst>
+                <p:cond evt="onNext" delay="0">
+                  <p:tgtEl>
+                    <p:sldTgt/>
+                  </p:tgtEl>
+                </p:cond>
+              </p:nextCondLst>
+            </p:seq>
+          </p:childTnLst>
+        </p:cTn>
+      </p:par>
+    </p:tnLst>
+  </p:timing>
+</p:sld>
+</file>
+
+<file path=ppt/slides/slide15.xml><?xml version="1.0" encoding="utf-8"?>
+<p:sld xmlns:a="http://schemas.openxmlformats.org/drawingml/2006/main" xmlns:r="http://schemas.openxmlformats.org/officeDocument/2006/relationships" xmlns:p="http://schemas.openxmlformats.org/presentationml/2006/main">
+  <p:cSld>
+    <p:spTree>
+      <p:nvGrpSpPr>
+        <p:cNvPr id="1" name=""/>
+        <p:cNvGrpSpPr/>
+        <p:nvPr/>
+      </p:nvGrpSpPr>
+      <p:grpSpPr>
+        <a:xfrm>
+          <a:off x="0" y="0"/>
+          <a:ext cx="0" cy="0"/>
+          <a:chOff x="0" y="0"/>
+          <a:chExt cx="0" cy="0"/>
+        </a:xfrm>
+      </p:grpSpPr>
+      <p:sp>
+        <p:nvSpPr>
+          <p:cNvPr id="94" name="CustomShape 1"/>
+          <p:cNvSpPr/>
+          <p:nvPr/>
+        </p:nvSpPr>
+        <p:spPr>
+          <a:xfrm>
+            <a:off x="838080" y="365040"/>
+            <a:ext cx="10514880" cy="1324800"/>
+          </a:xfrm>
+          <a:prstGeom prst="rect">
+            <a:avLst/>
+          </a:prstGeom>
+          <a:noFill/>
+          <a:ln>
+            <a:noFill/>
+          </a:ln>
+        </p:spPr>
+        <p:txBody>
+          <a:bodyPr lIns="90000" tIns="45000" rIns="90000" bIns="45000" anchor="ctr"/>
+          <a:lstStyle/>
+          <a:p>
+            <a:pPr>
+              <a:lnSpc>
+                <a:spcPct val="90000"/>
+              </a:lnSpc>
+            </a:pPr>
+            <a:r>
+              <a:rPr lang="en-US" sz="4400">
+                <a:solidFill>
+                  <a:srgbClr val="0084D1"/>
+                </a:solidFill>
+                <a:latin typeface="Calibri Light"/>
+              </a:rPr>
+              <a:t>Conclusions</a:t>
+            </a:r>
+            <a:endParaRPr/>
+          </a:p>
+        </p:txBody>
+      </p:sp>
+      <p:sp>
+        <p:nvSpPr>
+          <p:cNvPr id="95" name="CustomShape 2"/>
+          <p:cNvSpPr/>
+          <p:nvPr/>
+        </p:nvSpPr>
+        <p:spPr>
+          <a:xfrm>
+            <a:off x="838080" y="1825560"/>
+            <a:ext cx="10514880" cy="4350600"/>
+          </a:xfrm>
+          <a:prstGeom prst="rect">
+            <a:avLst/>
+          </a:prstGeom>
+          <a:noFill/>
+          <a:ln>
+            <a:noFill/>
+          </a:ln>
+        </p:spPr>
+        <p:txBody>
+          <a:bodyPr lIns="90000" tIns="45000" rIns="90000" bIns="45000"/>
+          <a:lstStyle/>
+          <a:p>
+            <a:pPr>
+              <a:lnSpc>
+                <a:spcPct val="90000"/>
+              </a:lnSpc>
+              <a:buFont typeface="Arial"/>
+              <a:buChar char="•"/>
+            </a:pPr>
+            <a:r>
+              <a:rPr lang="en-US" sz="2400" dirty="0">
+                <a:solidFill>
+                  <a:srgbClr val="000000"/>
+                </a:solidFill>
+                <a:latin typeface="Calibri"/>
+              </a:rPr>
+              <a:t>Probabilistic or not, models are similar in performance</a:t>
+            </a:r>
+            <a:endParaRPr dirty="0"/>
+          </a:p>
+          <a:p>
+            <a:pPr>
+              <a:lnSpc>
+                <a:spcPct val="90000"/>
+              </a:lnSpc>
+            </a:pPr>
+            <a:endParaRPr dirty="0"/>
+          </a:p>
+          <a:p>
+            <a:pPr>
+              <a:lnSpc>
+                <a:spcPct val="90000"/>
+              </a:lnSpc>
+              <a:buFont typeface="Arial"/>
+              <a:buChar char="•"/>
+            </a:pPr>
+            <a:r>
+              <a:rPr lang="en-US" sz="2400" dirty="0">
+                <a:solidFill>
+                  <a:srgbClr val="000000"/>
+                </a:solidFill>
+                <a:latin typeface="Calibri"/>
+              </a:rPr>
+              <a:t>Modeling with Poisson, without additional features, throws away </a:t>
+            </a:r>
+            <a:r>
+              <a:rPr lang="en-US" sz="2400" dirty="0" smtClean="0">
+                <a:solidFill>
+                  <a:srgbClr val="000000"/>
+                </a:solidFill>
+                <a:latin typeface="Calibri"/>
+              </a:rPr>
+              <a:t>too </a:t>
+            </a:r>
+            <a:r>
+              <a:rPr lang="en-US" sz="2400" dirty="0">
+                <a:solidFill>
+                  <a:srgbClr val="000000"/>
+                </a:solidFill>
+                <a:latin typeface="Calibri"/>
+              </a:rPr>
+              <a:t>much information</a:t>
+            </a:r>
+            <a:endParaRPr dirty="0"/>
+          </a:p>
+          <a:p>
+            <a:pPr>
+              <a:lnSpc>
+                <a:spcPct val="90000"/>
+              </a:lnSpc>
+            </a:pPr>
+            <a:endParaRPr dirty="0"/>
+          </a:p>
+        </p:txBody>
+      </p:sp>
+    </p:spTree>
+    <p:extLst>
+      <p:ext uri="{BB962C8B-B14F-4D97-AF65-F5344CB8AC3E}">
+        <p14:creationId xmlns:p14="http://schemas.microsoft.com/office/powerpoint/2010/main" val="2118334911"/>
+      </p:ext>
+    </p:extLst>
+  </p:cSld>
+  <p:clrMapOvr>
+    <a:masterClrMapping/>
+  </p:clrMapOvr>
+  <p:timing>
+    <p:tnLst>
+      <p:par>
+        <p:cTn id="1" dur="indefinite" restart="never" nodeType="tmRoot">
+          <p:childTnLst>
+            <p:seq>
+              <p:cTn id="2" nodeType="mainSeq"/>
+              <p:prevCondLst>
+                <p:cond evt="onPrev" delay="0">
+                  <p:tgtEl>
+                    <p:sldTgt/>
+                  </p:tgtEl>
+                </p:cond>
+              </p:prevCondLst>
+              <p:nextCondLst>
+                <p:cond evt="onNext" delay="0">
+                  <p:tgtEl>
+                    <p:sldTgt/>
+                  </p:tgtEl>
+                </p:cond>
+              </p:nextCondLst>
+            </p:seq>
+          </p:childTnLst>
+        </p:cTn>
+      </p:par>
+    </p:tnLst>
+  </p:timing>
+</p:sld>
+</file>
+
+<file path=ppt/slides/slide16.xml><?xml version="1.0" encoding="utf-8"?>
+<p:sld xmlns:a="http://schemas.openxmlformats.org/drawingml/2006/main" xmlns:r="http://schemas.openxmlformats.org/officeDocument/2006/relationships" xmlns:p="http://schemas.openxmlformats.org/presentationml/2006/main">
+  <p:cSld>
+    <p:spTree>
+      <p:nvGrpSpPr>
+        <p:cNvPr id="1" name=""/>
+        <p:cNvGrpSpPr/>
+        <p:nvPr/>
+      </p:nvGrpSpPr>
+      <p:grpSpPr>
+        <a:xfrm>
+          <a:off x="0" y="0"/>
+          <a:ext cx="0" cy="0"/>
+          <a:chOff x="0" y="0"/>
+          <a:chExt cx="0" cy="0"/>
+        </a:xfrm>
+      </p:grpSpPr>
+      <p:sp>
+        <p:nvSpPr>
+          <p:cNvPr id="94" name="CustomShape 1"/>
+          <p:cNvSpPr/>
+          <p:nvPr/>
+        </p:nvSpPr>
+        <p:spPr>
+          <a:xfrm>
+            <a:off x="838080" y="365040"/>
+            <a:ext cx="10514880" cy="1324800"/>
+          </a:xfrm>
+          <a:prstGeom prst="rect">
+            <a:avLst/>
+          </a:prstGeom>
+          <a:noFill/>
+          <a:ln>
+            <a:noFill/>
+          </a:ln>
+        </p:spPr>
+        <p:txBody>
+          <a:bodyPr lIns="90000" tIns="45000" rIns="90000" bIns="45000" anchor="ctr"/>
+          <a:lstStyle/>
+          <a:p>
+            <a:pPr>
+              <a:lnSpc>
+                <a:spcPct val="90000"/>
+              </a:lnSpc>
+            </a:pPr>
+            <a:r>
+              <a:rPr lang="en-US" sz="4400">
+                <a:solidFill>
+                  <a:srgbClr val="0084D1"/>
+                </a:solidFill>
+                <a:latin typeface="Calibri Light"/>
+              </a:rPr>
+              <a:t>Conclusions</a:t>
+            </a:r>
+            <a:endParaRPr/>
+          </a:p>
+        </p:txBody>
+      </p:sp>
+      <p:sp>
+        <p:nvSpPr>
+          <p:cNvPr id="95" name="CustomShape 2"/>
+          <p:cNvSpPr/>
+          <p:nvPr/>
+        </p:nvSpPr>
+        <p:spPr>
+          <a:xfrm>
+            <a:off x="838080" y="1825560"/>
+            <a:ext cx="10514880" cy="4350600"/>
+          </a:xfrm>
+          <a:prstGeom prst="rect">
+            <a:avLst/>
+          </a:prstGeom>
+          <a:noFill/>
+          <a:ln>
+            <a:noFill/>
+          </a:ln>
+        </p:spPr>
+        <p:txBody>
+          <a:bodyPr lIns="90000" tIns="45000" rIns="90000" bIns="45000"/>
+          <a:lstStyle/>
+          <a:p>
+            <a:pPr>
+              <a:lnSpc>
+                <a:spcPct val="90000"/>
+              </a:lnSpc>
+              <a:buFont typeface="Arial"/>
+              <a:buChar char="•"/>
+            </a:pPr>
+            <a:r>
+              <a:rPr lang="en-US" sz="2400" dirty="0">
+                <a:solidFill>
+                  <a:srgbClr val="000000"/>
+                </a:solidFill>
+                <a:latin typeface="Calibri"/>
+              </a:rPr>
+              <a:t>Probabilistic or not, models are similar in performance</a:t>
+            </a:r>
+            <a:endParaRPr dirty="0"/>
+          </a:p>
+          <a:p>
+            <a:pPr>
+              <a:lnSpc>
+                <a:spcPct val="90000"/>
+              </a:lnSpc>
+            </a:pPr>
+            <a:endParaRPr dirty="0"/>
+          </a:p>
+          <a:p>
+            <a:pPr>
+              <a:lnSpc>
+                <a:spcPct val="90000"/>
+              </a:lnSpc>
+              <a:buFont typeface="Arial"/>
+              <a:buChar char="•"/>
+            </a:pPr>
+            <a:r>
+              <a:rPr lang="en-US" sz="2400" dirty="0">
+                <a:solidFill>
+                  <a:srgbClr val="000000"/>
+                </a:solidFill>
+                <a:latin typeface="Calibri"/>
+              </a:rPr>
+              <a:t>Modeling with Poisson, without additional features, throws away way </a:t>
+            </a:r>
+            <a:r>
+              <a:rPr lang="en-US" sz="2400" dirty="0" smtClean="0">
+                <a:solidFill>
+                  <a:srgbClr val="000000"/>
+                </a:solidFill>
+                <a:latin typeface="Calibri"/>
+              </a:rPr>
+              <a:t>too </a:t>
+            </a:r>
+            <a:r>
+              <a:rPr lang="en-US" sz="2400" dirty="0">
+                <a:solidFill>
+                  <a:srgbClr val="000000"/>
+                </a:solidFill>
+                <a:latin typeface="Calibri"/>
+              </a:rPr>
+              <a:t>much information</a:t>
+            </a:r>
+            <a:endParaRPr dirty="0"/>
+          </a:p>
+          <a:p>
+            <a:pPr>
+              <a:lnSpc>
+                <a:spcPct val="90000"/>
+              </a:lnSpc>
+            </a:pPr>
+            <a:endParaRPr dirty="0"/>
+          </a:p>
+          <a:p>
+            <a:pPr>
+              <a:lnSpc>
+                <a:spcPct val="90000"/>
+              </a:lnSpc>
+              <a:buFont typeface="Arial"/>
+              <a:buChar char="•"/>
+            </a:pPr>
+            <a:r>
+              <a:rPr lang="en-US" sz="2400" dirty="0">
+                <a:solidFill>
+                  <a:srgbClr val="000000"/>
+                </a:solidFill>
+                <a:latin typeface="Calibri"/>
+              </a:rPr>
+              <a:t>The lack of data decreases the confidence in our models' performance</a:t>
+            </a:r>
+            <a:endParaRPr dirty="0"/>
+          </a:p>
+          <a:p>
+            <a:pPr>
+              <a:lnSpc>
+                <a:spcPct val="90000"/>
+              </a:lnSpc>
+            </a:pPr>
+            <a:endParaRPr dirty="0"/>
+          </a:p>
+        </p:txBody>
+      </p:sp>
+    </p:spTree>
+    <p:extLst>
+      <p:ext uri="{BB962C8B-B14F-4D97-AF65-F5344CB8AC3E}">
+        <p14:creationId xmlns:p14="http://schemas.microsoft.com/office/powerpoint/2010/main" val="1587829903"/>
+      </p:ext>
+    </p:extLst>
+  </p:cSld>
+  <p:clrMapOvr>
+    <a:masterClrMapping/>
+  </p:clrMapOvr>
+  <p:timing>
+    <p:tnLst>
+      <p:par>
+        <p:cTn id="1" dur="indefinite" restart="never" nodeType="tmRoot">
+          <p:childTnLst>
+            <p:seq>
+              <p:cTn id="2" nodeType="mainSeq"/>
+              <p:prevCondLst>
+                <p:cond evt="onPrev" delay="0">
+                  <p:tgtEl>
+                    <p:sldTgt/>
+                  </p:tgtEl>
+                </p:cond>
+              </p:prevCondLst>
+              <p:nextCondLst>
+                <p:cond evt="onNext" delay="0">
                   <p:tgtEl>
                     <p:sldTgt/>
                   </p:tgtEl>
@@ -3222,7 +5471,7 @@
 </file>
 
 <file path=ppt/slides/slide2.xml><?xml version="1.0" encoding="utf-8"?>
-<p:sld xmlns:a="http://schemas.openxmlformats.org/drawingml/2006/main" xmlns:p="http://schemas.openxmlformats.org/presentationml/2006/main" xmlns:r="http://schemas.openxmlformats.org/officeDocument/2006/relationships">
+<p:sld xmlns:a="http://schemas.openxmlformats.org/drawingml/2006/main" xmlns:r="http://schemas.openxmlformats.org/officeDocument/2006/relationships" xmlns:p="http://schemas.openxmlformats.org/presentationml/2006/main">
   <p:cSld>
     <p:spTree>
       <p:nvGrpSpPr>
@@ -3258,7 +5507,8 @@
           </a:ln>
         </p:spPr>
         <p:txBody>
-          <a:bodyPr lIns="90000" rIns="90000" tIns="45000" bIns="45000" anchor="ctr"/>
+          <a:bodyPr lIns="90000" tIns="45000" rIns="90000" bIns="45000" anchor="ctr"/>
+          <a:lstStyle/>
           <a:p>
             <a:pPr>
               <a:lnSpc>
@@ -3268,7 +5518,7 @@
             <a:r>
               <a:rPr lang="en-US" sz="4400">
                 <a:solidFill>
-                  <a:srgbClr val="0084d1"/>
+                  <a:srgbClr val="0084D1"/>
                 </a:solidFill>
                 <a:latin typeface="Calibri Light"/>
               </a:rPr>
@@ -3298,7 +5548,8 @@
           </a:ln>
         </p:spPr>
         <p:txBody>
-          <a:bodyPr lIns="90000" rIns="90000" tIns="45000" bIns="45000"/>
+          <a:bodyPr lIns="90000" tIns="45000" rIns="90000" bIns="45000"/>
+          <a:lstStyle/>
           <a:p>
             <a:pPr>
               <a:lnSpc>
@@ -3308,16 +5559,16 @@
               <a:buChar char="•"/>
             </a:pPr>
             <a:r>
-              <a:rPr lang="en-US" sz="2400">
-                <a:solidFill>
-                  <a:srgbClr val="0066cc"/>
+              <a:rPr lang="en-US" sz="2400" dirty="0">
+                <a:solidFill>
+                  <a:srgbClr val="0066CC"/>
                 </a:solidFill>
                 <a:latin typeface="Calibri"/>
               </a:rPr>
               <a:t>Random Forest</a:t>
             </a:r>
             <a:r>
-              <a:rPr lang="en-US" sz="2400">
+              <a:rPr lang="en-US" sz="2400" dirty="0">
                 <a:solidFill>
                   <a:srgbClr val="000000"/>
                 </a:solidFill>
@@ -3325,225 +5576,56 @@
               </a:rPr>
               <a:t> as a baseline </a:t>
             </a:r>
-            <a:endParaRPr/>
-          </a:p>
-          <a:p>
-            <a:pPr>
-              <a:lnSpc>
-                <a:spcPct val="90000"/>
-              </a:lnSpc>
-              <a:buFont typeface="Arial"/>
-              <a:buChar char="•"/>
-            </a:pPr>
-            <a:r>
-              <a:rPr lang="en-US" sz="2400">
-                <a:solidFill>
-                  <a:srgbClr val="0066cc"/>
-                </a:solidFill>
-                <a:latin typeface="Calibri"/>
-              </a:rPr>
-              <a:t>Multivariate Logistic Regression</a:t>
-            </a:r>
-            <a:r>
-              <a:rPr lang="en-US" sz="2400">
-                <a:solidFill>
-                  <a:srgbClr val="000000"/>
-                </a:solidFill>
-                <a:latin typeface="Calibri"/>
-              </a:rPr>
-              <a:t> with categorical dependent variable</a:t>
-            </a:r>
-            <a:endParaRPr/>
-          </a:p>
-          <a:p>
-            <a:pPr lvl="1">
-              <a:lnSpc>
-                <a:spcPct val="100000"/>
-              </a:lnSpc>
-              <a:buFont typeface="Arial"/>
-              <a:buChar char="•"/>
-            </a:pPr>
-            <a:r>
-              <a:rPr lang="en-US" sz="2000">
-                <a:solidFill>
-                  <a:srgbClr val="000000"/>
-                </a:solidFill>
-                <a:latin typeface="Calibri"/>
-              </a:rPr>
-              <a:t>Win/Draw/Loss classification + confidence</a:t>
-            </a:r>
-            <a:endParaRPr/>
-          </a:p>
-          <a:p>
-            <a:pPr lvl="1">
-              <a:lnSpc>
-                <a:spcPct val="100000"/>
-              </a:lnSpc>
-              <a:buFont typeface="Arial"/>
-              <a:buChar char="•"/>
-            </a:pPr>
-            <a:r>
-              <a:rPr lang="en-US" sz="2000">
-                <a:solidFill>
-                  <a:srgbClr val="000000"/>
-                </a:solidFill>
-                <a:latin typeface="Calibri"/>
-              </a:rPr>
-              <a:t>Interpretation of the co-variate's importance</a:t>
-            </a:r>
-            <a:endParaRPr/>
-          </a:p>
-          <a:p>
-            <a:pPr lvl="1">
-              <a:lnSpc>
-                <a:spcPct val="100000"/>
-              </a:lnSpc>
-              <a:buFont typeface="Arial"/>
-              <a:buChar char="•"/>
-            </a:pPr>
-            <a:r>
-              <a:rPr lang="en-US" sz="2000">
-                <a:solidFill>
-                  <a:srgbClr val="000000"/>
-                </a:solidFill>
-                <a:latin typeface="Calibri"/>
-              </a:rPr>
-              <a:t>Simple to implement, successful </a:t>
-            </a:r>
-            <a:endParaRPr/>
-          </a:p>
-          <a:p>
-            <a:pPr>
-              <a:lnSpc>
-                <a:spcPct val="90000"/>
-              </a:lnSpc>
-              <a:buFont typeface="Arial"/>
-              <a:buChar char="•"/>
-            </a:pPr>
-            <a:r>
-              <a:rPr lang="en-US" sz="2400">
-                <a:solidFill>
-                  <a:srgbClr val="0066cc"/>
-                </a:solidFill>
-                <a:latin typeface="Calibri"/>
-              </a:rPr>
-              <a:t>LogRegression</a:t>
-            </a:r>
-            <a:r>
-              <a:rPr lang="en-US" sz="2400">
-                <a:solidFill>
-                  <a:srgbClr val="000000"/>
-                </a:solidFill>
-                <a:latin typeface="Calibri"/>
-              </a:rPr>
-              <a:t> with hard “draw probability” cut-off </a:t>
-            </a:r>
-            <a:endParaRPr/>
-          </a:p>
-          <a:p>
-            <a:pPr lvl="1">
-              <a:lnSpc>
-                <a:spcPct val="100000"/>
-              </a:lnSpc>
-              <a:buFont typeface="Arial"/>
-              <a:buChar char="•"/>
-            </a:pPr>
-            <a:r>
-              <a:rPr lang="en-US" sz="2000">
-                <a:solidFill>
-                  <a:srgbClr val="000000"/>
-                </a:solidFill>
-                <a:latin typeface="Calibri"/>
-              </a:rPr>
-              <a:t>Predict draw or not-draw</a:t>
-            </a:r>
-            <a:endParaRPr/>
-          </a:p>
-          <a:p>
-            <a:pPr lvl="1">
-              <a:lnSpc>
-                <a:spcPct val="100000"/>
-              </a:lnSpc>
-              <a:buFont typeface="Arial"/>
-              <a:buChar char="•"/>
-            </a:pPr>
-            <a:r>
-              <a:rPr lang="en-US" sz="2000">
-                <a:solidFill>
-                  <a:srgbClr val="000000"/>
-                </a:solidFill>
-                <a:latin typeface="Calibri"/>
-              </a:rPr>
-              <a:t>If not-draw then predict loss/win</a:t>
-            </a:r>
-            <a:endParaRPr/>
-          </a:p>
-          <a:p>
-            <a:pPr>
-              <a:lnSpc>
-                <a:spcPct val="90000"/>
-              </a:lnSpc>
-              <a:buFont typeface="Arial"/>
-              <a:buChar char="•"/>
-            </a:pPr>
-            <a:r>
-              <a:rPr lang="en-US" sz="2400">
-                <a:solidFill>
-                  <a:srgbClr val="000000"/>
-                </a:solidFill>
-                <a:latin typeface="Calibri"/>
-              </a:rPr>
-              <a:t>Other models for comparison: </a:t>
-            </a:r>
-            <a:r>
-              <a:rPr lang="en-US" sz="2400">
-                <a:solidFill>
-                  <a:srgbClr val="0066cc"/>
-                </a:solidFill>
-                <a:latin typeface="Calibri"/>
-              </a:rPr>
-              <a:t>SVM</a:t>
-            </a:r>
-            <a:r>
-              <a:rPr lang="en-US" sz="2400">
-                <a:solidFill>
-                  <a:srgbClr val="000000"/>
-                </a:solidFill>
-                <a:latin typeface="Calibri"/>
-              </a:rPr>
-              <a:t>, </a:t>
-            </a:r>
-            <a:r>
-              <a:rPr lang="en-US" sz="2400">
-                <a:solidFill>
-                  <a:srgbClr val="0066cc"/>
-                </a:solidFill>
-                <a:latin typeface="Calibri"/>
-              </a:rPr>
-              <a:t>Poisson Regression</a:t>
-            </a:r>
-            <a:endParaRPr/>
+            <a:r>
+              <a:rPr lang="en-US" sz="2400" dirty="0" smtClean="0">
+                <a:solidFill>
+                  <a:srgbClr val="000000"/>
+                </a:solidFill>
+                <a:latin typeface="Calibri"/>
+              </a:rPr>
+              <a:t/>
+            </a:r>
+            <a:br>
+              <a:rPr lang="en-US" sz="2400" dirty="0" smtClean="0">
+                <a:solidFill>
+                  <a:srgbClr val="000000"/>
+                </a:solidFill>
+                <a:latin typeface="Calibri"/>
+              </a:rPr>
+            </a:br>
+            <a:endParaRPr dirty="0"/>
           </a:p>
         </p:txBody>
       </p:sp>
     </p:spTree>
   </p:cSld>
+  <p:clrMapOvr>
+    <a:masterClrMapping/>
+  </p:clrMapOvr>
+  <mc:AlternateContent xmlns:mc="http://schemas.openxmlformats.org/markup-compatibility/2006">
+    <mc:Choice xmlns:p14="http://schemas.microsoft.com/office/powerpoint/2010/main" Requires="p14">
+      <p:transition p14:dur="0"/>
+    </mc:Choice>
+    <mc:Fallback>
+      <p:transition/>
+    </mc:Fallback>
+  </mc:AlternateContent>
   <p:timing>
     <p:tnLst>
       <p:par>
-        <p:cTn id="3" dur="indefinite" restart="never" nodeType="tmRoot">
+        <p:cTn id="1" dur="indefinite" restart="never" nodeType="tmRoot">
           <p:childTnLst>
             <p:seq>
-              <p:cTn id="4" nodeType="mainSeq"/>
+              <p:cTn id="2" nodeType="mainSeq"/>
               <p:prevCondLst>
-                <p:cond delay="0" evt="onPrev">
+                <p:cond evt="onPrev" delay="0">
                   <p:tgtEl>
                     <p:sldTgt/>
                   </p:tgtEl>
                 </p:cond>
               </p:prevCondLst>
               <p:nextCondLst>
-                <p:cond delay="0" evt="onNext">
+                <p:cond evt="onNext" delay="0">
                   <p:tgtEl>
                     <p:sldTgt/>
                   </p:tgtEl>
@@ -3559,7 +5641,7 @@
 </file>
 
 <file path=ppt/slides/slide3.xml><?xml version="1.0" encoding="utf-8"?>
-<p:sld xmlns:a="http://schemas.openxmlformats.org/drawingml/2006/main" xmlns:p="http://schemas.openxmlformats.org/presentationml/2006/main" xmlns:r="http://schemas.openxmlformats.org/officeDocument/2006/relationships">
+<p:sld xmlns:a="http://schemas.openxmlformats.org/drawingml/2006/main" xmlns:r="http://schemas.openxmlformats.org/officeDocument/2006/relationships" xmlns:p="http://schemas.openxmlformats.org/presentationml/2006/main">
   <p:cSld>
     <p:spTree>
       <p:nvGrpSpPr>
@@ -3577,7 +5659,7 @@
       </p:grpSpPr>
       <p:sp>
         <p:nvSpPr>
-          <p:cNvPr id="81" name="CustomShape 1"/>
+          <p:cNvPr id="79" name="CustomShape 1"/>
           <p:cNvSpPr/>
           <p:nvPr/>
         </p:nvSpPr>
@@ -3595,7 +5677,8 @@
           </a:ln>
         </p:spPr>
         <p:txBody>
-          <a:bodyPr lIns="90000" rIns="90000" tIns="45000" bIns="45000" anchor="ctr"/>
+          <a:bodyPr lIns="90000" tIns="45000" rIns="90000" bIns="45000" anchor="ctr"/>
+          <a:lstStyle/>
           <a:p>
             <a:pPr>
               <a:lnSpc>
@@ -3605,26 +5688,26 @@
             <a:r>
               <a:rPr lang="en-US" sz="4400">
                 <a:solidFill>
-                  <a:srgbClr val="0084d1"/>
+                  <a:srgbClr val="0084D1"/>
                 </a:solidFill>
                 <a:latin typeface="Calibri Light"/>
               </a:rPr>
-              <a:t>Data Preparation</a:t>
-            </a:r>
-            <a:endParaRPr/>
-          </a:p>
-        </p:txBody>
-      </p:sp>
-      <p:sp>
-        <p:nvSpPr>
-          <p:cNvPr id="82" name="CustomShape 2"/>
+              <a:t>Modeling Concept</a:t>
+            </a:r>
+            <a:endParaRPr/>
+          </a:p>
+        </p:txBody>
+      </p:sp>
+      <p:sp>
+        <p:nvSpPr>
+          <p:cNvPr id="80" name="CustomShape 2"/>
           <p:cNvSpPr/>
           <p:nvPr/>
         </p:nvSpPr>
         <p:spPr>
           <a:xfrm>
             <a:off x="838080" y="1825560"/>
-            <a:ext cx="10514880" cy="4350600"/>
+            <a:ext cx="10514880" cy="4475880"/>
           </a:xfrm>
           <a:prstGeom prst="rect">
             <a:avLst/>
@@ -3635,19 +5718,8 @@
           </a:ln>
         </p:spPr>
         <p:txBody>
-          <a:bodyPr lIns="90000" rIns="90000" tIns="45000" bIns="45000"/>
-          <a:p>
-            <a:r>
-              <a:rPr lang="en-US" sz="2400">
-                <a:solidFill>
-                  <a:srgbClr val="000000"/>
-                </a:solidFill>
-                <a:latin typeface="Calibri"/>
-              </a:rPr>
-              <a:t>Formatting, data clean-up and correction</a:t>
-            </a:r>
-            <a:endParaRPr/>
-          </a:p>
+          <a:bodyPr lIns="90000" tIns="45000" rIns="90000" bIns="45000"/>
+          <a:lstStyle/>
           <a:p>
             <a:pPr>
               <a:lnSpc>
@@ -3656,7 +5728,42 @@
               <a:buFont typeface="Arial"/>
               <a:buChar char="•"/>
             </a:pPr>
-            <a:endParaRPr/>
+            <a:r>
+              <a:rPr lang="en-US" sz="2400" dirty="0">
+                <a:solidFill>
+                  <a:srgbClr val="0066CC"/>
+                </a:solidFill>
+                <a:latin typeface="Calibri"/>
+              </a:rPr>
+              <a:t>Random Forest</a:t>
+            </a:r>
+            <a:r>
+              <a:rPr lang="en-US" sz="2400" dirty="0">
+                <a:solidFill>
+                  <a:srgbClr val="000000"/>
+                </a:solidFill>
+                <a:latin typeface="Calibri"/>
+              </a:rPr>
+              <a:t> as a baseline </a:t>
+            </a:r>
+            <a:r>
+              <a:rPr lang="en-US" sz="2400" dirty="0" smtClean="0">
+                <a:solidFill>
+                  <a:srgbClr val="000000"/>
+                </a:solidFill>
+                <a:latin typeface="Calibri"/>
+              </a:rPr>
+              <a:t/>
+            </a:r>
+            <a:br>
+              <a:rPr lang="en-US" sz="2400" dirty="0" smtClean="0">
+                <a:solidFill>
+                  <a:srgbClr val="000000"/>
+                </a:solidFill>
+                <a:latin typeface="Calibri"/>
+              </a:rPr>
+            </a:br>
+            <a:endParaRPr dirty="0"/>
           </a:p>
           <a:p>
             <a:pPr>
@@ -3667,15 +5774,24 @@
               <a:buChar char="•"/>
             </a:pPr>
             <a:r>
-              <a:rPr lang="en-US" sz="2400">
-                <a:solidFill>
-                  <a:srgbClr val="000000"/>
-                </a:solidFill>
-                <a:latin typeface="Calibri"/>
-              </a:rPr>
-              <a:t>Extending with new features</a:t>
-            </a:r>
-            <a:endParaRPr/>
+              <a:rPr lang="en-US" sz="2400" dirty="0">
+                <a:solidFill>
+                  <a:srgbClr val="0066CC"/>
+                </a:solidFill>
+                <a:latin typeface="Calibri"/>
+              </a:rPr>
+              <a:t>Multivariate Logistic Regression</a:t>
+            </a:r>
+            <a:r>
+              <a:rPr lang="en-US" sz="2400" dirty="0">
+                <a:solidFill>
+                  <a:srgbClr val="000000"/>
+                </a:solidFill>
+                <a:latin typeface="Calibri"/>
+              </a:rPr>
+              <a:t> with categorical dependent variable</a:t>
+            </a:r>
+            <a:endParaRPr dirty="0"/>
           </a:p>
           <a:p>
             <a:pPr lvl="1">
@@ -3686,15 +5802,15 @@
               <a:buChar char="•"/>
             </a:pPr>
             <a:r>
-              <a:rPr lang="en-US" sz="2000">
-                <a:solidFill>
-                  <a:srgbClr val="000000"/>
-                </a:solidFill>
-                <a:latin typeface="Calibri"/>
-              </a:rPr>
-              <a:t>Nation’s GDP, population </a:t>
-            </a:r>
-            <a:endParaRPr/>
+              <a:rPr lang="en-US" sz="2000" dirty="0">
+                <a:solidFill>
+                  <a:srgbClr val="000000"/>
+                </a:solidFill>
+                <a:latin typeface="Calibri"/>
+              </a:rPr>
+              <a:t>Win/Draw/Loss classification + confidence</a:t>
+            </a:r>
+            <a:endParaRPr dirty="0"/>
           </a:p>
           <a:p>
             <a:pPr lvl="1">
@@ -3705,15 +5821,15 @@
               <a:buChar char="•"/>
             </a:pPr>
             <a:r>
-              <a:rPr lang="en-US" sz="2000">
-                <a:solidFill>
-                  <a:srgbClr val="000000"/>
-                </a:solidFill>
-                <a:latin typeface="Calibri"/>
-              </a:rPr>
-              <a:t>Weighted historical scoring in previous editions of the tournament</a:t>
-            </a:r>
-            <a:endParaRPr/>
+              <a:rPr lang="en-US" sz="2000" dirty="0">
+                <a:solidFill>
+                  <a:srgbClr val="000000"/>
+                </a:solidFill>
+                <a:latin typeface="Calibri"/>
+              </a:rPr>
+              <a:t>Interpretation of the co-variate's importance</a:t>
+            </a:r>
+            <a:endParaRPr dirty="0"/>
           </a:p>
           <a:p>
             <a:pPr lvl="1">
@@ -3723,112 +5839,70 @@
               <a:buFont typeface="Arial"/>
               <a:buChar char="•"/>
             </a:pPr>
-            <a:endParaRPr/>
-          </a:p>
-          <a:p>
-            <a:pPr lvl="1">
-              <a:lnSpc>
-                <a:spcPct val="100000"/>
-              </a:lnSpc>
-              <a:buFont typeface="Arial"/>
-              <a:buChar char="•"/>
-            </a:pPr>
-            <a:r>
-              <a:rPr lang="en-US" sz="2400">
-                <a:solidFill>
-                  <a:srgbClr val="000000"/>
-                </a:solidFill>
-                <a:latin typeface="Calibri"/>
-              </a:rPr>
-              <a:t>Feature selection (</a:t>
-            </a:r>
-            <a:r>
-              <a:rPr lang="en-US" sz="2400">
-                <a:solidFill>
-                  <a:srgbClr val="ff950e"/>
-                </a:solidFill>
-                <a:latin typeface="Calibri"/>
-              </a:rPr>
-              <a:t>LS-SVM</a:t>
-            </a:r>
-            <a:r>
-              <a:rPr lang="en-US" sz="2400">
-                <a:solidFill>
-                  <a:srgbClr val="000000"/>
-                </a:solidFill>
-                <a:latin typeface="Calibri"/>
-              </a:rPr>
-              <a:t>)</a:t>
-            </a:r>
-            <a:endParaRPr/>
-          </a:p>
-          <a:p>
-            <a:pPr>
-              <a:lnSpc>
-                <a:spcPct val="90000"/>
-              </a:lnSpc>
-              <a:buFont typeface="Arial"/>
-              <a:buChar char="•"/>
-            </a:pPr>
-            <a:endParaRPr/>
-          </a:p>
-          <a:p>
-            <a:pPr>
-              <a:lnSpc>
-                <a:spcPct val="90000"/>
-              </a:lnSpc>
-              <a:buFont typeface="Arial"/>
-              <a:buChar char="•"/>
-            </a:pPr>
-            <a:r>
-              <a:rPr lang="en-US" sz="2400">
-                <a:solidFill>
-                  <a:srgbClr val="000000"/>
-                </a:solidFill>
-                <a:latin typeface="Calibri"/>
-              </a:rPr>
-              <a:t>Data visualization (</a:t>
-            </a:r>
-            <a:r>
-              <a:rPr lang="en-US" sz="2400">
-                <a:solidFill>
-                  <a:srgbClr val="ff950e"/>
-                </a:solidFill>
-                <a:latin typeface="Calibri"/>
-              </a:rPr>
-              <a:t>t-SNE</a:t>
-            </a:r>
-            <a:r>
-              <a:rPr lang="en-US" sz="2400">
-                <a:solidFill>
-                  <a:srgbClr val="000000"/>
-                </a:solidFill>
-                <a:latin typeface="Calibri"/>
-              </a:rPr>
-              <a:t>)</a:t>
-            </a:r>
-            <a:endParaRPr/>
+            <a:r>
+              <a:rPr lang="en-US" sz="2000" dirty="0">
+                <a:solidFill>
+                  <a:srgbClr val="000000"/>
+                </a:solidFill>
+                <a:latin typeface="Calibri"/>
+              </a:rPr>
+              <a:t>Simple to implement, successful </a:t>
+            </a:r>
+            <a:r>
+              <a:rPr lang="en-US" sz="2000" dirty="0" smtClean="0">
+                <a:solidFill>
+                  <a:srgbClr val="000000"/>
+                </a:solidFill>
+                <a:latin typeface="Calibri"/>
+              </a:rPr>
+              <a:t/>
+            </a:r>
+            <a:br>
+              <a:rPr lang="en-US" sz="2000" dirty="0" smtClean="0">
+                <a:solidFill>
+                  <a:srgbClr val="000000"/>
+                </a:solidFill>
+                <a:latin typeface="Calibri"/>
+              </a:rPr>
+            </a:br>
+            <a:endParaRPr dirty="0"/>
           </a:p>
         </p:txBody>
       </p:sp>
     </p:spTree>
+    <p:extLst>
+      <p:ext uri="{BB962C8B-B14F-4D97-AF65-F5344CB8AC3E}">
+        <p14:creationId xmlns:p14="http://schemas.microsoft.com/office/powerpoint/2010/main" val="1414707509"/>
+      </p:ext>
+    </p:extLst>
   </p:cSld>
+  <p:clrMapOvr>
+    <a:masterClrMapping/>
+  </p:clrMapOvr>
+  <mc:AlternateContent xmlns:mc="http://schemas.openxmlformats.org/markup-compatibility/2006">
+    <mc:Choice xmlns:p14="http://schemas.microsoft.com/office/powerpoint/2010/main" Requires="p14">
+      <p:transition p14:dur="0"/>
+    </mc:Choice>
+    <mc:Fallback>
+      <p:transition/>
+    </mc:Fallback>
+  </mc:AlternateContent>
   <p:timing>
     <p:tnLst>
       <p:par>
-        <p:cTn id="5" dur="indefinite" restart="never" nodeType="tmRoot">
+        <p:cTn id="1" dur="indefinite" restart="never" nodeType="tmRoot">
           <p:childTnLst>
             <p:seq>
-              <p:cTn id="6" nodeType="mainSeq"/>
+              <p:cTn id="2" nodeType="mainSeq"/>
               <p:prevCondLst>
-                <p:cond delay="0" evt="onPrev">
+                <p:cond evt="onPrev" delay="0">
                   <p:tgtEl>
                     <p:sldTgt/>
                   </p:tgtEl>
                 </p:cond>
               </p:prevCondLst>
               <p:nextCondLst>
-                <p:cond delay="0" evt="onNext">
+                <p:cond evt="onNext" delay="0">
                   <p:tgtEl>
                     <p:sldTgt/>
                   </p:tgtEl>
@@ -3844,7 +5918,7 @@
 </file>
 
 <file path=ppt/slides/slide4.xml><?xml version="1.0" encoding="utf-8"?>
-<p:sld xmlns:a="http://schemas.openxmlformats.org/drawingml/2006/main" xmlns:p="http://schemas.openxmlformats.org/presentationml/2006/main" xmlns:r="http://schemas.openxmlformats.org/officeDocument/2006/relationships">
+<p:sld xmlns:a="http://schemas.openxmlformats.org/drawingml/2006/main" xmlns:r="http://schemas.openxmlformats.org/officeDocument/2006/relationships" xmlns:p="http://schemas.openxmlformats.org/presentationml/2006/main">
   <p:cSld>
     <p:spTree>
       <p:nvGrpSpPr>
@@ -3862,7 +5936,7 @@
       </p:grpSpPr>
       <p:sp>
         <p:nvSpPr>
-          <p:cNvPr id="83" name="CustomShape 1"/>
+          <p:cNvPr id="79" name="CustomShape 1"/>
           <p:cNvSpPr/>
           <p:nvPr/>
         </p:nvSpPr>
@@ -3879,50 +5953,352 @@
             <a:noFill/>
           </a:ln>
         </p:spPr>
-      </p:sp>
-      <p:pic>
-        <p:nvPicPr>
-          <p:cNvPr id="84" name="Picture 6" descr=""/>
-          <p:cNvPicPr/>
+        <p:txBody>
+          <a:bodyPr lIns="90000" tIns="45000" rIns="90000" bIns="45000" anchor="ctr"/>
+          <a:lstStyle/>
+          <a:p>
+            <a:pPr>
+              <a:lnSpc>
+                <a:spcPct val="90000"/>
+              </a:lnSpc>
+            </a:pPr>
+            <a:r>
+              <a:rPr lang="en-US" sz="4400">
+                <a:solidFill>
+                  <a:srgbClr val="0084D1"/>
+                </a:solidFill>
+                <a:latin typeface="Calibri Light"/>
+              </a:rPr>
+              <a:t>Modeling Concept</a:t>
+            </a:r>
+            <a:endParaRPr/>
+          </a:p>
+        </p:txBody>
+      </p:sp>
+      <p:sp>
+        <p:nvSpPr>
+          <p:cNvPr id="80" name="CustomShape 2"/>
+          <p:cNvSpPr/>
           <p:nvPr/>
-        </p:nvPicPr>
-        <p:blipFill>
-          <a:blip r:embed="rId1"/>
-          <a:stretch>
-            <a:fillRect/>
-          </a:stretch>
-        </p:blipFill>
-        <p:spPr>
-          <a:xfrm>
-            <a:off x="42120" y="365040"/>
-            <a:ext cx="12191400" cy="6521400"/>
-          </a:xfrm>
-          <a:prstGeom prst="rect">
-            <a:avLst/>
-          </a:prstGeom>
+        </p:nvSpPr>
+        <p:spPr>
+          <a:xfrm>
+            <a:off x="838080" y="1825560"/>
+            <a:ext cx="10514880" cy="4475880"/>
+          </a:xfrm>
+          <a:prstGeom prst="rect">
+            <a:avLst/>
+          </a:prstGeom>
+          <a:noFill/>
           <a:ln>
             <a:noFill/>
           </a:ln>
         </p:spPr>
-      </p:pic>
+        <p:txBody>
+          <a:bodyPr lIns="90000" tIns="45000" rIns="90000" bIns="45000"/>
+          <a:lstStyle/>
+          <a:p>
+            <a:pPr>
+              <a:lnSpc>
+                <a:spcPct val="90000"/>
+              </a:lnSpc>
+              <a:buFont typeface="Arial"/>
+              <a:buChar char="•"/>
+            </a:pPr>
+            <a:r>
+              <a:rPr lang="en-US" sz="2400" dirty="0">
+                <a:solidFill>
+                  <a:srgbClr val="0066CC"/>
+                </a:solidFill>
+                <a:latin typeface="Calibri"/>
+              </a:rPr>
+              <a:t>Random Forest</a:t>
+            </a:r>
+            <a:r>
+              <a:rPr lang="en-US" sz="2400" dirty="0">
+                <a:solidFill>
+                  <a:srgbClr val="000000"/>
+                </a:solidFill>
+                <a:latin typeface="Calibri"/>
+              </a:rPr>
+              <a:t> as a baseline </a:t>
+            </a:r>
+            <a:r>
+              <a:rPr lang="en-US" sz="2400" dirty="0" smtClean="0">
+                <a:solidFill>
+                  <a:srgbClr val="000000"/>
+                </a:solidFill>
+                <a:latin typeface="Calibri"/>
+              </a:rPr>
+              <a:t/>
+            </a:r>
+            <a:br>
+              <a:rPr lang="en-US" sz="2400" dirty="0" smtClean="0">
+                <a:solidFill>
+                  <a:srgbClr val="000000"/>
+                </a:solidFill>
+                <a:latin typeface="Calibri"/>
+              </a:rPr>
+            </a:br>
+            <a:endParaRPr dirty="0"/>
+          </a:p>
+          <a:p>
+            <a:pPr>
+              <a:lnSpc>
+                <a:spcPct val="90000"/>
+              </a:lnSpc>
+              <a:buFont typeface="Arial"/>
+              <a:buChar char="•"/>
+            </a:pPr>
+            <a:r>
+              <a:rPr lang="en-US" sz="2400" dirty="0">
+                <a:solidFill>
+                  <a:srgbClr val="0066CC"/>
+                </a:solidFill>
+                <a:latin typeface="Calibri"/>
+              </a:rPr>
+              <a:t>Multivariate Logistic Regression</a:t>
+            </a:r>
+            <a:r>
+              <a:rPr lang="en-US" sz="2400" dirty="0">
+                <a:solidFill>
+                  <a:srgbClr val="000000"/>
+                </a:solidFill>
+                <a:latin typeface="Calibri"/>
+              </a:rPr>
+              <a:t> with </a:t>
+            </a:r>
+            <a:r>
+              <a:rPr lang="en-US" sz="2400" dirty="0" smtClean="0">
+                <a:solidFill>
+                  <a:srgbClr val="000000"/>
+                </a:solidFill>
+                <a:latin typeface="Calibri"/>
+              </a:rPr>
+              <a:t>a categorical </a:t>
+            </a:r>
+            <a:r>
+              <a:rPr lang="en-US" sz="2400" dirty="0">
+                <a:solidFill>
+                  <a:srgbClr val="000000"/>
+                </a:solidFill>
+                <a:latin typeface="Calibri"/>
+              </a:rPr>
+              <a:t>dependent variable</a:t>
+            </a:r>
+            <a:endParaRPr dirty="0"/>
+          </a:p>
+          <a:p>
+            <a:pPr lvl="1">
+              <a:lnSpc>
+                <a:spcPct val="100000"/>
+              </a:lnSpc>
+              <a:buFont typeface="Arial"/>
+              <a:buChar char="•"/>
+            </a:pPr>
+            <a:r>
+              <a:rPr lang="en-US" sz="2000" dirty="0">
+                <a:solidFill>
+                  <a:srgbClr val="000000"/>
+                </a:solidFill>
+                <a:latin typeface="Calibri"/>
+              </a:rPr>
+              <a:t>Win/Draw/Loss classification + confidence</a:t>
+            </a:r>
+            <a:endParaRPr dirty="0"/>
+          </a:p>
+          <a:p>
+            <a:pPr lvl="1">
+              <a:lnSpc>
+                <a:spcPct val="100000"/>
+              </a:lnSpc>
+              <a:buFont typeface="Arial"/>
+              <a:buChar char="•"/>
+            </a:pPr>
+            <a:r>
+              <a:rPr lang="en-US" sz="2000" dirty="0">
+                <a:solidFill>
+                  <a:srgbClr val="000000"/>
+                </a:solidFill>
+                <a:latin typeface="Calibri"/>
+              </a:rPr>
+              <a:t>Interpretation of the co-variate's importance</a:t>
+            </a:r>
+            <a:endParaRPr dirty="0"/>
+          </a:p>
+          <a:p>
+            <a:pPr lvl="1">
+              <a:lnSpc>
+                <a:spcPct val="100000"/>
+              </a:lnSpc>
+              <a:buFont typeface="Arial"/>
+              <a:buChar char="•"/>
+            </a:pPr>
+            <a:r>
+              <a:rPr lang="en-US" sz="2000" dirty="0">
+                <a:solidFill>
+                  <a:srgbClr val="000000"/>
+                </a:solidFill>
+                <a:latin typeface="Calibri"/>
+              </a:rPr>
+              <a:t>Simple to implement, successful </a:t>
+            </a:r>
+            <a:r>
+              <a:rPr lang="en-US" sz="2000" dirty="0" smtClean="0">
+                <a:solidFill>
+                  <a:srgbClr val="000000"/>
+                </a:solidFill>
+                <a:latin typeface="Calibri"/>
+              </a:rPr>
+              <a:t/>
+            </a:r>
+            <a:br>
+              <a:rPr lang="en-US" sz="2000" dirty="0" smtClean="0">
+                <a:solidFill>
+                  <a:srgbClr val="000000"/>
+                </a:solidFill>
+                <a:latin typeface="Calibri"/>
+              </a:rPr>
+            </a:br>
+            <a:endParaRPr dirty="0"/>
+          </a:p>
+          <a:p>
+            <a:pPr>
+              <a:lnSpc>
+                <a:spcPct val="90000"/>
+              </a:lnSpc>
+              <a:buFont typeface="Arial"/>
+              <a:buChar char="•"/>
+            </a:pPr>
+            <a:r>
+              <a:rPr lang="en-US" sz="2400" dirty="0" err="1">
+                <a:solidFill>
+                  <a:srgbClr val="0066CC"/>
+                </a:solidFill>
+                <a:latin typeface="Calibri"/>
+              </a:rPr>
+              <a:t>LogRegression</a:t>
+            </a:r>
+            <a:r>
+              <a:rPr lang="en-US" sz="2400" dirty="0">
+                <a:solidFill>
+                  <a:srgbClr val="000000"/>
+                </a:solidFill>
+                <a:latin typeface="Calibri"/>
+              </a:rPr>
+              <a:t> </a:t>
+            </a:r>
+            <a:r>
+              <a:rPr lang="en-US" sz="2400" dirty="0" smtClean="0">
+                <a:solidFill>
+                  <a:srgbClr val="000000"/>
+                </a:solidFill>
+                <a:latin typeface="Calibri"/>
+              </a:rPr>
+              <a:t>with </a:t>
+            </a:r>
+            <a:r>
+              <a:rPr lang="en-US" sz="2400" dirty="0">
+                <a:solidFill>
+                  <a:srgbClr val="000000"/>
+                </a:solidFill>
+                <a:latin typeface="Calibri"/>
+              </a:rPr>
+              <a:t>hard “draw probability” cut-off </a:t>
+            </a:r>
+            <a:endParaRPr dirty="0"/>
+          </a:p>
+          <a:p>
+            <a:pPr lvl="1">
+              <a:lnSpc>
+                <a:spcPct val="100000"/>
+              </a:lnSpc>
+              <a:buFont typeface="Arial"/>
+              <a:buChar char="•"/>
+            </a:pPr>
+            <a:r>
+              <a:rPr lang="en-US" sz="2000" dirty="0">
+                <a:solidFill>
+                  <a:srgbClr val="000000"/>
+                </a:solidFill>
+                <a:latin typeface="Calibri"/>
+              </a:rPr>
+              <a:t>Predict draw or not-draw</a:t>
+            </a:r>
+            <a:endParaRPr dirty="0"/>
+          </a:p>
+          <a:p>
+            <a:pPr lvl="1">
+              <a:lnSpc>
+                <a:spcPct val="100000"/>
+              </a:lnSpc>
+              <a:buFont typeface="Arial"/>
+              <a:buChar char="•"/>
+            </a:pPr>
+            <a:r>
+              <a:rPr lang="en-US" sz="2000" dirty="0">
+                <a:solidFill>
+                  <a:srgbClr val="000000"/>
+                </a:solidFill>
+                <a:latin typeface="Calibri"/>
+              </a:rPr>
+              <a:t>If not-draw then predict </a:t>
+            </a:r>
+            <a:r>
+              <a:rPr lang="en-US" sz="2000" dirty="0" smtClean="0">
+                <a:solidFill>
+                  <a:srgbClr val="000000"/>
+                </a:solidFill>
+                <a:latin typeface="Calibri"/>
+              </a:rPr>
+              <a:t>loss/win</a:t>
+            </a:r>
+            <a:br>
+              <a:rPr lang="en-US" sz="2000" dirty="0" smtClean="0">
+                <a:solidFill>
+                  <a:srgbClr val="000000"/>
+                </a:solidFill>
+                <a:latin typeface="Calibri"/>
+              </a:rPr>
+            </a:br>
+            <a:endParaRPr dirty="0"/>
+          </a:p>
+        </p:txBody>
+      </p:sp>
     </p:spTree>
+    <p:extLst>
+      <p:ext uri="{BB962C8B-B14F-4D97-AF65-F5344CB8AC3E}">
+        <p14:creationId xmlns:p14="http://schemas.microsoft.com/office/powerpoint/2010/main" val="1295766829"/>
+      </p:ext>
+    </p:extLst>
   </p:cSld>
+  <p:clrMapOvr>
+    <a:masterClrMapping/>
+  </p:clrMapOvr>
+  <mc:AlternateContent xmlns:mc="http://schemas.openxmlformats.org/markup-compatibility/2006">
+    <mc:Choice xmlns:p14="http://schemas.microsoft.com/office/powerpoint/2010/main" Requires="p14">
+      <p:transition p14:dur="0"/>
+    </mc:Choice>
+    <mc:Fallback>
+      <p:transition/>
+    </mc:Fallback>
+  </mc:AlternateContent>
   <p:timing>
     <p:tnLst>
       <p:par>
-        <p:cTn id="7" dur="indefinite" restart="never" nodeType="tmRoot">
+        <p:cTn id="1" dur="indefinite" restart="never" nodeType="tmRoot">
           <p:childTnLst>
             <p:seq>
-              <p:cTn id="8" nodeType="mainSeq"/>
+              <p:cTn id="2" nodeType="mainSeq"/>
               <p:prevCondLst>
-                <p:cond delay="0" evt="onPrev">
+                <p:cond evt="onPrev" delay="0">
                   <p:tgtEl>
                     <p:sldTgt/>
                   </p:tgtEl>
                 </p:cond>
               </p:prevCondLst>
               <p:nextCondLst>
-                <p:cond delay="0" evt="onNext">
+                <p:cond evt="onNext" delay="0">
                   <p:tgtEl>
                     <p:sldTgt/>
                   </p:tgtEl>
@@ -3938,7 +6314,7 @@
 </file>
 
 <file path=ppt/slides/slide5.xml><?xml version="1.0" encoding="utf-8"?>
-<p:sld xmlns:a="http://schemas.openxmlformats.org/drawingml/2006/main" xmlns:p="http://schemas.openxmlformats.org/presentationml/2006/main" xmlns:r="http://schemas.openxmlformats.org/officeDocument/2006/relationships">
+<p:sld xmlns:a="http://schemas.openxmlformats.org/drawingml/2006/main" xmlns:r="http://schemas.openxmlformats.org/officeDocument/2006/relationships" xmlns:p="http://schemas.openxmlformats.org/presentationml/2006/main">
   <p:cSld>
     <p:spTree>
       <p:nvGrpSpPr>
@@ -3956,7 +6332,7 @@
       </p:grpSpPr>
       <p:sp>
         <p:nvSpPr>
-          <p:cNvPr id="85" name="CustomShape 1"/>
+          <p:cNvPr id="79" name="CustomShape 1"/>
           <p:cNvSpPr/>
           <p:nvPr/>
         </p:nvSpPr>
@@ -3974,7 +6350,8 @@
           </a:ln>
         </p:spPr>
         <p:txBody>
-          <a:bodyPr lIns="90000" rIns="90000" tIns="45000" bIns="45000" anchor="ctr"/>
+          <a:bodyPr lIns="90000" tIns="45000" rIns="90000" bIns="45000" anchor="ctr"/>
+          <a:lstStyle/>
           <a:p>
             <a:pPr>
               <a:lnSpc>
@@ -3984,59 +6361,368 @@
             <a:r>
               <a:rPr lang="en-US" sz="4400">
                 <a:solidFill>
-                  <a:srgbClr val="0084d1"/>
+                  <a:srgbClr val="0084D1"/>
                 </a:solidFill>
                 <a:latin typeface="Calibri Light"/>
               </a:rPr>
-              <a:t>Evaluation and Model Selection</a:t>
-            </a:r>
-            <a:endParaRPr/>
-          </a:p>
-        </p:txBody>
-      </p:sp>
-      <p:pic>
-        <p:nvPicPr>
-          <p:cNvPr id="86" name="" descr=""/>
-          <p:cNvPicPr/>
+              <a:t>Modeling Concept</a:t>
+            </a:r>
+            <a:endParaRPr/>
+          </a:p>
+        </p:txBody>
+      </p:sp>
+      <p:sp>
+        <p:nvSpPr>
+          <p:cNvPr id="80" name="CustomShape 2"/>
+          <p:cNvSpPr/>
           <p:nvPr/>
-        </p:nvPicPr>
-        <p:blipFill>
-          <a:blip r:embed="rId1"/>
-          <a:stretch>
-            <a:fillRect/>
-          </a:stretch>
-        </p:blipFill>
-        <p:spPr>
-          <a:xfrm>
-            <a:off x="1085400" y="1463040"/>
-            <a:ext cx="10021320" cy="4524480"/>
-          </a:xfrm>
-          <a:prstGeom prst="rect">
-            <a:avLst/>
-          </a:prstGeom>
+        </p:nvSpPr>
+        <p:spPr>
+          <a:xfrm>
+            <a:off x="838080" y="1825560"/>
+            <a:ext cx="10514880" cy="4475880"/>
+          </a:xfrm>
+          <a:prstGeom prst="rect">
+            <a:avLst/>
+          </a:prstGeom>
+          <a:noFill/>
           <a:ln>
             <a:noFill/>
           </a:ln>
         </p:spPr>
-      </p:pic>
+        <p:txBody>
+          <a:bodyPr lIns="90000" tIns="45000" rIns="90000" bIns="45000"/>
+          <a:lstStyle/>
+          <a:p>
+            <a:pPr>
+              <a:lnSpc>
+                <a:spcPct val="90000"/>
+              </a:lnSpc>
+              <a:buFont typeface="Arial"/>
+              <a:buChar char="•"/>
+            </a:pPr>
+            <a:r>
+              <a:rPr lang="en-US" sz="2400" dirty="0">
+                <a:solidFill>
+                  <a:srgbClr val="0066CC"/>
+                </a:solidFill>
+                <a:latin typeface="Calibri"/>
+              </a:rPr>
+              <a:t>Random Forest</a:t>
+            </a:r>
+            <a:r>
+              <a:rPr lang="en-US" sz="2400" dirty="0">
+                <a:solidFill>
+                  <a:srgbClr val="000000"/>
+                </a:solidFill>
+                <a:latin typeface="Calibri"/>
+              </a:rPr>
+              <a:t> as a baseline </a:t>
+            </a:r>
+            <a:r>
+              <a:rPr lang="en-US" sz="2400" dirty="0" smtClean="0">
+                <a:solidFill>
+                  <a:srgbClr val="000000"/>
+                </a:solidFill>
+                <a:latin typeface="Calibri"/>
+              </a:rPr>
+              <a:t/>
+            </a:r>
+            <a:br>
+              <a:rPr lang="en-US" sz="2400" dirty="0" smtClean="0">
+                <a:solidFill>
+                  <a:srgbClr val="000000"/>
+                </a:solidFill>
+                <a:latin typeface="Calibri"/>
+              </a:rPr>
+            </a:br>
+            <a:endParaRPr dirty="0"/>
+          </a:p>
+          <a:p>
+            <a:pPr>
+              <a:lnSpc>
+                <a:spcPct val="90000"/>
+              </a:lnSpc>
+              <a:buFont typeface="Arial"/>
+              <a:buChar char="•"/>
+            </a:pPr>
+            <a:r>
+              <a:rPr lang="en-US" sz="2400" dirty="0">
+                <a:solidFill>
+                  <a:srgbClr val="0066CC"/>
+                </a:solidFill>
+                <a:latin typeface="Calibri"/>
+              </a:rPr>
+              <a:t>Multivariate Logistic Regression</a:t>
+            </a:r>
+            <a:r>
+              <a:rPr lang="en-US" sz="2400" dirty="0">
+                <a:solidFill>
+                  <a:srgbClr val="000000"/>
+                </a:solidFill>
+                <a:latin typeface="Calibri"/>
+              </a:rPr>
+              <a:t> with </a:t>
+            </a:r>
+            <a:r>
+              <a:rPr lang="en-US" sz="2400" dirty="0" smtClean="0">
+                <a:solidFill>
+                  <a:srgbClr val="000000"/>
+                </a:solidFill>
+                <a:latin typeface="Calibri"/>
+              </a:rPr>
+              <a:t>a categorical </a:t>
+            </a:r>
+            <a:r>
+              <a:rPr lang="en-US" sz="2400" dirty="0">
+                <a:solidFill>
+                  <a:srgbClr val="000000"/>
+                </a:solidFill>
+                <a:latin typeface="Calibri"/>
+              </a:rPr>
+              <a:t>dependent variable</a:t>
+            </a:r>
+            <a:endParaRPr dirty="0"/>
+          </a:p>
+          <a:p>
+            <a:pPr lvl="1">
+              <a:lnSpc>
+                <a:spcPct val="100000"/>
+              </a:lnSpc>
+              <a:buFont typeface="Arial"/>
+              <a:buChar char="•"/>
+            </a:pPr>
+            <a:r>
+              <a:rPr lang="en-US" sz="2000" dirty="0">
+                <a:solidFill>
+                  <a:srgbClr val="000000"/>
+                </a:solidFill>
+                <a:latin typeface="Calibri"/>
+              </a:rPr>
+              <a:t>Win/Draw/Loss classification + confidence</a:t>
+            </a:r>
+            <a:endParaRPr dirty="0"/>
+          </a:p>
+          <a:p>
+            <a:pPr lvl="1">
+              <a:lnSpc>
+                <a:spcPct val="100000"/>
+              </a:lnSpc>
+              <a:buFont typeface="Arial"/>
+              <a:buChar char="•"/>
+            </a:pPr>
+            <a:r>
+              <a:rPr lang="en-US" sz="2000" dirty="0">
+                <a:solidFill>
+                  <a:srgbClr val="000000"/>
+                </a:solidFill>
+                <a:latin typeface="Calibri"/>
+              </a:rPr>
+              <a:t>Interpretation of the co-variate's importance</a:t>
+            </a:r>
+            <a:endParaRPr dirty="0"/>
+          </a:p>
+          <a:p>
+            <a:pPr lvl="1">
+              <a:lnSpc>
+                <a:spcPct val="100000"/>
+              </a:lnSpc>
+              <a:buFont typeface="Arial"/>
+              <a:buChar char="•"/>
+            </a:pPr>
+            <a:r>
+              <a:rPr lang="en-US" sz="2000" dirty="0">
+                <a:solidFill>
+                  <a:srgbClr val="000000"/>
+                </a:solidFill>
+                <a:latin typeface="Calibri"/>
+              </a:rPr>
+              <a:t>Simple to implement, successful </a:t>
+            </a:r>
+            <a:r>
+              <a:rPr lang="en-US" sz="2000" dirty="0" smtClean="0">
+                <a:solidFill>
+                  <a:srgbClr val="000000"/>
+                </a:solidFill>
+                <a:latin typeface="Calibri"/>
+              </a:rPr>
+              <a:t/>
+            </a:r>
+            <a:br>
+              <a:rPr lang="en-US" sz="2000" dirty="0" smtClean="0">
+                <a:solidFill>
+                  <a:srgbClr val="000000"/>
+                </a:solidFill>
+                <a:latin typeface="Calibri"/>
+              </a:rPr>
+            </a:br>
+            <a:endParaRPr dirty="0"/>
+          </a:p>
+          <a:p>
+            <a:pPr>
+              <a:lnSpc>
+                <a:spcPct val="90000"/>
+              </a:lnSpc>
+              <a:buFont typeface="Arial"/>
+              <a:buChar char="•"/>
+            </a:pPr>
+            <a:r>
+              <a:rPr lang="en-US" sz="2400" dirty="0" err="1">
+                <a:solidFill>
+                  <a:srgbClr val="0066CC"/>
+                </a:solidFill>
+                <a:latin typeface="Calibri"/>
+              </a:rPr>
+              <a:t>LogRegression</a:t>
+            </a:r>
+            <a:r>
+              <a:rPr lang="en-US" sz="2400" dirty="0">
+                <a:solidFill>
+                  <a:srgbClr val="000000"/>
+                </a:solidFill>
+                <a:latin typeface="Calibri"/>
+              </a:rPr>
+              <a:t> with hard “draw probability” cut-off </a:t>
+            </a:r>
+            <a:endParaRPr dirty="0"/>
+          </a:p>
+          <a:p>
+            <a:pPr lvl="1">
+              <a:lnSpc>
+                <a:spcPct val="100000"/>
+              </a:lnSpc>
+              <a:buFont typeface="Arial"/>
+              <a:buChar char="•"/>
+            </a:pPr>
+            <a:r>
+              <a:rPr lang="en-US" sz="2000" dirty="0">
+                <a:solidFill>
+                  <a:srgbClr val="000000"/>
+                </a:solidFill>
+                <a:latin typeface="Calibri"/>
+              </a:rPr>
+              <a:t>Predict draw or not-draw</a:t>
+            </a:r>
+            <a:endParaRPr dirty="0"/>
+          </a:p>
+          <a:p>
+            <a:pPr lvl="1">
+              <a:lnSpc>
+                <a:spcPct val="100000"/>
+              </a:lnSpc>
+              <a:buFont typeface="Arial"/>
+              <a:buChar char="•"/>
+            </a:pPr>
+            <a:r>
+              <a:rPr lang="en-US" sz="2000" dirty="0">
+                <a:solidFill>
+                  <a:srgbClr val="000000"/>
+                </a:solidFill>
+                <a:latin typeface="Calibri"/>
+              </a:rPr>
+              <a:t>If not-draw then predict </a:t>
+            </a:r>
+            <a:r>
+              <a:rPr lang="en-US" sz="2000" dirty="0" smtClean="0">
+                <a:solidFill>
+                  <a:srgbClr val="000000"/>
+                </a:solidFill>
+                <a:latin typeface="Calibri"/>
+              </a:rPr>
+              <a:t>loss/win</a:t>
+            </a:r>
+            <a:br>
+              <a:rPr lang="en-US" sz="2000" dirty="0" smtClean="0">
+                <a:solidFill>
+                  <a:srgbClr val="000000"/>
+                </a:solidFill>
+                <a:latin typeface="Calibri"/>
+              </a:rPr>
+            </a:br>
+            <a:endParaRPr dirty="0"/>
+          </a:p>
+          <a:p>
+            <a:pPr>
+              <a:lnSpc>
+                <a:spcPct val="90000"/>
+              </a:lnSpc>
+              <a:buFont typeface="Arial"/>
+              <a:buChar char="•"/>
+            </a:pPr>
+            <a:r>
+              <a:rPr lang="en-US" sz="2400" dirty="0">
+                <a:solidFill>
+                  <a:srgbClr val="000000"/>
+                </a:solidFill>
+                <a:latin typeface="Calibri"/>
+              </a:rPr>
+              <a:t>Other models for comparison: </a:t>
+            </a:r>
+            <a:r>
+              <a:rPr lang="en-US" sz="2400" dirty="0">
+                <a:solidFill>
+                  <a:srgbClr val="0066CC"/>
+                </a:solidFill>
+                <a:latin typeface="Calibri"/>
+              </a:rPr>
+              <a:t>SVM</a:t>
+            </a:r>
+            <a:r>
+              <a:rPr lang="en-US" sz="2400" dirty="0">
+                <a:solidFill>
+                  <a:srgbClr val="000000"/>
+                </a:solidFill>
+                <a:latin typeface="Calibri"/>
+              </a:rPr>
+              <a:t>, </a:t>
+            </a:r>
+            <a:r>
+              <a:rPr lang="en-US" sz="2400" dirty="0">
+                <a:solidFill>
+                  <a:srgbClr val="0066CC"/>
+                </a:solidFill>
+                <a:latin typeface="Calibri"/>
+              </a:rPr>
+              <a:t>Poisson Regression</a:t>
+            </a:r>
+            <a:endParaRPr dirty="0"/>
+          </a:p>
+        </p:txBody>
+      </p:sp>
     </p:spTree>
+    <p:extLst>
+      <p:ext uri="{BB962C8B-B14F-4D97-AF65-F5344CB8AC3E}">
+        <p14:creationId xmlns:p14="http://schemas.microsoft.com/office/powerpoint/2010/main" val="1365680027"/>
+      </p:ext>
+    </p:extLst>
   </p:cSld>
+  <p:clrMapOvr>
+    <a:masterClrMapping/>
+  </p:clrMapOvr>
+  <mc:AlternateContent xmlns:mc="http://schemas.openxmlformats.org/markup-compatibility/2006">
+    <mc:Choice xmlns:p14="http://schemas.microsoft.com/office/powerpoint/2010/main" Requires="p14">
+      <p:transition p14:dur="0"/>
+    </mc:Choice>
+    <mc:Fallback>
+      <p:transition/>
+    </mc:Fallback>
+  </mc:AlternateContent>
   <p:timing>
     <p:tnLst>
       <p:par>
-        <p:cTn id="9" dur="indefinite" restart="never" nodeType="tmRoot">
+        <p:cTn id="1" dur="indefinite" restart="never" nodeType="tmRoot">
           <p:childTnLst>
             <p:seq>
-              <p:cTn id="10" nodeType="mainSeq"/>
+              <p:cTn id="2" nodeType="mainSeq"/>
               <p:prevCondLst>
-                <p:cond delay="0" evt="onPrev">
+                <p:cond evt="onPrev" delay="0">
                   <p:tgtEl>
                     <p:sldTgt/>
                   </p:tgtEl>
                 </p:cond>
               </p:prevCondLst>
               <p:nextCondLst>
-                <p:cond delay="0" evt="onNext">
+                <p:cond evt="onNext" delay="0">
                   <p:tgtEl>
                     <p:sldTgt/>
                   </p:tgtEl>
@@ -4052,7 +6738,7 @@
 </file>
 
 <file path=ppt/slides/slide6.xml><?xml version="1.0" encoding="utf-8"?>
-<p:sld xmlns:a="http://schemas.openxmlformats.org/drawingml/2006/main" xmlns:p="http://schemas.openxmlformats.org/presentationml/2006/main" xmlns:r="http://schemas.openxmlformats.org/officeDocument/2006/relationships">
+<p:sld xmlns:a="http://schemas.openxmlformats.org/drawingml/2006/main" xmlns:r="http://schemas.openxmlformats.org/officeDocument/2006/relationships" xmlns:p="http://schemas.openxmlformats.org/presentationml/2006/main">
   <p:cSld>
     <p:spTree>
       <p:nvGrpSpPr>
@@ -4070,7 +6756,7 @@
       </p:grpSpPr>
       <p:sp>
         <p:nvSpPr>
-          <p:cNvPr id="87" name="CustomShape 1"/>
+          <p:cNvPr id="81" name="CustomShape 1"/>
           <p:cNvSpPr/>
           <p:nvPr/>
         </p:nvSpPr>
@@ -4088,7 +6774,8 @@
           </a:ln>
         </p:spPr>
         <p:txBody>
-          <a:bodyPr lIns="90000" rIns="90000" tIns="45000" bIns="45000" anchor="ctr"/>
+          <a:bodyPr lIns="90000" tIns="45000" rIns="90000" bIns="45000" anchor="ctr"/>
+          <a:lstStyle/>
           <a:p>
             <a:pPr>
               <a:lnSpc>
@@ -4098,59 +6785,101 @@
             <a:r>
               <a:rPr lang="en-US" sz="4400">
                 <a:solidFill>
-                  <a:srgbClr val="0084d1"/>
+                  <a:srgbClr val="0084D1"/>
                 </a:solidFill>
                 <a:latin typeface="Calibri Light"/>
               </a:rPr>
-              <a:t>Evaluation and Model Selection</a:t>
-            </a:r>
-            <a:endParaRPr/>
-          </a:p>
-        </p:txBody>
-      </p:sp>
-      <p:pic>
-        <p:nvPicPr>
-          <p:cNvPr id="88" name="Content Placeholder 3" descr=""/>
-          <p:cNvPicPr/>
+              <a:t>Data Preparation</a:t>
+            </a:r>
+            <a:endParaRPr/>
+          </a:p>
+        </p:txBody>
+      </p:sp>
+      <p:sp>
+        <p:nvSpPr>
+          <p:cNvPr id="82" name="CustomShape 2"/>
+          <p:cNvSpPr/>
           <p:nvPr/>
-        </p:nvPicPr>
-        <p:blipFill>
-          <a:blip r:embed="rId1"/>
-          <a:stretch>
-            <a:fillRect/>
-          </a:stretch>
-        </p:blipFill>
-        <p:spPr>
-          <a:xfrm>
-            <a:off x="1744560" y="1825560"/>
-            <a:ext cx="8701920" cy="4350600"/>
-          </a:xfrm>
-          <a:prstGeom prst="rect">
-            <a:avLst/>
-          </a:prstGeom>
+        </p:nvSpPr>
+        <p:spPr>
+          <a:xfrm>
+            <a:off x="838080" y="1825560"/>
+            <a:ext cx="10514880" cy="4350600"/>
+          </a:xfrm>
+          <a:prstGeom prst="rect">
+            <a:avLst/>
+          </a:prstGeom>
+          <a:noFill/>
           <a:ln>
             <a:noFill/>
           </a:ln>
         </p:spPr>
-      </p:pic>
+        <p:txBody>
+          <a:bodyPr lIns="90000" tIns="45000" rIns="90000" bIns="45000"/>
+          <a:lstStyle/>
+          <a:p>
+            <a:pPr marL="342900" indent="-342900">
+              <a:buFont typeface="Arial" charset="0"/>
+              <a:buChar char="•"/>
+            </a:pPr>
+            <a:r>
+              <a:rPr lang="en-US" sz="2400" dirty="0" smtClean="0">
+                <a:solidFill>
+                  <a:srgbClr val="000000"/>
+                </a:solidFill>
+                <a:latin typeface="Calibri"/>
+              </a:rPr>
+              <a:t>Formatting</a:t>
+            </a:r>
+            <a:r>
+              <a:rPr lang="en-US" sz="2400" dirty="0">
+                <a:solidFill>
+                  <a:srgbClr val="000000"/>
+                </a:solidFill>
+                <a:latin typeface="Calibri"/>
+              </a:rPr>
+              <a:t>, data clean-up and correction</a:t>
+            </a:r>
+            <a:endParaRPr dirty="0"/>
+          </a:p>
+          <a:p>
+            <a:pPr marL="285750" indent="-285750">
+              <a:lnSpc>
+                <a:spcPct val="90000"/>
+              </a:lnSpc>
+              <a:buFont typeface="Arial" charset="0"/>
+              <a:buChar char="•"/>
+            </a:pPr>
+            <a:endParaRPr dirty="0" smtClean="0"/>
+          </a:p>
+        </p:txBody>
+      </p:sp>
     </p:spTree>
+    <p:extLst>
+      <p:ext uri="{BB962C8B-B14F-4D97-AF65-F5344CB8AC3E}">
+        <p14:creationId xmlns:p14="http://schemas.microsoft.com/office/powerpoint/2010/main" val="1739546040"/>
+      </p:ext>
+    </p:extLst>
   </p:cSld>
+  <p:clrMapOvr>
+    <a:masterClrMapping/>
+  </p:clrMapOvr>
   <p:timing>
     <p:tnLst>
       <p:par>
-        <p:cTn id="11" dur="indefinite" restart="never" nodeType="tmRoot">
+        <p:cTn id="1" dur="indefinite" restart="never" nodeType="tmRoot">
           <p:childTnLst>
             <p:seq>
-              <p:cTn id="12" nodeType="mainSeq"/>
+              <p:cTn id="2" nodeType="mainSeq"/>
               <p:prevCondLst>
-                <p:cond delay="0" evt="onPrev">
+                <p:cond evt="onPrev" delay="0">
                   <p:tgtEl>
                     <p:sldTgt/>
                   </p:tgtEl>
                 </p:cond>
               </p:prevCondLst>
               <p:nextCondLst>
-                <p:cond delay="0" evt="onNext">
+                <p:cond evt="onNext" delay="0">
                   <p:tgtEl>
                     <p:sldTgt/>
                   </p:tgtEl>
@@ -4166,7 +6895,7 @@
 </file>
 
 <file path=ppt/slides/slide7.xml><?xml version="1.0" encoding="utf-8"?>
-<p:sld xmlns:a="http://schemas.openxmlformats.org/drawingml/2006/main" xmlns:p="http://schemas.openxmlformats.org/presentationml/2006/main" xmlns:r="http://schemas.openxmlformats.org/officeDocument/2006/relationships">
+<p:sld xmlns:a="http://schemas.openxmlformats.org/drawingml/2006/main" xmlns:r="http://schemas.openxmlformats.org/officeDocument/2006/relationships" xmlns:p="http://schemas.openxmlformats.org/presentationml/2006/main">
   <p:cSld>
     <p:spTree>
       <p:nvGrpSpPr>
@@ -4184,7 +6913,7 @@
       </p:grpSpPr>
       <p:sp>
         <p:nvSpPr>
-          <p:cNvPr id="89" name="CustomShape 1"/>
+          <p:cNvPr id="81" name="CustomShape 1"/>
           <p:cNvSpPr/>
           <p:nvPr/>
         </p:nvSpPr>
@@ -4202,7 +6931,8 @@
           </a:ln>
         </p:spPr>
         <p:txBody>
-          <a:bodyPr lIns="90000" rIns="90000" tIns="45000" bIns="45000" anchor="ctr"/>
+          <a:bodyPr lIns="90000" tIns="45000" rIns="90000" bIns="45000" anchor="ctr"/>
+          <a:lstStyle/>
           <a:p>
             <a:pPr>
               <a:lnSpc>
@@ -4212,59 +6942,215 @@
             <a:r>
               <a:rPr lang="en-US" sz="4400">
                 <a:solidFill>
-                  <a:srgbClr val="0084d1"/>
+                  <a:srgbClr val="0084D1"/>
                 </a:solidFill>
                 <a:latin typeface="Calibri Light"/>
               </a:rPr>
-              <a:t>t-SNE on all games</a:t>
-            </a:r>
-            <a:endParaRPr/>
-          </a:p>
-        </p:txBody>
-      </p:sp>
-      <p:pic>
-        <p:nvPicPr>
-          <p:cNvPr id="90" name="Picture 3" descr=""/>
-          <p:cNvPicPr/>
+              <a:t>Data Preparation</a:t>
+            </a:r>
+            <a:endParaRPr/>
+          </a:p>
+        </p:txBody>
+      </p:sp>
+      <p:sp>
+        <p:nvSpPr>
+          <p:cNvPr id="82" name="CustomShape 2"/>
+          <p:cNvSpPr/>
           <p:nvPr/>
-        </p:nvPicPr>
-        <p:blipFill>
-          <a:blip r:embed="rId1"/>
-          <a:stretch>
-            <a:fillRect/>
-          </a:stretch>
-        </p:blipFill>
-        <p:spPr>
-          <a:xfrm>
-            <a:off x="1037880" y="1690560"/>
-            <a:ext cx="10115640" cy="5166720"/>
-          </a:xfrm>
-          <a:prstGeom prst="rect">
-            <a:avLst/>
-          </a:prstGeom>
+        </p:nvSpPr>
+        <p:spPr>
+          <a:xfrm>
+            <a:off x="838080" y="1825560"/>
+            <a:ext cx="10514880" cy="4350600"/>
+          </a:xfrm>
+          <a:prstGeom prst="rect">
+            <a:avLst/>
+          </a:prstGeom>
+          <a:noFill/>
           <a:ln>
             <a:noFill/>
           </a:ln>
         </p:spPr>
-      </p:pic>
+        <p:txBody>
+          <a:bodyPr lIns="90000" tIns="45000" rIns="90000" bIns="45000"/>
+          <a:lstStyle/>
+          <a:p>
+            <a:pPr marL="342900" indent="-342900">
+              <a:buFont typeface="Arial" charset="0"/>
+              <a:buChar char="•"/>
+            </a:pPr>
+            <a:r>
+              <a:rPr lang="en-US" sz="2400" dirty="0" smtClean="0">
+                <a:solidFill>
+                  <a:srgbClr val="000000"/>
+                </a:solidFill>
+                <a:latin typeface="Calibri"/>
+              </a:rPr>
+              <a:t>Formatting</a:t>
+            </a:r>
+            <a:r>
+              <a:rPr lang="en-US" sz="2400" dirty="0">
+                <a:solidFill>
+                  <a:srgbClr val="000000"/>
+                </a:solidFill>
+                <a:latin typeface="Calibri"/>
+              </a:rPr>
+              <a:t>, data clean-up and correction</a:t>
+            </a:r>
+            <a:endParaRPr dirty="0"/>
+          </a:p>
+          <a:p>
+            <a:pPr marL="285750" indent="-285750">
+              <a:lnSpc>
+                <a:spcPct val="90000"/>
+              </a:lnSpc>
+              <a:buFont typeface="Arial" charset="0"/>
+              <a:buChar char="•"/>
+            </a:pPr>
+            <a:endParaRPr dirty="0" smtClean="0"/>
+          </a:p>
+          <a:p>
+            <a:pPr marL="342900" indent="-342900">
+              <a:lnSpc>
+                <a:spcPct val="90000"/>
+              </a:lnSpc>
+              <a:buFont typeface="Arial" charset="0"/>
+              <a:buChar char="•"/>
+            </a:pPr>
+            <a:r>
+              <a:rPr lang="en-US" sz="2400" dirty="0">
+                <a:solidFill>
+                  <a:srgbClr val="000000"/>
+                </a:solidFill>
+                <a:latin typeface="Calibri"/>
+              </a:rPr>
+              <a:t>Extending with new features</a:t>
+            </a:r>
+            <a:endParaRPr dirty="0"/>
+          </a:p>
+          <a:p>
+            <a:pPr marL="800100" lvl="1" indent="-342900">
+              <a:lnSpc>
+                <a:spcPct val="100000"/>
+              </a:lnSpc>
+              <a:buFont typeface="Arial" charset="0"/>
+              <a:buChar char="•"/>
+            </a:pPr>
+            <a:r>
+              <a:rPr lang="en-US" sz="2000" dirty="0">
+                <a:solidFill>
+                  <a:srgbClr val="000000"/>
+                </a:solidFill>
+                <a:latin typeface="Calibri"/>
+              </a:rPr>
+              <a:t>Nation’s GDP, population </a:t>
+            </a:r>
+            <a:endParaRPr dirty="0"/>
+          </a:p>
+          <a:p>
+            <a:pPr marL="800100" lvl="1" indent="-342900">
+              <a:lnSpc>
+                <a:spcPct val="100000"/>
+              </a:lnSpc>
+              <a:buFont typeface="Arial" charset="0"/>
+              <a:buChar char="•"/>
+            </a:pPr>
+            <a:r>
+              <a:rPr lang="en-US" sz="2000" dirty="0">
+                <a:solidFill>
+                  <a:srgbClr val="000000"/>
+                </a:solidFill>
+                <a:latin typeface="Calibri"/>
+              </a:rPr>
+              <a:t>Weighted historical scoring in previous editions of the tournament</a:t>
+            </a:r>
+            <a:endParaRPr dirty="0"/>
+          </a:p>
+          <a:p>
+            <a:pPr marL="742950" lvl="1" indent="-285750">
+              <a:lnSpc>
+                <a:spcPct val="100000"/>
+              </a:lnSpc>
+              <a:buFont typeface="Arial" charset="0"/>
+              <a:buChar char="•"/>
+            </a:pPr>
+            <a:endParaRPr dirty="0"/>
+          </a:p>
+          <a:p>
+            <a:pPr marL="800100" lvl="1" indent="-342900">
+              <a:lnSpc>
+                <a:spcPct val="100000"/>
+              </a:lnSpc>
+              <a:buFont typeface="Arial" charset="0"/>
+              <a:buChar char="•"/>
+            </a:pPr>
+            <a:r>
+              <a:rPr lang="en-US" sz="2400" dirty="0">
+                <a:solidFill>
+                  <a:srgbClr val="000000"/>
+                </a:solidFill>
+                <a:latin typeface="Calibri"/>
+              </a:rPr>
+              <a:t>Feature selection (</a:t>
+            </a:r>
+            <a:r>
+              <a:rPr lang="en-US" sz="2400" dirty="0">
+                <a:solidFill>
+                  <a:srgbClr val="FF950E"/>
+                </a:solidFill>
+                <a:latin typeface="Calibri"/>
+              </a:rPr>
+              <a:t>LS-SVM</a:t>
+            </a:r>
+            <a:r>
+              <a:rPr lang="en-US" sz="2400" dirty="0">
+                <a:solidFill>
+                  <a:srgbClr val="000000"/>
+                </a:solidFill>
+                <a:latin typeface="Calibri"/>
+              </a:rPr>
+              <a:t>)</a:t>
+            </a:r>
+            <a:endParaRPr dirty="0"/>
+          </a:p>
+          <a:p>
+            <a:pPr marL="285750" indent="-285750">
+              <a:lnSpc>
+                <a:spcPct val="90000"/>
+              </a:lnSpc>
+              <a:buFont typeface="Arial" charset="0"/>
+              <a:buChar char="•"/>
+            </a:pPr>
+            <a:endParaRPr dirty="0"/>
+          </a:p>
+        </p:txBody>
+      </p:sp>
     </p:spTree>
+    <p:extLst>
+      <p:ext uri="{BB962C8B-B14F-4D97-AF65-F5344CB8AC3E}">
+        <p14:creationId xmlns:p14="http://schemas.microsoft.com/office/powerpoint/2010/main" val="58613758"/>
+      </p:ext>
+    </p:extLst>
   </p:cSld>
+  <p:clrMapOvr>
+    <a:masterClrMapping/>
+  </p:clrMapOvr>
   <p:timing>
     <p:tnLst>
       <p:par>
-        <p:cTn id="13" dur="indefinite" restart="never" nodeType="tmRoot">
+        <p:cTn id="1" dur="indefinite" restart="never" nodeType="tmRoot">
           <p:childTnLst>
             <p:seq>
-              <p:cTn id="14" nodeType="mainSeq"/>
+              <p:cTn id="2" nodeType="mainSeq"/>
               <p:prevCondLst>
-                <p:cond delay="0" evt="onPrev">
+                <p:cond evt="onPrev" delay="0">
                   <p:tgtEl>
                     <p:sldTgt/>
                   </p:tgtEl>
                 </p:cond>
               </p:prevCondLst>
               <p:nextCondLst>
-                <p:cond delay="0" evt="onNext">
+                <p:cond evt="onNext" delay="0">
                   <p:tgtEl>
                     <p:sldTgt/>
                   </p:tgtEl>
@@ -4280,7 +7166,7 @@
 </file>
 
 <file path=ppt/slides/slide8.xml><?xml version="1.0" encoding="utf-8"?>
-<p:sld xmlns:a="http://schemas.openxmlformats.org/drawingml/2006/main" xmlns:p="http://schemas.openxmlformats.org/presentationml/2006/main" xmlns:r="http://schemas.openxmlformats.org/officeDocument/2006/relationships">
+<p:sld xmlns:a="http://schemas.openxmlformats.org/drawingml/2006/main" xmlns:r="http://schemas.openxmlformats.org/officeDocument/2006/relationships" xmlns:p="http://schemas.openxmlformats.org/presentationml/2006/main">
   <p:cSld>
     <p:spTree>
       <p:nvGrpSpPr>
@@ -4298,7 +7184,7 @@
       </p:grpSpPr>
       <p:sp>
         <p:nvSpPr>
-          <p:cNvPr id="91" name="CustomShape 1"/>
+          <p:cNvPr id="81" name="CustomShape 1"/>
           <p:cNvSpPr/>
           <p:nvPr/>
         </p:nvSpPr>
@@ -4316,7 +7202,8 @@
           </a:ln>
         </p:spPr>
         <p:txBody>
-          <a:bodyPr lIns="90000" rIns="90000" tIns="45000" bIns="45000" anchor="ctr"/>
+          <a:bodyPr lIns="90000" tIns="45000" rIns="90000" bIns="45000" anchor="ctr"/>
+          <a:lstStyle/>
           <a:p>
             <a:pPr>
               <a:lnSpc>
@@ -4326,19 +7213,19 @@
             <a:r>
               <a:rPr lang="en-US" sz="4400">
                 <a:solidFill>
-                  <a:srgbClr val="0084d1"/>
+                  <a:srgbClr val="0084D1"/>
                 </a:solidFill>
                 <a:latin typeface="Calibri Light"/>
               </a:rPr>
-              <a:t>t-SNE on team data only</a:t>
-            </a:r>
-            <a:endParaRPr/>
-          </a:p>
-        </p:txBody>
-      </p:sp>
-      <p:sp>
-        <p:nvSpPr>
-          <p:cNvPr id="92" name="CustomShape 2"/>
+              <a:t>Data Preparation</a:t>
+            </a:r>
+            <a:endParaRPr/>
+          </a:p>
+        </p:txBody>
+      </p:sp>
+      <p:sp>
+        <p:nvSpPr>
+          <p:cNvPr id="82" name="CustomShape 2"/>
           <p:cNvSpPr/>
           <p:nvPr/>
         </p:nvSpPr>
@@ -4355,50 +7242,223 @@
             <a:noFill/>
           </a:ln>
         </p:spPr>
-      </p:sp>
-      <p:pic>
-        <p:nvPicPr>
-          <p:cNvPr id="93" name="Picture 3" descr=""/>
-          <p:cNvPicPr/>
-          <p:nvPr/>
-        </p:nvPicPr>
-        <p:blipFill>
-          <a:blip r:embed="rId1"/>
-          <a:stretch>
-            <a:fillRect/>
-          </a:stretch>
-        </p:blipFill>
-        <p:spPr>
-          <a:xfrm>
-            <a:off x="337680" y="1485000"/>
-            <a:ext cx="11515680" cy="5031720"/>
-          </a:xfrm>
-          <a:prstGeom prst="rect">
-            <a:avLst/>
-          </a:prstGeom>
-          <a:ln>
-            <a:noFill/>
-          </a:ln>
-        </p:spPr>
-      </p:pic>
+        <p:txBody>
+          <a:bodyPr lIns="90000" tIns="45000" rIns="90000" bIns="45000"/>
+          <a:lstStyle/>
+          <a:p>
+            <a:pPr marL="342900" indent="-342900">
+              <a:buFont typeface="Arial" charset="0"/>
+              <a:buChar char="•"/>
+            </a:pPr>
+            <a:r>
+              <a:rPr lang="en-US" sz="2400" dirty="0" smtClean="0">
+                <a:solidFill>
+                  <a:srgbClr val="000000"/>
+                </a:solidFill>
+                <a:latin typeface="Calibri"/>
+              </a:rPr>
+              <a:t>Formatting</a:t>
+            </a:r>
+            <a:r>
+              <a:rPr lang="en-US" sz="2400" dirty="0">
+                <a:solidFill>
+                  <a:srgbClr val="000000"/>
+                </a:solidFill>
+                <a:latin typeface="Calibri"/>
+              </a:rPr>
+              <a:t>, data clean-up and correction</a:t>
+            </a:r>
+            <a:endParaRPr dirty="0"/>
+          </a:p>
+          <a:p>
+            <a:pPr marL="285750" indent="-285750">
+              <a:lnSpc>
+                <a:spcPct val="90000"/>
+              </a:lnSpc>
+              <a:buFont typeface="Arial" charset="0"/>
+              <a:buChar char="•"/>
+            </a:pPr>
+            <a:endParaRPr dirty="0" smtClean="0"/>
+          </a:p>
+          <a:p>
+            <a:pPr marL="342900" indent="-342900">
+              <a:lnSpc>
+                <a:spcPct val="90000"/>
+              </a:lnSpc>
+              <a:buFont typeface="Arial" charset="0"/>
+              <a:buChar char="•"/>
+            </a:pPr>
+            <a:r>
+              <a:rPr lang="en-US" sz="2400" dirty="0">
+                <a:solidFill>
+                  <a:srgbClr val="000000"/>
+                </a:solidFill>
+                <a:latin typeface="Calibri"/>
+              </a:rPr>
+              <a:t>Extending with new features</a:t>
+            </a:r>
+            <a:endParaRPr dirty="0"/>
+          </a:p>
+          <a:p>
+            <a:pPr marL="800100" lvl="1" indent="-342900">
+              <a:lnSpc>
+                <a:spcPct val="100000"/>
+              </a:lnSpc>
+              <a:buFont typeface="Arial" charset="0"/>
+              <a:buChar char="•"/>
+            </a:pPr>
+            <a:r>
+              <a:rPr lang="en-US" sz="2000" dirty="0">
+                <a:solidFill>
+                  <a:srgbClr val="000000"/>
+                </a:solidFill>
+                <a:latin typeface="Calibri"/>
+              </a:rPr>
+              <a:t>Nation’s GDP, population </a:t>
+            </a:r>
+            <a:endParaRPr dirty="0"/>
+          </a:p>
+          <a:p>
+            <a:pPr marL="800100" lvl="1" indent="-342900">
+              <a:lnSpc>
+                <a:spcPct val="100000"/>
+              </a:lnSpc>
+              <a:buFont typeface="Arial" charset="0"/>
+              <a:buChar char="•"/>
+            </a:pPr>
+            <a:r>
+              <a:rPr lang="en-US" sz="2000" dirty="0">
+                <a:solidFill>
+                  <a:srgbClr val="000000"/>
+                </a:solidFill>
+                <a:latin typeface="Calibri"/>
+              </a:rPr>
+              <a:t>Weighted historical scoring in previous editions of the tournament</a:t>
+            </a:r>
+            <a:endParaRPr dirty="0"/>
+          </a:p>
+          <a:p>
+            <a:pPr marL="742950" lvl="1" indent="-285750">
+              <a:lnSpc>
+                <a:spcPct val="100000"/>
+              </a:lnSpc>
+              <a:buFont typeface="Arial" charset="0"/>
+              <a:buChar char="•"/>
+            </a:pPr>
+            <a:endParaRPr dirty="0"/>
+          </a:p>
+          <a:p>
+            <a:pPr marL="800100" lvl="1" indent="-342900">
+              <a:lnSpc>
+                <a:spcPct val="100000"/>
+              </a:lnSpc>
+              <a:buFont typeface="Arial" charset="0"/>
+              <a:buChar char="•"/>
+            </a:pPr>
+            <a:r>
+              <a:rPr lang="en-US" sz="2400" dirty="0">
+                <a:solidFill>
+                  <a:srgbClr val="000000"/>
+                </a:solidFill>
+                <a:latin typeface="Calibri"/>
+              </a:rPr>
+              <a:t>Feature selection (</a:t>
+            </a:r>
+            <a:r>
+              <a:rPr lang="en-US" sz="2400" dirty="0">
+                <a:solidFill>
+                  <a:srgbClr val="FF950E"/>
+                </a:solidFill>
+                <a:latin typeface="Calibri"/>
+              </a:rPr>
+              <a:t>LS-SVM</a:t>
+            </a:r>
+            <a:r>
+              <a:rPr lang="en-US" sz="2400" dirty="0">
+                <a:solidFill>
+                  <a:srgbClr val="000000"/>
+                </a:solidFill>
+                <a:latin typeface="Calibri"/>
+              </a:rPr>
+              <a:t>)</a:t>
+            </a:r>
+            <a:endParaRPr dirty="0"/>
+          </a:p>
+          <a:p>
+            <a:pPr marL="285750" indent="-285750">
+              <a:lnSpc>
+                <a:spcPct val="90000"/>
+              </a:lnSpc>
+              <a:buFont typeface="Arial" charset="0"/>
+              <a:buChar char="•"/>
+            </a:pPr>
+            <a:endParaRPr dirty="0"/>
+          </a:p>
+          <a:p>
+            <a:pPr marL="342900" indent="-342900">
+              <a:lnSpc>
+                <a:spcPct val="90000"/>
+              </a:lnSpc>
+              <a:buFont typeface="Arial" charset="0"/>
+              <a:buChar char="•"/>
+            </a:pPr>
+            <a:r>
+              <a:rPr lang="en-US" sz="2400" dirty="0">
+                <a:solidFill>
+                  <a:srgbClr val="000000"/>
+                </a:solidFill>
+                <a:latin typeface="Calibri"/>
+              </a:rPr>
+              <a:t>Data visualization (</a:t>
+            </a:r>
+            <a:r>
+              <a:rPr lang="en-US" sz="2400" dirty="0">
+                <a:solidFill>
+                  <a:srgbClr val="FF950E"/>
+                </a:solidFill>
+                <a:latin typeface="Calibri"/>
+              </a:rPr>
+              <a:t>t-SNE</a:t>
+            </a:r>
+            <a:r>
+              <a:rPr lang="en-US" sz="2400" dirty="0">
+                <a:solidFill>
+                  <a:srgbClr val="000000"/>
+                </a:solidFill>
+                <a:latin typeface="Calibri"/>
+              </a:rPr>
+              <a:t>)</a:t>
+            </a:r>
+            <a:endParaRPr dirty="0"/>
+          </a:p>
+        </p:txBody>
+      </p:sp>
     </p:spTree>
+    <p:extLst>
+      <p:ext uri="{BB962C8B-B14F-4D97-AF65-F5344CB8AC3E}">
+        <p14:creationId xmlns:p14="http://schemas.microsoft.com/office/powerpoint/2010/main" val="1070846385"/>
+      </p:ext>
+    </p:extLst>
   </p:cSld>
+  <p:clrMapOvr>
+    <a:masterClrMapping/>
+  </p:clrMapOvr>
   <p:timing>
     <p:tnLst>
       <p:par>
-        <p:cTn id="15" dur="indefinite" restart="never" nodeType="tmRoot">
+        <p:cTn id="1" dur="indefinite" restart="never" nodeType="tmRoot">
           <p:childTnLst>
             <p:seq>
-              <p:cTn id="16" nodeType="mainSeq"/>
+              <p:cTn id="2" nodeType="mainSeq"/>
               <p:prevCondLst>
-                <p:cond delay="0" evt="onPrev">
+                <p:cond evt="onPrev" delay="0">
                   <p:tgtEl>
                     <p:sldTgt/>
                   </p:tgtEl>
                 </p:cond>
               </p:prevCondLst>
               <p:nextCondLst>
-                <p:cond delay="0" evt="onNext">
+                <p:cond evt="onNext" delay="0">
                   <p:tgtEl>
                     <p:sldTgt/>
                   </p:tgtEl>
@@ -4414,7 +7474,7 @@
 </file>
 
 <file path=ppt/slides/slide9.xml><?xml version="1.0" encoding="utf-8"?>
-<p:sld xmlns:a="http://schemas.openxmlformats.org/drawingml/2006/main" xmlns:p="http://schemas.openxmlformats.org/presentationml/2006/main" xmlns:r="http://schemas.openxmlformats.org/officeDocument/2006/relationships">
+<p:sld xmlns:a="http://schemas.openxmlformats.org/drawingml/2006/main" xmlns:r="http://schemas.openxmlformats.org/officeDocument/2006/relationships" xmlns:p="http://schemas.openxmlformats.org/presentationml/2006/main">
   <p:cSld>
     <p:spTree>
       <p:nvGrpSpPr>
@@ -4432,7 +7492,7 @@
       </p:grpSpPr>
       <p:sp>
         <p:nvSpPr>
-          <p:cNvPr id="94" name="CustomShape 1"/>
+          <p:cNvPr id="83" name="CustomShape 1"/>
           <p:cNvSpPr/>
           <p:nvPr/>
         </p:nvSpPr>
@@ -4449,8 +7509,54 @@
             <a:noFill/>
           </a:ln>
         </p:spPr>
-        <p:txBody>
-          <a:bodyPr lIns="90000" rIns="90000" tIns="45000" bIns="45000" anchor="ctr"/>
+      </p:sp>
+      <p:pic>
+        <p:nvPicPr>
+          <p:cNvPr id="84" name="Picture 6"/>
+          <p:cNvPicPr/>
+          <p:nvPr/>
+        </p:nvPicPr>
+        <p:blipFill>
+          <a:blip r:embed="rId2"/>
+          <a:stretch>
+            <a:fillRect/>
+          </a:stretch>
+        </p:blipFill>
+        <p:spPr>
+          <a:xfrm>
+            <a:off x="440100" y="1661400"/>
+            <a:ext cx="11310840" cy="5196600"/>
+          </a:xfrm>
+          <a:prstGeom prst="rect">
+            <a:avLst/>
+          </a:prstGeom>
+          <a:ln>
+            <a:noFill/>
+          </a:ln>
+        </p:spPr>
+      </p:pic>
+      <p:sp>
+        <p:nvSpPr>
+          <p:cNvPr id="4" name="CustomShape 1"/>
+          <p:cNvSpPr/>
+          <p:nvPr/>
+        </p:nvSpPr>
+        <p:spPr>
+          <a:xfrm>
+            <a:off x="990480" y="517440"/>
+            <a:ext cx="10514880" cy="1324800"/>
+          </a:xfrm>
+          <a:prstGeom prst="rect">
+            <a:avLst/>
+          </a:prstGeom>
+          <a:noFill/>
+          <a:ln>
+            <a:noFill/>
+          </a:ln>
+        </p:spPr>
+        <p:txBody>
+          <a:bodyPr lIns="90000" tIns="45000" rIns="90000" bIns="45000" anchor="ctr"/>
+          <a:lstStyle/>
           <a:p>
             <a:pPr>
               <a:lnSpc>
@@ -4458,140 +7564,39 @@
               </a:lnSpc>
             </a:pPr>
             <a:r>
-              <a:rPr lang="en-US" sz="4400">
-                <a:solidFill>
-                  <a:srgbClr val="0084d1"/>
+              <a:rPr lang="en-US" sz="4400" dirty="0" smtClean="0">
+                <a:solidFill>
+                  <a:srgbClr val="0084D1"/>
                 </a:solidFill>
                 <a:latin typeface="Calibri Light"/>
               </a:rPr>
-              <a:t>Conclusions</a:t>
-            </a:r>
-            <a:endParaRPr/>
-          </a:p>
-        </p:txBody>
-      </p:sp>
-      <p:sp>
-        <p:nvSpPr>
-          <p:cNvPr id="95" name="CustomShape 2"/>
-          <p:cNvSpPr/>
-          <p:nvPr/>
-        </p:nvSpPr>
-        <p:spPr>
-          <a:xfrm>
-            <a:off x="838080" y="1825560"/>
-            <a:ext cx="10514880" cy="4350600"/>
-          </a:xfrm>
-          <a:prstGeom prst="rect">
-            <a:avLst/>
-          </a:prstGeom>
-          <a:noFill/>
-          <a:ln>
-            <a:noFill/>
-          </a:ln>
-        </p:spPr>
-        <p:txBody>
-          <a:bodyPr lIns="90000" rIns="90000" tIns="45000" bIns="45000"/>
-          <a:p>
-            <a:pPr>
-              <a:lnSpc>
-                <a:spcPct val="90000"/>
-              </a:lnSpc>
-              <a:buFont typeface="Arial"/>
-              <a:buChar char="•"/>
-            </a:pPr>
-            <a:r>
-              <a:rPr lang="en-US" sz="2400">
-                <a:solidFill>
-                  <a:srgbClr val="000000"/>
-                </a:solidFill>
-                <a:latin typeface="Calibri"/>
-              </a:rPr>
-              <a:t>Probabilistic or not, models are similar in performance</a:t>
-            </a:r>
-            <a:endParaRPr/>
-          </a:p>
-          <a:p>
-            <a:pPr>
-              <a:lnSpc>
-                <a:spcPct val="90000"/>
-              </a:lnSpc>
-            </a:pPr>
-            <a:endParaRPr/>
-          </a:p>
-          <a:p>
-            <a:pPr>
-              <a:lnSpc>
-                <a:spcPct val="90000"/>
-              </a:lnSpc>
-              <a:buFont typeface="Arial"/>
-              <a:buChar char="•"/>
-            </a:pPr>
-            <a:r>
-              <a:rPr lang="en-US" sz="2400">
-                <a:solidFill>
-                  <a:srgbClr val="000000"/>
-                </a:solidFill>
-                <a:latin typeface="Calibri"/>
-              </a:rPr>
-              <a:t>Modeling with Poisson, without additional features, throws away way to much information</a:t>
-            </a:r>
-            <a:endParaRPr/>
-          </a:p>
-          <a:p>
-            <a:pPr>
-              <a:lnSpc>
-                <a:spcPct val="90000"/>
-              </a:lnSpc>
-            </a:pPr>
-            <a:endParaRPr/>
-          </a:p>
-          <a:p>
-            <a:pPr>
-              <a:lnSpc>
-                <a:spcPct val="90000"/>
-              </a:lnSpc>
-              <a:buFont typeface="Arial"/>
-              <a:buChar char="•"/>
-            </a:pPr>
-            <a:r>
-              <a:rPr lang="en-US" sz="2400">
-                <a:solidFill>
-                  <a:srgbClr val="000000"/>
-                </a:solidFill>
-                <a:latin typeface="Calibri"/>
-              </a:rPr>
-              <a:t>The lack of data decreases the confidence in our models' performance</a:t>
-            </a:r>
-            <a:endParaRPr/>
-          </a:p>
-          <a:p>
-            <a:pPr>
-              <a:lnSpc>
-                <a:spcPct val="90000"/>
-              </a:lnSpc>
-            </a:pPr>
-            <a:endParaRPr/>
+              <a:t>Feature Selection</a:t>
+            </a:r>
+            <a:endParaRPr dirty="0"/>
           </a:p>
         </p:txBody>
       </p:sp>
     </p:spTree>
   </p:cSld>
+  <p:clrMapOvr>
+    <a:masterClrMapping/>
+  </p:clrMapOvr>
   <p:timing>
     <p:tnLst>
       <p:par>
-        <p:cTn id="17" dur="indefinite" restart="never" nodeType="tmRoot">
+        <p:cTn id="1" dur="indefinite" restart="never" nodeType="tmRoot">
           <p:childTnLst>
             <p:seq>
-              <p:cTn id="18" nodeType="mainSeq"/>
+              <p:cTn id="2" nodeType="mainSeq"/>
               <p:prevCondLst>
-                <p:cond delay="0" evt="onPrev">
+                <p:cond evt="onPrev" delay="0">
                   <p:tgtEl>
                     <p:sldTgt/>
                   </p:tgtEl>
                 </p:cond>
               </p:prevCondLst>
               <p:nextCondLst>
-                <p:cond delay="0" evt="onNext">
+                <p:cond evt="onNext" delay="0">
                   <p:tgtEl>
                     <p:sldTgt/>
                   </p:tgtEl>
@@ -4826,6 +7831,8 @@
       </a:bgFillStyleLst>
     </a:fmtScheme>
   </a:themeElements>
+  <a:objectDefaults/>
+  <a:extraClrSchemeLst/>
 </a:theme>
 </file>
 
@@ -5049,6 +8056,8 @@
       </a:bgFillStyleLst>
     </a:fmtScheme>
   </a:themeElements>
+  <a:objectDefaults/>
+  <a:extraClrSchemeLst/>
 </a:theme>
 </file>
 
@@ -5272,5 +8281,7 @@
       </a:bgFillStyleLst>
     </a:fmtScheme>
   </a:themeElements>
+  <a:objectDefaults/>
+  <a:extraClrSchemeLst/>
 </a:theme>
 </file>